--- a/Презентация.pptx
+++ b/Презентация.pptx
@@ -1,6 +1,6 @@
 
 <file path=ppt/presentation.xml><?xml version="1.0" encoding="utf-8"?>
-<p:presentation xmlns:a="http://schemas.openxmlformats.org/drawingml/2006/main" xmlns:r="http://schemas.openxmlformats.org/officeDocument/2006/relationships" xmlns:p="http://schemas.openxmlformats.org/presentationml/2006/main" showSpecialPlsOnTitleSld="0" saveSubsetFonts="1">
+<p:presentation xmlns:a="http://schemas.openxmlformats.org/drawingml/2006/main" xmlns:r="http://schemas.openxmlformats.org/officeDocument/2006/relationships" xmlns:p="http://schemas.openxmlformats.org/presentationml/2006/main" saveSubsetFonts="1">
   <p:sldMasterIdLst>
     <p:sldMasterId id="2147483648" r:id="rId1"/>
   </p:sldMasterIdLst>
@@ -21,12 +21,12 @@
     <p:sldId id="266" r:id="rId9"/>
     <p:sldId id="267" r:id="rId10"/>
     <p:sldId id="268" r:id="rId11"/>
-    <p:sldId id="269" r:id="rId12"/>
-    <p:sldId id="270" r:id="rId13"/>
-    <p:sldId id="271" r:id="rId14"/>
-    <p:sldId id="272" r:id="rId15"/>
-    <p:sldId id="273" r:id="rId16"/>
-    <p:sldId id="276" r:id="rId17"/>
+    <p:sldId id="277" r:id="rId12"/>
+    <p:sldId id="269" r:id="rId13"/>
+    <p:sldId id="270" r:id="rId14"/>
+    <p:sldId id="271" r:id="rId15"/>
+    <p:sldId id="272" r:id="rId16"/>
+    <p:sldId id="273" r:id="rId17"/>
   </p:sldIdLst>
   <p:sldSz cx="12192000" cy="6858000"/>
   <p:notesSz cx="6858000" cy="9144000"/>
@@ -227,7 +227,7 @@
           <a:p>
             <a:fld id="{A8A06CD0-B507-4CEE-89FB-C5F08C3A01E0}" type="datetimeFigureOut">
               <a:rPr lang="ru-RU" smtClean="0"/>
-              <a:t>25.12.2023</a:t>
+              <a:t>14.05.2024</a:t>
             </a:fld>
             <a:endParaRPr lang="ru-RU" dirty="0"/>
           </a:p>
@@ -405,7 +405,7 @@
           <a:p>
             <a:fld id="{B4347725-E69D-457E-BCDA-7DAE1AFC94FF}" type="datetimeFigureOut">
               <a:rPr lang="ru-RU" smtClean="0"/>
-              <a:t>25.12.2023</a:t>
+              <a:t>14.05.2024</a:t>
             </a:fld>
             <a:endParaRPr lang="ru-RU" dirty="0"/>
           </a:p>
@@ -1026,7 +1026,7 @@
           <a:p>
             <a:fld id="{12811EDB-61C8-4487-A11A-C809F9741850}" type="datetime1">
               <a:rPr lang="ru-RU" smtClean="0"/>
-              <a:t>25.12.2023</a:t>
+              <a:t>14.05.2024</a:t>
             </a:fld>
             <a:endParaRPr lang="ru-RU" dirty="0"/>
           </a:p>
@@ -1224,7 +1224,7 @@
           <a:p>
             <a:fld id="{EF867315-FBD7-49A1-89FD-79D95847D094}" type="datetime1">
               <a:rPr lang="ru-RU" smtClean="0"/>
-              <a:t>25.12.2023</a:t>
+              <a:t>14.05.2024</a:t>
             </a:fld>
             <a:endParaRPr lang="ru-RU" dirty="0"/>
           </a:p>
@@ -1432,7 +1432,7 @@
           <a:p>
             <a:fld id="{675C325F-F7F9-4DFF-B825-FBC5443AFD0B}" type="datetime1">
               <a:rPr lang="ru-RU" smtClean="0"/>
-              <a:t>25.12.2023</a:t>
+              <a:t>14.05.2024</a:t>
             </a:fld>
             <a:endParaRPr lang="ru-RU" dirty="0"/>
           </a:p>
@@ -1630,7 +1630,7 @@
           <a:p>
             <a:fld id="{E8E76A8B-187B-40A1-8993-CD92163EED15}" type="datetime1">
               <a:rPr lang="ru-RU" smtClean="0"/>
-              <a:t>25.12.2023</a:t>
+              <a:t>14.05.2024</a:t>
             </a:fld>
             <a:endParaRPr lang="ru-RU" dirty="0"/>
           </a:p>
@@ -1905,7 +1905,7 @@
           <a:p>
             <a:fld id="{EFABF88D-41CD-4ED2-9F94-407815C829CD}" type="datetime1">
               <a:rPr lang="ru-RU" smtClean="0"/>
-              <a:t>25.12.2023</a:t>
+              <a:t>14.05.2024</a:t>
             </a:fld>
             <a:endParaRPr lang="ru-RU" dirty="0"/>
           </a:p>
@@ -2170,7 +2170,7 @@
           <a:p>
             <a:fld id="{133BE8A2-0EF6-4360-B3C7-4EF07514994A}" type="datetime1">
               <a:rPr lang="ru-RU" smtClean="0"/>
-              <a:t>25.12.2023</a:t>
+              <a:t>14.05.2024</a:t>
             </a:fld>
             <a:endParaRPr lang="ru-RU" dirty="0"/>
           </a:p>
@@ -2582,7 +2582,7 @@
           <a:p>
             <a:fld id="{6D60AA3A-312D-47FA-834B-9AD7DFA5E4B9}" type="datetime1">
               <a:rPr lang="ru-RU" smtClean="0"/>
-              <a:t>25.12.2023</a:t>
+              <a:t>14.05.2024</a:t>
             </a:fld>
             <a:endParaRPr lang="ru-RU" dirty="0"/>
           </a:p>
@@ -2723,7 +2723,7 @@
           <a:p>
             <a:fld id="{55616743-56AA-4A07-B26C-D8D92F511585}" type="datetime1">
               <a:rPr lang="ru-RU" smtClean="0"/>
-              <a:t>25.12.2023</a:t>
+              <a:t>14.05.2024</a:t>
             </a:fld>
             <a:endParaRPr lang="ru-RU" dirty="0"/>
           </a:p>
@@ -2836,7 +2836,7 @@
           <a:p>
             <a:fld id="{71920266-FCC5-4073-89C3-C9F362BA3319}" type="datetime1">
               <a:rPr lang="ru-RU" smtClean="0"/>
-              <a:t>25.12.2023</a:t>
+              <a:t>14.05.2024</a:t>
             </a:fld>
             <a:endParaRPr lang="ru-RU" dirty="0"/>
           </a:p>
@@ -3147,7 +3147,7 @@
           <a:p>
             <a:fld id="{6830F60F-3ADC-4431-8AB0-DB5C52BCD8DF}" type="datetime1">
               <a:rPr lang="ru-RU" smtClean="0"/>
-              <a:t>25.12.2023</a:t>
+              <a:t>14.05.2024</a:t>
             </a:fld>
             <a:endParaRPr lang="ru-RU" dirty="0"/>
           </a:p>
@@ -3435,7 +3435,7 @@
           <a:p>
             <a:fld id="{F47BA322-E4A7-4A9B-8CBC-DB1AA3C988E0}" type="datetime1">
               <a:rPr lang="ru-RU" smtClean="0"/>
-              <a:t>25.12.2023</a:t>
+              <a:t>14.05.2024</a:t>
             </a:fld>
             <a:endParaRPr lang="ru-RU" dirty="0"/>
           </a:p>
@@ -3676,7 +3676,7 @@
           <a:p>
             <a:fld id="{FEC3A9BC-0320-4305-A385-9B614C42DA63}" type="datetime1">
               <a:rPr lang="ru-RU" smtClean="0"/>
-              <a:t>25.12.2023</a:t>
+              <a:t>14.05.2024</a:t>
             </a:fld>
             <a:endParaRPr lang="ru-RU" dirty="0"/>
           </a:p>
@@ -4096,10 +4096,184 @@
       </p:grpSpPr>
       <p:sp>
         <p:nvSpPr>
-          <p:cNvPr id="2" name="Заголовок 1">
-            <a:extLst>
-              <a:ext uri="{FF2B5EF4-FFF2-40B4-BE49-F238E27FC236}">
-                <a16:creationId xmlns:a16="http://schemas.microsoft.com/office/drawing/2014/main" id="{CB6FDDDF-D166-6D06-7CDC-2C6ACC9846E9}"/>
+          <p:cNvPr id="3" name="Подзаголовок 2">
+            <a:extLst>
+              <a:ext uri="{FF2B5EF4-FFF2-40B4-BE49-F238E27FC236}">
+                <a16:creationId xmlns:a16="http://schemas.microsoft.com/office/drawing/2014/main" id="{CC8394E9-573F-1199-583F-5AE5FA9B5826}"/>
+              </a:ext>
+            </a:extLst>
+          </p:cNvPr>
+          <p:cNvSpPr>
+            <a:spLocks noGrp="1"/>
+          </p:cNvSpPr>
+          <p:nvPr>
+            <p:ph type="subTitle" idx="1"/>
+          </p:nvPr>
+        </p:nvSpPr>
+        <p:spPr>
+          <a:xfrm>
+            <a:off x="161925" y="2409825"/>
+            <a:ext cx="11639550" cy="4369197"/>
+          </a:xfrm>
+        </p:spPr>
+        <p:txBody>
+          <a:bodyPr>
+            <a:noAutofit/>
+          </a:bodyPr>
+          <a:lstStyle/>
+          <a:p>
+            <a:r>
+              <a:rPr lang="ru-RU" sz="1800" dirty="0">
+                <a:solidFill>
+                  <a:schemeClr val="tx1"/>
+                </a:solidFill>
+                <a:latin typeface="Times New Roman" panose="02020603050405020304" pitchFamily="18" charset="0"/>
+                <a:cs typeface="Times New Roman" panose="02020603050405020304" pitchFamily="18" charset="0"/>
+              </a:rPr>
+              <a:t>Журавлев Александр Олегович</a:t>
+            </a:r>
+          </a:p>
+          <a:p>
+            <a:pPr algn="just"/>
+            <a:endParaRPr lang="ru-RU" sz="1800" dirty="0">
+              <a:solidFill>
+                <a:schemeClr val="tx1"/>
+              </a:solidFill>
+              <a:latin typeface="Times New Roman" panose="02020603050405020304" pitchFamily="18" charset="0"/>
+              <a:cs typeface="Times New Roman" panose="02020603050405020304" pitchFamily="18" charset="0"/>
+            </a:endParaRPr>
+          </a:p>
+          <a:p>
+            <a:pPr algn="just"/>
+            <a:r>
+              <a:rPr lang="ru-RU" sz="1800" dirty="0">
+                <a:solidFill>
+                  <a:schemeClr val="tx1"/>
+                </a:solidFill>
+                <a:latin typeface="Times New Roman" panose="02020603050405020304" pitchFamily="18" charset="0"/>
+                <a:cs typeface="Times New Roman" panose="02020603050405020304" pitchFamily="18" charset="0"/>
+              </a:rPr>
+              <a:t>Курсовая работа по дисциплине «Разработка и стандартизация программных средств и информационных технологий»</a:t>
+            </a:r>
+          </a:p>
+          <a:p>
+            <a:pPr algn="just"/>
+            <a:endParaRPr lang="ru-RU" sz="1800" dirty="0">
+              <a:solidFill>
+                <a:schemeClr val="tx1"/>
+              </a:solidFill>
+              <a:latin typeface="Times New Roman" panose="02020603050405020304" pitchFamily="18" charset="0"/>
+              <a:cs typeface="Times New Roman" panose="02020603050405020304" pitchFamily="18" charset="0"/>
+            </a:endParaRPr>
+          </a:p>
+          <a:p>
+            <a:pPr algn="l"/>
+            <a:r>
+              <a:rPr lang="ru-RU" sz="1800" dirty="0">
+                <a:solidFill>
+                  <a:schemeClr val="tx1"/>
+                </a:solidFill>
+                <a:latin typeface="Times New Roman" panose="02020603050405020304" pitchFamily="18" charset="0"/>
+                <a:cs typeface="Times New Roman" panose="02020603050405020304" pitchFamily="18" charset="0"/>
+              </a:rPr>
+              <a:t>Направление 09.03.03–«Прикладная информатика»</a:t>
+            </a:r>
+          </a:p>
+          <a:p>
+            <a:pPr algn="l"/>
+            <a:r>
+              <a:rPr lang="ru-RU" sz="1800" dirty="0">
+                <a:solidFill>
+                  <a:schemeClr val="tx1"/>
+                </a:solidFill>
+                <a:latin typeface="Times New Roman" panose="02020603050405020304" pitchFamily="18" charset="0"/>
+                <a:cs typeface="Times New Roman" panose="02020603050405020304" pitchFamily="18" charset="0"/>
+              </a:rPr>
+              <a:t>профиль «Прикладная информатика в экономике»</a:t>
+            </a:r>
+          </a:p>
+          <a:p>
+            <a:pPr algn="just"/>
+            <a:endParaRPr lang="ru-RU" sz="1800" dirty="0">
+              <a:solidFill>
+                <a:schemeClr val="tx1"/>
+              </a:solidFill>
+              <a:latin typeface="Times New Roman" panose="02020603050405020304" pitchFamily="18" charset="0"/>
+              <a:cs typeface="Times New Roman" panose="02020603050405020304" pitchFamily="18" charset="0"/>
+            </a:endParaRPr>
+          </a:p>
+          <a:p>
+            <a:pPr algn="just"/>
+            <a:r>
+              <a:rPr lang="ru-RU" sz="1800" dirty="0">
+                <a:solidFill>
+                  <a:schemeClr val="tx1"/>
+                </a:solidFill>
+                <a:latin typeface="Times New Roman" panose="02020603050405020304" pitchFamily="18" charset="0"/>
+                <a:cs typeface="Times New Roman" panose="02020603050405020304" pitchFamily="18" charset="0"/>
+              </a:rPr>
+              <a:t>Руководитель</a:t>
+            </a:r>
+          </a:p>
+          <a:p>
+            <a:pPr algn="just"/>
+            <a:r>
+              <a:rPr lang="ru-RU" sz="1800" dirty="0">
+                <a:solidFill>
+                  <a:schemeClr val="tx1"/>
+                </a:solidFill>
+                <a:latin typeface="Times New Roman" panose="02020603050405020304" pitchFamily="18" charset="0"/>
+                <a:cs typeface="Times New Roman" panose="02020603050405020304" pitchFamily="18" charset="0"/>
+              </a:rPr>
+              <a:t>док. физ.– мат. наук, профессор 		          				   Горохов Максим Михайлович</a:t>
+            </a:r>
+          </a:p>
+          <a:p>
+            <a:endParaRPr lang="ru-RU" sz="1800" dirty="0">
+              <a:solidFill>
+                <a:schemeClr val="tx1"/>
+              </a:solidFill>
+              <a:latin typeface="Times New Roman" panose="02020603050405020304" pitchFamily="18" charset="0"/>
+              <a:cs typeface="Times New Roman" panose="02020603050405020304" pitchFamily="18" charset="0"/>
+            </a:endParaRPr>
+          </a:p>
+          <a:p>
+            <a:r>
+              <a:rPr lang="ru-RU" sz="1800" dirty="0">
+                <a:solidFill>
+                  <a:schemeClr val="tx1"/>
+                </a:solidFill>
+                <a:latin typeface="Times New Roman" panose="02020603050405020304" pitchFamily="18" charset="0"/>
+                <a:cs typeface="Times New Roman" panose="02020603050405020304" pitchFamily="18" charset="0"/>
+              </a:rPr>
+              <a:t>Ижевск – 202</a:t>
+            </a:r>
+            <a:r>
+              <a:rPr lang="en-US" sz="1800" dirty="0">
+                <a:solidFill>
+                  <a:schemeClr val="tx1"/>
+                </a:solidFill>
+                <a:latin typeface="Times New Roman" panose="02020603050405020304" pitchFamily="18" charset="0"/>
+                <a:cs typeface="Times New Roman" panose="02020603050405020304" pitchFamily="18" charset="0"/>
+              </a:rPr>
+              <a:t>4</a:t>
+            </a:r>
+            <a:endParaRPr lang="ru-RU" sz="1800" dirty="0">
+              <a:solidFill>
+                <a:schemeClr val="tx1"/>
+              </a:solidFill>
+              <a:latin typeface="Times New Roman" panose="02020603050405020304" pitchFamily="18" charset="0"/>
+              <a:cs typeface="Times New Roman" panose="02020603050405020304" pitchFamily="18" charset="0"/>
+            </a:endParaRPr>
+          </a:p>
+        </p:txBody>
+      </p:sp>
+      <p:sp>
+        <p:nvSpPr>
+          <p:cNvPr id="6" name="Заголовок 5">
+            <a:extLst>
+              <a:ext uri="{FF2B5EF4-FFF2-40B4-BE49-F238E27FC236}">
+                <a16:creationId xmlns:a16="http://schemas.microsoft.com/office/drawing/2014/main" id="{9EF101B1-2222-596F-0EEC-51A36A231FCD}"/>
               </a:ext>
             </a:extLst>
           </p:cNvPr>
@@ -4112,8 +4286,8 @@
         </p:nvSpPr>
         <p:spPr>
           <a:xfrm>
-            <a:off x="-1" y="-238125"/>
-            <a:ext cx="12191999" cy="2387600"/>
+            <a:off x="1700212" y="781050"/>
+            <a:ext cx="8562975" cy="1028700"/>
           </a:xfrm>
         </p:spPr>
         <p:txBody>
@@ -4122,240 +4296,48 @@
           </a:bodyPr>
           <a:lstStyle/>
           <a:p>
-            <a:pPr marL="0" marR="0" lvl="0" indent="0" defTabSz="914400" rtl="0" eaLnBrk="1" fontAlgn="base" latinLnBrk="0" hangingPunct="1">
-              <a:lnSpc>
-                <a:spcPct val="100000"/>
-              </a:lnSpc>
-              <a:spcBef>
-                <a:spcPct val="0"/>
-              </a:spcBef>
-              <a:spcAft>
-                <a:spcPct val="0"/>
-              </a:spcAft>
-              <a:buClrTx/>
-              <a:buSzTx/>
-              <a:buFontTx/>
-              <a:buNone/>
-              <a:tabLst/>
-            </a:pPr>
-            <a:r>
-              <a:rPr kumimoji="0" lang="ru-RU" sz="1800" b="0" i="0" u="none" strike="noStrike" cap="none" normalizeH="0" baseline="0" dirty="0">
-                <a:ln>
-                  <a:noFill/>
-                </a:ln>
-                <a:solidFill>
-                  <a:schemeClr val="tx1"/>
-                </a:solidFill>
-                <a:effectLst/>
-                <a:latin typeface="Times New Roman" pitchFamily="18" charset="0"/>
-                <a:ea typeface="Times New Roman" pitchFamily="18" charset="0"/>
-                <a:cs typeface="Times New Roman" pitchFamily="18" charset="0"/>
-              </a:rPr>
-              <a:t>Министерство</a:t>
-            </a:r>
-            <a:r>
-              <a:rPr kumimoji="0" lang="ru-RU" sz="1800" b="0" i="0" u="none" strike="noStrike" cap="none" normalizeH="0" dirty="0">
-                <a:ln>
-                  <a:noFill/>
-                </a:ln>
-                <a:solidFill>
-                  <a:schemeClr val="tx1"/>
-                </a:solidFill>
-                <a:effectLst/>
-                <a:latin typeface="Times New Roman" pitchFamily="18" charset="0"/>
-                <a:ea typeface="Times New Roman" pitchFamily="18" charset="0"/>
-                <a:cs typeface="Times New Roman" pitchFamily="18" charset="0"/>
-              </a:rPr>
-              <a:t> образования Российской Федерации</a:t>
-            </a:r>
-            <a:br>
-              <a:rPr kumimoji="0" lang="ru-RU" sz="1800" b="0" i="0" u="none" strike="noStrike" cap="none" normalizeH="0" baseline="0" dirty="0">
-                <a:ln>
-                  <a:noFill/>
-                </a:ln>
-                <a:solidFill>
-                  <a:schemeClr val="tx1"/>
-                </a:solidFill>
-                <a:effectLst/>
-                <a:latin typeface="Times New Roman" pitchFamily="18" charset="0"/>
-                <a:cs typeface="Times New Roman" pitchFamily="18" charset="0"/>
-              </a:rPr>
-            </a:br>
-            <a:r>
-              <a:rPr kumimoji="0" lang="ru-RU" sz="1800" b="0" i="0" u="none" strike="noStrike" cap="none" normalizeH="0" baseline="0" dirty="0">
-                <a:ln>
-                  <a:noFill/>
-                </a:ln>
-                <a:solidFill>
-                  <a:schemeClr val="tx1"/>
-                </a:solidFill>
-                <a:effectLst/>
-                <a:latin typeface="Times New Roman" pitchFamily="18" charset="0"/>
-                <a:ea typeface="Times New Roman" pitchFamily="18" charset="0"/>
-                <a:cs typeface="Times New Roman" pitchFamily="18" charset="0"/>
-              </a:rPr>
-              <a:t>Федеральное государственное бюджетное образовательное </a:t>
-            </a:r>
-            <a:br>
-              <a:rPr kumimoji="0" lang="ru-RU" sz="1800" b="0" i="0" u="none" strike="noStrike" cap="none" normalizeH="0" baseline="0" dirty="0">
-                <a:ln>
-                  <a:noFill/>
-                </a:ln>
-                <a:solidFill>
-                  <a:schemeClr val="tx1"/>
-                </a:solidFill>
-                <a:effectLst/>
-                <a:latin typeface="Times New Roman" pitchFamily="18" charset="0"/>
-                <a:cs typeface="Times New Roman" pitchFamily="18" charset="0"/>
-              </a:rPr>
-            </a:br>
-            <a:r>
-              <a:rPr kumimoji="0" lang="ru-RU" sz="1800" b="0" i="0" u="none" strike="noStrike" cap="none" normalizeH="0" baseline="0" dirty="0">
-                <a:ln>
-                  <a:noFill/>
-                </a:ln>
-                <a:solidFill>
-                  <a:schemeClr val="tx1"/>
-                </a:solidFill>
-                <a:effectLst/>
-                <a:latin typeface="Times New Roman" pitchFamily="18" charset="0"/>
-                <a:ea typeface="Times New Roman" pitchFamily="18" charset="0"/>
-                <a:cs typeface="Times New Roman" pitchFamily="18" charset="0"/>
-              </a:rPr>
-              <a:t>учреждение высшего образования</a:t>
-            </a:r>
-            <a:br>
-              <a:rPr kumimoji="0" lang="ru-RU" sz="1800" b="0" i="0" u="none" strike="noStrike" cap="none" normalizeH="0" baseline="0" dirty="0">
-                <a:ln>
-                  <a:noFill/>
-                </a:ln>
-                <a:solidFill>
-                  <a:schemeClr val="tx1"/>
-                </a:solidFill>
-                <a:effectLst/>
-                <a:latin typeface="Times New Roman" pitchFamily="18" charset="0"/>
-                <a:cs typeface="Times New Roman" pitchFamily="18" charset="0"/>
-              </a:rPr>
-            </a:br>
-            <a:r>
-              <a:rPr kumimoji="0" lang="ru-RU" sz="1800" b="0" i="0" u="none" strike="noStrike" cap="none" normalizeH="0" baseline="0" dirty="0">
-                <a:ln>
-                  <a:noFill/>
-                </a:ln>
-                <a:solidFill>
-                  <a:schemeClr val="tx1"/>
-                </a:solidFill>
-                <a:effectLst/>
-                <a:latin typeface="Times New Roman" pitchFamily="18" charset="0"/>
-                <a:ea typeface="Times New Roman" pitchFamily="18" charset="0"/>
-                <a:cs typeface="Times New Roman" pitchFamily="18" charset="0"/>
-              </a:rPr>
-              <a:t>«Ижевский государственный технический университет</a:t>
-            </a:r>
-            <a:br>
-              <a:rPr kumimoji="0" lang="ru-RU" sz="1800" b="0" i="0" u="none" strike="noStrike" cap="none" normalizeH="0" baseline="0" dirty="0">
-                <a:ln>
-                  <a:noFill/>
-                </a:ln>
-                <a:solidFill>
-                  <a:schemeClr val="tx1"/>
-                </a:solidFill>
-                <a:effectLst/>
-                <a:latin typeface="Times New Roman" pitchFamily="18" charset="0"/>
-                <a:cs typeface="Times New Roman" pitchFamily="18" charset="0"/>
-              </a:rPr>
-            </a:br>
-            <a:r>
-              <a:rPr kumimoji="0" lang="ru-RU" sz="1800" b="0" i="0" u="none" strike="noStrike" cap="none" normalizeH="0" baseline="0" dirty="0">
-                <a:ln>
-                  <a:noFill/>
-                </a:ln>
-                <a:solidFill>
-                  <a:schemeClr val="tx1"/>
-                </a:solidFill>
-                <a:effectLst/>
-                <a:latin typeface="Times New Roman" pitchFamily="18" charset="0"/>
-                <a:ea typeface="Times New Roman" pitchFamily="18" charset="0"/>
-                <a:cs typeface="Times New Roman" pitchFamily="18" charset="0"/>
-              </a:rPr>
-              <a:t>имени М.Т. Калашникова»</a:t>
-            </a:r>
-            <a:br>
-              <a:rPr kumimoji="0" lang="ru-RU" sz="1800" b="0" i="0" u="none" strike="noStrike" cap="none" normalizeH="0" baseline="0" dirty="0">
-                <a:ln>
-                  <a:noFill/>
-                </a:ln>
-                <a:solidFill>
-                  <a:schemeClr val="tx1"/>
-                </a:solidFill>
-                <a:effectLst/>
-                <a:latin typeface="Times New Roman" pitchFamily="18" charset="0"/>
-                <a:cs typeface="Times New Roman" pitchFamily="18" charset="0"/>
-              </a:rPr>
-            </a:br>
-            <a:r>
-              <a:rPr kumimoji="0" lang="ru-RU" sz="1800" b="0" i="0" u="none" strike="noStrike" cap="none" normalizeH="0" baseline="0" dirty="0">
-                <a:ln>
-                  <a:noFill/>
-                </a:ln>
-                <a:solidFill>
-                  <a:schemeClr val="tx1"/>
-                </a:solidFill>
-                <a:effectLst/>
-                <a:latin typeface="Times New Roman" pitchFamily="18" charset="0"/>
-                <a:ea typeface="Times New Roman" pitchFamily="18" charset="0"/>
-                <a:cs typeface="Times New Roman" pitchFamily="18" charset="0"/>
-              </a:rPr>
-              <a:t>Институт «Информатика и вычислительная техника»</a:t>
-            </a:r>
-            <a:br>
-              <a:rPr kumimoji="0" lang="ru-RU" sz="1800" b="0" i="0" u="none" strike="noStrike" cap="none" normalizeH="0" baseline="0" dirty="0">
-                <a:ln>
-                  <a:noFill/>
-                </a:ln>
-                <a:solidFill>
-                  <a:schemeClr val="tx1"/>
-                </a:solidFill>
-                <a:effectLst/>
-                <a:latin typeface="Times New Roman" pitchFamily="18" charset="0"/>
-                <a:cs typeface="Times New Roman" pitchFamily="18" charset="0"/>
-              </a:rPr>
-            </a:br>
-            <a:r>
-              <a:rPr kumimoji="0" lang="ru-RU" sz="1800" b="0" i="0" u="none" strike="noStrike" cap="none" normalizeH="0" baseline="0" dirty="0">
-                <a:ln>
-                  <a:noFill/>
-                </a:ln>
-                <a:solidFill>
-                  <a:schemeClr val="tx1"/>
-                </a:solidFill>
-                <a:effectLst/>
-                <a:latin typeface="Times New Roman" pitchFamily="18" charset="0"/>
-                <a:ea typeface="Times New Roman" pitchFamily="18" charset="0"/>
-                <a:cs typeface="Times New Roman" pitchFamily="18" charset="0"/>
-              </a:rPr>
-              <a:t>Кафедра «Информационные системы»</a:t>
-            </a:r>
-            <a:endParaRPr kumimoji="0" lang="ru-RU" sz="1800" b="0" i="0" u="none" strike="noStrike" cap="none" normalizeH="0" baseline="0" dirty="0">
-              <a:ln>
-                <a:noFill/>
-              </a:ln>
-              <a:solidFill>
-                <a:schemeClr val="tx1"/>
-              </a:solidFill>
-              <a:effectLst/>
-              <a:latin typeface="Times New Roman" pitchFamily="18" charset="0"/>
-              <a:cs typeface="Times New Roman" pitchFamily="18" charset="0"/>
-            </a:endParaRPr>
-          </a:p>
-        </p:txBody>
-      </p:sp>
-      <p:sp>
-        <p:nvSpPr>
-          <p:cNvPr id="3" name="Подзаголовок 2">
-            <a:extLst>
-              <a:ext uri="{FF2B5EF4-FFF2-40B4-BE49-F238E27FC236}">
-                <a16:creationId xmlns:a16="http://schemas.microsoft.com/office/drawing/2014/main" id="{CC8394E9-573F-1199-583F-5AE5FA9B5826}"/>
+            <a:r>
+              <a:rPr lang="en-US" sz="5400" dirty="0">
+                <a:solidFill>
+                  <a:srgbClr val="000099"/>
+                </a:solidFill>
+                <a:effectLst>
+                  <a:outerShdw blurRad="38100" dist="38100" dir="2700000" algn="tl">
+                    <a:srgbClr val="C0C0C0"/>
+                  </a:outerShdw>
+                </a:effectLst>
+                <a:latin typeface="Calibri" pitchFamily="34" charset="0"/>
+                <a:ea typeface="+mn-ea"/>
+                <a:cs typeface="+mn-cs"/>
+              </a:rPr>
+              <a:t>CRM</a:t>
+            </a:r>
+            <a:r>
+              <a:rPr lang="ru-RU" sz="5400" dirty="0">
+                <a:solidFill>
+                  <a:srgbClr val="000099"/>
+                </a:solidFill>
+                <a:effectLst>
+                  <a:outerShdw blurRad="38100" dist="38100" dir="2700000" algn="tl">
+                    <a:srgbClr val="C0C0C0"/>
+                  </a:outerShdw>
+                </a:effectLst>
+                <a:latin typeface="Calibri" pitchFamily="34" charset="0"/>
+                <a:ea typeface="+mn-ea"/>
+                <a:cs typeface="+mn-cs"/>
+              </a:rPr>
+              <a:t> авиакомпании</a:t>
+            </a:r>
+            <a:endParaRPr lang="ru-RU" sz="5400" dirty="0"/>
+          </a:p>
+        </p:txBody>
+      </p:sp>
+      <p:sp>
+        <p:nvSpPr>
+          <p:cNvPr id="8" name="Номер слайда 3">
+            <a:extLst>
+              <a:ext uri="{FF2B5EF4-FFF2-40B4-BE49-F238E27FC236}">
+                <a16:creationId xmlns:a16="http://schemas.microsoft.com/office/drawing/2014/main" id="{0082B8D4-3C8B-0032-D2C3-B6AE0916C356}"/>
               </a:ext>
             </a:extLst>
           </p:cNvPr>
@@ -4363,452 +4345,50 @@
             <a:spLocks noGrp="1"/>
           </p:cNvSpPr>
           <p:nvPr>
-            <p:ph type="subTitle" idx="1"/>
+            <p:ph type="sldNum" sz="quarter" idx="12"/>
           </p:nvPr>
         </p:nvSpPr>
         <p:spPr>
           <a:xfrm>
-            <a:off x="-2" y="2601119"/>
-            <a:ext cx="12192000" cy="1655762"/>
+            <a:off x="9261398" y="216012"/>
+            <a:ext cx="2743200" cy="365125"/>
           </a:xfrm>
         </p:spPr>
         <p:txBody>
-          <a:bodyPr>
-            <a:normAutofit/>
-          </a:bodyPr>
+          <a:bodyPr/>
           <a:lstStyle/>
           <a:p>
-            <a:r>
-              <a:rPr lang="ru-RU" sz="1800" dirty="0">
-                <a:latin typeface="Times New Roman" pitchFamily="18" charset="0"/>
-                <a:cs typeface="Times New Roman" pitchFamily="18" charset="0"/>
-              </a:rPr>
-              <a:t>Курсовая работа</a:t>
-            </a:r>
-            <a:br>
-              <a:rPr lang="ru-RU" sz="1800" dirty="0">
-                <a:latin typeface="Times New Roman" pitchFamily="18" charset="0"/>
-                <a:cs typeface="Times New Roman" pitchFamily="18" charset="0"/>
-              </a:rPr>
-            </a:br>
-            <a:r>
-              <a:rPr lang="ru-RU" sz="1800" dirty="0">
-                <a:latin typeface="Times New Roman" pitchFamily="18" charset="0"/>
-                <a:cs typeface="Times New Roman" pitchFamily="18" charset="0"/>
-              </a:rPr>
-              <a:t>на тему «</a:t>
-            </a:r>
-            <a:r>
-              <a:rPr lang="ru-RU" sz="1800" dirty="0">
-                <a:solidFill>
-                  <a:srgbClr val="000000"/>
-                </a:solidFill>
-                <a:effectLst/>
-                <a:latin typeface="Times New Roman" panose="02020603050405020304" pitchFamily="18" charset="0"/>
-                <a:ea typeface="Calibri" panose="020F0502020204030204" pitchFamily="34" charset="0"/>
-              </a:rPr>
-              <a:t>Разработка базы данных и интерфейса пользователя обработки заказов онлайн-ресторана</a:t>
-            </a:r>
-            <a:r>
-              <a:rPr lang="ru-RU" sz="1800" dirty="0">
-                <a:latin typeface="Times New Roman" pitchFamily="18" charset="0"/>
-                <a:cs typeface="Times New Roman" pitchFamily="18" charset="0"/>
-              </a:rPr>
-              <a:t>»</a:t>
-            </a:r>
-            <a:br>
-              <a:rPr lang="ru-RU" sz="1800" dirty="0">
-                <a:latin typeface="Times New Roman" pitchFamily="18" charset="0"/>
-                <a:cs typeface="Times New Roman" pitchFamily="18" charset="0"/>
-              </a:rPr>
-            </a:br>
-            <a:r>
-              <a:rPr lang="ru-RU" sz="1800" dirty="0">
-                <a:latin typeface="Times New Roman" pitchFamily="18" charset="0"/>
-                <a:cs typeface="Times New Roman" pitchFamily="18" charset="0"/>
-              </a:rPr>
-              <a:t>дисциплина: «</a:t>
-            </a:r>
-            <a:r>
-              <a:rPr lang="ru-RU" sz="1800" dirty="0">
+            <a:fld id="{6761A50A-E866-45D7-A1D3-EBE681B6823E}" type="slidenum">
+              <a:rPr lang="ru-RU" sz="4000" b="1" smtClean="0">
+                <a:solidFill>
+                  <a:srgbClr val="FF0000"/>
+                </a:solidFill>
+                <a:effectLst>
+                  <a:outerShdw blurRad="38100" dist="38100" dir="2700000" algn="tl">
+                    <a:srgbClr val="000000">
+                      <a:alpha val="43137"/>
+                    </a:srgbClr>
+                  </a:outerShdw>
+                </a:effectLst>
                 <a:latin typeface="Times New Roman" panose="02020603050405020304" pitchFamily="18" charset="0"/>
                 <a:ea typeface="Tahoma" panose="020B0604030504040204" pitchFamily="34" charset="0"/>
                 <a:cs typeface="Times New Roman" panose="02020603050405020304" pitchFamily="18" charset="0"/>
               </a:rPr>
-              <a:t>База данных</a:t>
-            </a:r>
-            <a:r>
-              <a:rPr lang="ru-RU" sz="1800" dirty="0">
-                <a:latin typeface="Times New Roman" pitchFamily="18" charset="0"/>
-                <a:cs typeface="Times New Roman" pitchFamily="18" charset="0"/>
-              </a:rPr>
-              <a:t>»</a:t>
-            </a:r>
-            <a:endParaRPr lang="ru-RU" sz="1800" dirty="0"/>
-          </a:p>
-        </p:txBody>
-      </p:sp>
-      <p:sp>
-        <p:nvSpPr>
-          <p:cNvPr id="4" name="Подзаголовок 2">
-            <a:extLst>
-              <a:ext uri="{FF2B5EF4-FFF2-40B4-BE49-F238E27FC236}">
-                <a16:creationId xmlns:a16="http://schemas.microsoft.com/office/drawing/2014/main" id="{5691B782-CC7D-B007-69B9-A12B22B467B4}"/>
-              </a:ext>
-            </a:extLst>
-          </p:cNvPr>
-          <p:cNvSpPr txBox="1">
-            <a:spLocks/>
-          </p:cNvSpPr>
-          <p:nvPr/>
-        </p:nvSpPr>
-        <p:spPr>
-          <a:xfrm>
-            <a:off x="0" y="4400549"/>
-            <a:ext cx="12192000" cy="1800226"/>
-          </a:xfrm>
-          <a:prstGeom prst="rect">
-            <a:avLst/>
-          </a:prstGeom>
-        </p:spPr>
-        <p:txBody>
-          <a:bodyPr vert="horz" lIns="91440" tIns="45720" rIns="91440" bIns="45720" rtlCol="0">
-            <a:normAutofit/>
-          </a:bodyPr>
-          <a:lstStyle>
-            <a:lvl1pPr marL="0" indent="0" algn="ctr" defTabSz="914400" rtl="0" eaLnBrk="1" latinLnBrk="0" hangingPunct="1">
-              <a:lnSpc>
-                <a:spcPct val="90000"/>
-              </a:lnSpc>
-              <a:spcBef>
-                <a:spcPts val="1000"/>
-              </a:spcBef>
-              <a:buFont typeface="Arial" panose="020B0604020202020204" pitchFamily="34" charset="0"/>
-              <a:buNone/>
-              <a:defRPr sz="2400" kern="1200">
-                <a:solidFill>
-                  <a:schemeClr val="tx1"/>
-                </a:solidFill>
-                <a:latin typeface="+mn-lt"/>
-                <a:ea typeface="+mn-ea"/>
-                <a:cs typeface="+mn-cs"/>
-              </a:defRPr>
-            </a:lvl1pPr>
-            <a:lvl2pPr marL="457200" indent="0" algn="ctr" defTabSz="914400" rtl="0" eaLnBrk="1" latinLnBrk="0" hangingPunct="1">
-              <a:lnSpc>
-                <a:spcPct val="90000"/>
-              </a:lnSpc>
-              <a:spcBef>
-                <a:spcPts val="500"/>
-              </a:spcBef>
-              <a:buFont typeface="Arial" panose="020B0604020202020204" pitchFamily="34" charset="0"/>
-              <a:buNone/>
-              <a:defRPr sz="2000" kern="1200">
-                <a:solidFill>
-                  <a:schemeClr val="tx1"/>
-                </a:solidFill>
-                <a:latin typeface="+mn-lt"/>
-                <a:ea typeface="+mn-ea"/>
-                <a:cs typeface="+mn-cs"/>
-              </a:defRPr>
-            </a:lvl2pPr>
-            <a:lvl3pPr marL="914400" indent="0" algn="ctr" defTabSz="914400" rtl="0" eaLnBrk="1" latinLnBrk="0" hangingPunct="1">
-              <a:lnSpc>
-                <a:spcPct val="90000"/>
-              </a:lnSpc>
-              <a:spcBef>
-                <a:spcPts val="500"/>
-              </a:spcBef>
-              <a:buFont typeface="Arial" panose="020B0604020202020204" pitchFamily="34" charset="0"/>
-              <a:buNone/>
-              <a:defRPr sz="1800" kern="1200">
-                <a:solidFill>
-                  <a:schemeClr val="tx1"/>
-                </a:solidFill>
-                <a:latin typeface="+mn-lt"/>
-                <a:ea typeface="+mn-ea"/>
-                <a:cs typeface="+mn-cs"/>
-              </a:defRPr>
-            </a:lvl3pPr>
-            <a:lvl4pPr marL="1371600" indent="0" algn="ctr" defTabSz="914400" rtl="0" eaLnBrk="1" latinLnBrk="0" hangingPunct="1">
-              <a:lnSpc>
-                <a:spcPct val="90000"/>
-              </a:lnSpc>
-              <a:spcBef>
-                <a:spcPts val="500"/>
-              </a:spcBef>
-              <a:buFont typeface="Arial" panose="020B0604020202020204" pitchFamily="34" charset="0"/>
-              <a:buNone/>
-              <a:defRPr sz="1600" kern="1200">
-                <a:solidFill>
-                  <a:schemeClr val="tx1"/>
-                </a:solidFill>
-                <a:latin typeface="+mn-lt"/>
-                <a:ea typeface="+mn-ea"/>
-                <a:cs typeface="+mn-cs"/>
-              </a:defRPr>
-            </a:lvl4pPr>
-            <a:lvl5pPr marL="1828800" indent="0" algn="ctr" defTabSz="914400" rtl="0" eaLnBrk="1" latinLnBrk="0" hangingPunct="1">
-              <a:lnSpc>
-                <a:spcPct val="90000"/>
-              </a:lnSpc>
-              <a:spcBef>
-                <a:spcPts val="500"/>
-              </a:spcBef>
-              <a:buFont typeface="Arial" panose="020B0604020202020204" pitchFamily="34" charset="0"/>
-              <a:buNone/>
-              <a:defRPr sz="1600" kern="1200">
-                <a:solidFill>
-                  <a:schemeClr val="tx1"/>
-                </a:solidFill>
-                <a:latin typeface="+mn-lt"/>
-                <a:ea typeface="+mn-ea"/>
-                <a:cs typeface="+mn-cs"/>
-              </a:defRPr>
-            </a:lvl5pPr>
-            <a:lvl6pPr marL="2286000" indent="0" algn="ctr" defTabSz="914400" rtl="0" eaLnBrk="1" latinLnBrk="0" hangingPunct="1">
-              <a:lnSpc>
-                <a:spcPct val="90000"/>
-              </a:lnSpc>
-              <a:spcBef>
-                <a:spcPts val="500"/>
-              </a:spcBef>
-              <a:buFont typeface="Arial" panose="020B0604020202020204" pitchFamily="34" charset="0"/>
-              <a:buNone/>
-              <a:defRPr sz="1600" kern="1200">
-                <a:solidFill>
-                  <a:schemeClr val="tx1"/>
-                </a:solidFill>
-                <a:latin typeface="+mn-lt"/>
-                <a:ea typeface="+mn-ea"/>
-                <a:cs typeface="+mn-cs"/>
-              </a:defRPr>
-            </a:lvl6pPr>
-            <a:lvl7pPr marL="2743200" indent="0" algn="ctr" defTabSz="914400" rtl="0" eaLnBrk="1" latinLnBrk="0" hangingPunct="1">
-              <a:lnSpc>
-                <a:spcPct val="90000"/>
-              </a:lnSpc>
-              <a:spcBef>
-                <a:spcPts val="500"/>
-              </a:spcBef>
-              <a:buFont typeface="Arial" panose="020B0604020202020204" pitchFamily="34" charset="0"/>
-              <a:buNone/>
-              <a:defRPr sz="1600" kern="1200">
-                <a:solidFill>
-                  <a:schemeClr val="tx1"/>
-                </a:solidFill>
-                <a:latin typeface="+mn-lt"/>
-                <a:ea typeface="+mn-ea"/>
-                <a:cs typeface="+mn-cs"/>
-              </a:defRPr>
-            </a:lvl7pPr>
-            <a:lvl8pPr marL="3200400" indent="0" algn="ctr" defTabSz="914400" rtl="0" eaLnBrk="1" latinLnBrk="0" hangingPunct="1">
-              <a:lnSpc>
-                <a:spcPct val="90000"/>
-              </a:lnSpc>
-              <a:spcBef>
-                <a:spcPts val="500"/>
-              </a:spcBef>
-              <a:buFont typeface="Arial" panose="020B0604020202020204" pitchFamily="34" charset="0"/>
-              <a:buNone/>
-              <a:defRPr sz="1600" kern="1200">
-                <a:solidFill>
-                  <a:schemeClr val="tx1"/>
-                </a:solidFill>
-                <a:latin typeface="+mn-lt"/>
-                <a:ea typeface="+mn-ea"/>
-                <a:cs typeface="+mn-cs"/>
-              </a:defRPr>
-            </a:lvl8pPr>
-            <a:lvl9pPr marL="3657600" indent="0" algn="ctr" defTabSz="914400" rtl="0" eaLnBrk="1" latinLnBrk="0" hangingPunct="1">
-              <a:lnSpc>
-                <a:spcPct val="90000"/>
-              </a:lnSpc>
-              <a:spcBef>
-                <a:spcPts val="500"/>
-              </a:spcBef>
-              <a:buFont typeface="Arial" panose="020B0604020202020204" pitchFamily="34" charset="0"/>
-              <a:buNone/>
-              <a:defRPr sz="1600" kern="1200">
-                <a:solidFill>
-                  <a:schemeClr val="tx1"/>
-                </a:solidFill>
-                <a:latin typeface="+mn-lt"/>
-                <a:ea typeface="+mn-ea"/>
-                <a:cs typeface="+mn-cs"/>
-              </a:defRPr>
-            </a:lvl9pPr>
-          </a:lstStyle>
-          <a:p>
-            <a:pPr indent="450215" algn="just">
-              <a:spcBef>
-                <a:spcPts val="200"/>
-              </a:spcBef>
-              <a:spcAft>
-                <a:spcPts val="0"/>
-              </a:spcAft>
-            </a:pPr>
-            <a:r>
-              <a:rPr lang="en-US" altLang="ru-RU" sz="1600" dirty="0">
-                <a:latin typeface="Times New Roman" pitchFamily="18" charset="0"/>
-                <a:cs typeface="Times New Roman" pitchFamily="18" charset="0"/>
-              </a:rPr>
-              <a:t>	</a:t>
-            </a:r>
-            <a:r>
-              <a:rPr lang="ru-RU" altLang="ru-RU" sz="1500" dirty="0">
-                <a:latin typeface="Times New Roman" panose="02020603050405020304" pitchFamily="18" charset="0"/>
-                <a:cs typeface="Times New Roman" panose="02020603050405020304" pitchFamily="18" charset="0"/>
-              </a:rPr>
-              <a:t>Выполнил</a:t>
-            </a:r>
-          </a:p>
-          <a:p>
-            <a:pPr indent="450215" algn="just">
-              <a:spcBef>
-                <a:spcPts val="200"/>
-              </a:spcBef>
-              <a:spcAft>
-                <a:spcPts val="0"/>
-              </a:spcAft>
-            </a:pPr>
-            <a:r>
-              <a:rPr lang="en-US" sz="1500" dirty="0">
-                <a:latin typeface="Times New Roman" panose="02020603050405020304" pitchFamily="18" charset="0"/>
-                <a:cs typeface="Times New Roman" panose="02020603050405020304" pitchFamily="18" charset="0"/>
-              </a:rPr>
-              <a:t>	</a:t>
-            </a:r>
-            <a:r>
-              <a:rPr lang="ru-RU" sz="1500" dirty="0">
-                <a:latin typeface="Times New Roman" panose="02020603050405020304" pitchFamily="18" charset="0"/>
-                <a:cs typeface="Times New Roman" panose="02020603050405020304" pitchFamily="18" charset="0"/>
-              </a:rPr>
-              <a:t>студент группы Б2</a:t>
-            </a:r>
-            <a:r>
-              <a:rPr lang="en-US" sz="1500" dirty="0">
-                <a:latin typeface="Times New Roman" panose="02020603050405020304" pitchFamily="18" charset="0"/>
-                <a:cs typeface="Times New Roman" panose="02020603050405020304" pitchFamily="18" charset="0"/>
-              </a:rPr>
               <a:t>1</a:t>
-            </a:r>
-            <a:r>
-              <a:rPr lang="ru-RU" sz="1500" dirty="0">
-                <a:latin typeface="Times New Roman" panose="02020603050405020304" pitchFamily="18" charset="0"/>
-                <a:cs typeface="Times New Roman" panose="02020603050405020304" pitchFamily="18" charset="0"/>
-              </a:rPr>
-              <a:t>-021-</a:t>
-            </a:r>
-            <a:r>
-              <a:rPr lang="en-US" sz="1500" dirty="0">
-                <a:latin typeface="Times New Roman" panose="02020603050405020304" pitchFamily="18" charset="0"/>
-                <a:cs typeface="Times New Roman" panose="02020603050405020304" pitchFamily="18" charset="0"/>
-              </a:rPr>
-              <a:t>2</a:t>
-            </a:r>
-            <a:r>
-              <a:rPr lang="ru-RU" sz="1500" dirty="0">
-                <a:latin typeface="Times New Roman" panose="02020603050405020304" pitchFamily="18" charset="0"/>
-                <a:cs typeface="Times New Roman" panose="02020603050405020304" pitchFamily="18" charset="0"/>
-              </a:rPr>
-              <a:t>								 А.О. Журавлев</a:t>
-            </a:r>
-            <a:endParaRPr lang="en-US" sz="1500" dirty="0">
+            </a:fld>
+            <a:endParaRPr lang="ru-RU" sz="4000" b="1" dirty="0">
+              <a:solidFill>
+                <a:srgbClr val="FF0000"/>
+              </a:solidFill>
+              <a:effectLst>
+                <a:outerShdw blurRad="38100" dist="38100" dir="2700000" algn="tl">
+                  <a:srgbClr val="000000">
+                    <a:alpha val="43137"/>
+                  </a:srgbClr>
+                </a:outerShdw>
+              </a:effectLst>
               <a:latin typeface="Times New Roman" panose="02020603050405020304" pitchFamily="18" charset="0"/>
-              <a:cs typeface="Times New Roman" panose="02020603050405020304" pitchFamily="18" charset="0"/>
-            </a:endParaRPr>
-          </a:p>
-          <a:p>
-            <a:pPr indent="450215" algn="just">
-              <a:spcBef>
-                <a:spcPts val="0"/>
-              </a:spcBef>
-              <a:spcAft>
-                <a:spcPts val="0"/>
-              </a:spcAft>
-            </a:pPr>
-            <a:endParaRPr lang="en-US" sz="1500" dirty="0">
-              <a:latin typeface="Times New Roman" panose="02020603050405020304" pitchFamily="18" charset="0"/>
-              <a:cs typeface="Times New Roman" panose="02020603050405020304" pitchFamily="18" charset="0"/>
-            </a:endParaRPr>
-          </a:p>
-          <a:p>
-            <a:pPr indent="450215" algn="just">
-              <a:spcBef>
-                <a:spcPts val="200"/>
-              </a:spcBef>
-            </a:pPr>
-            <a:r>
-              <a:rPr lang="en-US" sz="1500" dirty="0">
-                <a:latin typeface="Times New Roman" panose="02020603050405020304" pitchFamily="18" charset="0"/>
-                <a:cs typeface="Times New Roman" panose="02020603050405020304" pitchFamily="18" charset="0"/>
-              </a:rPr>
-              <a:t>	</a:t>
-            </a:r>
-            <a:r>
-              <a:rPr lang="ru-RU" sz="1500" dirty="0">
-                <a:latin typeface="Times New Roman" panose="02020603050405020304" pitchFamily="18" charset="0"/>
-                <a:cs typeface="Times New Roman" panose="02020603050405020304" pitchFamily="18" charset="0"/>
-              </a:rPr>
-              <a:t>Руководитель   </a:t>
-            </a:r>
-          </a:p>
-          <a:p>
-            <a:pPr indent="450215" algn="just">
-              <a:spcBef>
-                <a:spcPts val="200"/>
-              </a:spcBef>
-            </a:pPr>
-            <a:r>
-              <a:rPr lang="en-US" sz="1500" dirty="0">
-                <a:latin typeface="Times New Roman" panose="02020603050405020304" pitchFamily="18" charset="0"/>
-                <a:cs typeface="Times New Roman" panose="02020603050405020304" pitchFamily="18" charset="0"/>
-              </a:rPr>
-              <a:t>	</a:t>
-            </a:r>
-            <a:r>
-              <a:rPr lang="ru-RU" sz="1500" dirty="0">
-                <a:latin typeface="Times New Roman" panose="02020603050405020304" pitchFamily="18" charset="0"/>
-                <a:cs typeface="Times New Roman" panose="02020603050405020304" pitchFamily="18" charset="0"/>
-              </a:rPr>
-              <a:t>старший преподаватель</a:t>
-            </a:r>
-            <a:r>
-              <a:rPr lang="en-US" sz="1500" dirty="0">
-                <a:latin typeface="Times New Roman" panose="02020603050405020304" pitchFamily="18" charset="0"/>
-                <a:cs typeface="Times New Roman" panose="02020603050405020304" pitchFamily="18" charset="0"/>
-              </a:rPr>
-              <a:t>	</a:t>
-            </a:r>
-            <a:r>
-              <a:rPr lang="ru-RU" sz="1500" dirty="0">
-                <a:latin typeface="Times New Roman" panose="02020603050405020304" pitchFamily="18" charset="0"/>
-                <a:cs typeface="Times New Roman" panose="02020603050405020304" pitchFamily="18" charset="0"/>
-              </a:rPr>
-              <a:t>							 </a:t>
-            </a:r>
-            <a:r>
-              <a:rPr lang="ru-RU" sz="1500" dirty="0">
-                <a:effectLst/>
-                <a:latin typeface="Times New Roman" panose="02020603050405020304" pitchFamily="18" charset="0"/>
-                <a:ea typeface="Calibri" panose="020F0502020204030204" pitchFamily="34" charset="0"/>
-              </a:rPr>
-              <a:t>Д.Е. Докучаев</a:t>
-            </a:r>
-            <a:endParaRPr lang="ru-RU" sz="1500" dirty="0">
-              <a:latin typeface="Times New Roman" panose="02020603050405020304" pitchFamily="18" charset="0"/>
-              <a:cs typeface="Times New Roman" panose="02020603050405020304" pitchFamily="18" charset="0"/>
-            </a:endParaRPr>
-          </a:p>
-          <a:p>
-            <a:pPr indent="450215" algn="just">
-              <a:spcBef>
-                <a:spcPts val="200"/>
-              </a:spcBef>
-            </a:pPr>
-            <a:endParaRPr lang="ru-RU" sz="1500" dirty="0">
-              <a:latin typeface="Times New Roman" panose="02020603050405020304" pitchFamily="18" charset="0"/>
+              <a:ea typeface="Tahoma" panose="020B0604030504040204" pitchFamily="34" charset="0"/>
               <a:cs typeface="Times New Roman" panose="02020603050405020304" pitchFamily="18" charset="0"/>
             </a:endParaRPr>
           </a:p>
@@ -4862,7 +4442,7 @@
         </p:nvSpPr>
         <p:spPr>
           <a:xfrm>
-            <a:off x="838200" y="-353332"/>
+            <a:off x="838200" y="-318481"/>
             <a:ext cx="10515600" cy="1325563"/>
           </a:xfrm>
         </p:spPr>
@@ -4874,12 +4454,25 @@
           <a:p>
             <a:pPr algn="ctr"/>
             <a:r>
-              <a:rPr lang="ru-RU" sz="2000" b="1" dirty="0">
-                <a:latin typeface="Times New Roman" panose="02020603050405020304" pitchFamily="18" charset="0"/>
-                <a:cs typeface="Times New Roman" panose="02020603050405020304" pitchFamily="18" charset="0"/>
-              </a:rPr>
-              <a:t>ЗАКЛЮЧЕНИЕ</a:t>
-            </a:r>
+              <a:rPr lang="ru-RU" sz="3200" dirty="0">
+                <a:solidFill>
+                  <a:srgbClr val="000099"/>
+                </a:solidFill>
+                <a:effectLst>
+                  <a:outerShdw blurRad="38100" dist="38100" dir="2700000" algn="tl">
+                    <a:srgbClr val="C0C0C0"/>
+                  </a:outerShdw>
+                </a:effectLst>
+                <a:latin typeface="Calibri" pitchFamily="34" charset="0"/>
+                <a:ea typeface="+mn-ea"/>
+                <a:cs typeface="+mn-cs"/>
+              </a:rPr>
+              <a:t>Результаты</a:t>
+            </a:r>
+            <a:endParaRPr lang="ru-RU" sz="3200" b="1" dirty="0">
+              <a:latin typeface="Times New Roman" panose="02020603050405020304" pitchFamily="18" charset="0"/>
+              <a:cs typeface="Times New Roman" panose="02020603050405020304" pitchFamily="18" charset="0"/>
+            </a:endParaRPr>
           </a:p>
         </p:txBody>
       </p:sp>
@@ -4902,7 +4495,7 @@
         <p:spPr>
           <a:xfrm>
             <a:off x="838200" y="510008"/>
-            <a:ext cx="10515600" cy="5224041"/>
+            <a:ext cx="10515600" cy="6014617"/>
           </a:xfrm>
         </p:spPr>
         <p:txBody>
@@ -4929,7 +4522,7 @@
                 <a:latin typeface="Times New Roman" panose="02020603050405020304" pitchFamily="18" charset="0"/>
                 <a:ea typeface="Times New Roman" panose="02020603050405020304" pitchFamily="18" charset="0"/>
               </a:rPr>
-              <a:t>Для достижения высокой финансовой производительности и оптимизации работы онлайн-ресторанов необходимо использование современных информационных технологий. В сегодняшней конкурентной среде онлайн-ресторанам необходимо быть в тренде и адаптироваться к рыночным изменениям, чтобы успешно конкурировать и удерживать свою аудиторию. Применение IT позволяет онлайн-ресторанам эффективно управлять своими операциями и повышать уровень обслуживания клиентов. </a:t>
+              <a:t>Созданная платформа для взаимодействия с рейсами поможет предприятию автоматизировать множество процессов. Оценивая проделанную работу, можно сделать выводы, что при внедрении CRM- системы автоматизация множества процессов, связанных с бронированием билетов, управлением рейсами, обработкой багажа и обслуживанием пассажиров, позволит значительно улучшить операционную эффективность авиакомпании. CRM-система будет обеспечивать более точное и быстрое выполнение задач, сокращая время на обработку запросов и минимизируя вероятность ошибок. </a:t>
             </a:r>
           </a:p>
           <a:p>
@@ -5073,12 +4666,6 @@
               <a:lnSpc>
                 <a:spcPct val="150000"/>
               </a:lnSpc>
-              <a:spcBef>
-                <a:spcPts val="810"/>
-              </a:spcBef>
-              <a:spcAft>
-                <a:spcPts val="0"/>
-              </a:spcAft>
               <a:buSzPts val="1400"/>
               <a:buFont typeface="Symbol" panose="05050102010706020507" pitchFamily="18" charset="2"/>
               <a:buChar char=""/>
@@ -5087,7 +4674,7 @@
               </a:tabLst>
             </a:pPr>
             <a:r>
-              <a:rPr lang="ru-RU" sz="1600" spc="-10" dirty="0">
+              <a:rPr lang="ru-RU" sz="1800" spc="-10" dirty="0">
                 <a:effectLst/>
                 <a:latin typeface="Times New Roman" panose="02020603050405020304" pitchFamily="18" charset="0"/>
                 <a:ea typeface="Symbol" panose="05050102010706020507" pitchFamily="18" charset="2"/>
@@ -5095,7 +4682,7 @@
               </a:rPr>
               <a:t>проектирование системы сущностей базы данных;</a:t>
             </a:r>
-            <a:endParaRPr lang="ru-RU" sz="1600" spc="0" dirty="0">
+            <a:endParaRPr lang="ru-RU" sz="1800" spc="0" dirty="0">
               <a:effectLst/>
               <a:latin typeface="Times New Roman" panose="02020603050405020304" pitchFamily="18" charset="0"/>
               <a:ea typeface="Symbol" panose="05050102010706020507" pitchFamily="18" charset="2"/>
@@ -5107,12 +4694,6 @@
               <a:lnSpc>
                 <a:spcPct val="150000"/>
               </a:lnSpc>
-              <a:spcBef>
-                <a:spcPts val="805"/>
-              </a:spcBef>
-              <a:spcAft>
-                <a:spcPts val="0"/>
-              </a:spcAft>
               <a:buSzPts val="1400"/>
               <a:buFont typeface="Symbol" panose="05050102010706020507" pitchFamily="18" charset="2"/>
               <a:buChar char=""/>
@@ -5121,7 +4702,7 @@
               </a:tabLst>
             </a:pPr>
             <a:r>
-              <a:rPr lang="ru-RU" sz="1600" spc="0" dirty="0">
+              <a:rPr lang="ru-RU" sz="1800" spc="0" dirty="0">
                 <a:effectLst/>
                 <a:latin typeface="Times New Roman" panose="02020603050405020304" pitchFamily="18" charset="0"/>
                 <a:ea typeface="Symbol" panose="05050102010706020507" pitchFamily="18" charset="2"/>
@@ -5130,7 +4711,7 @@
               <a:t>определение связей между сущностями</a:t>
             </a:r>
             <a:r>
-              <a:rPr lang="en-US" sz="1600" spc="0" dirty="0">
+              <a:rPr lang="en-US" sz="1800" spc="0" dirty="0">
                 <a:effectLst/>
                 <a:latin typeface="Times New Roman" panose="02020603050405020304" pitchFamily="18" charset="0"/>
                 <a:ea typeface="Symbol" panose="05050102010706020507" pitchFamily="18" charset="2"/>
@@ -5138,7 +4719,7 @@
               </a:rPr>
               <a:t>;</a:t>
             </a:r>
-            <a:endParaRPr lang="ru-RU" sz="1600" spc="0" dirty="0">
+            <a:endParaRPr lang="ru-RU" sz="1800" spc="0" dirty="0">
               <a:effectLst/>
               <a:latin typeface="Times New Roman" panose="02020603050405020304" pitchFamily="18" charset="0"/>
               <a:ea typeface="Symbol" panose="05050102010706020507" pitchFamily="18" charset="2"/>
@@ -5150,12 +4731,6 @@
               <a:lnSpc>
                 <a:spcPct val="150000"/>
               </a:lnSpc>
-              <a:spcBef>
-                <a:spcPts val="805"/>
-              </a:spcBef>
-              <a:spcAft>
-                <a:spcPts val="0"/>
-              </a:spcAft>
               <a:buSzPts val="1400"/>
               <a:buFont typeface="Symbol" panose="05050102010706020507" pitchFamily="18" charset="2"/>
               <a:buChar char=""/>
@@ -5164,7 +4739,7 @@
               </a:tabLst>
             </a:pPr>
             <a:r>
-              <a:rPr lang="ru-RU" sz="1600" spc="0" dirty="0">
+              <a:rPr lang="ru-RU" sz="1800" spc="0" dirty="0">
                 <a:effectLst/>
                 <a:latin typeface="Times New Roman" panose="02020603050405020304" pitchFamily="18" charset="0"/>
                 <a:ea typeface="Symbol" panose="05050102010706020507" pitchFamily="18" charset="2"/>
@@ -5173,7 +4748,7 @@
               <a:t>создание</a:t>
             </a:r>
             <a:r>
-              <a:rPr lang="ru-RU" sz="1600" spc="-30" dirty="0">
+              <a:rPr lang="ru-RU" sz="1800" spc="-30" dirty="0">
                 <a:effectLst/>
                 <a:latin typeface="Times New Roman" panose="02020603050405020304" pitchFamily="18" charset="0"/>
                 <a:ea typeface="Symbol" panose="05050102010706020507" pitchFamily="18" charset="2"/>
@@ -5182,7 +4757,7 @@
               <a:t> </a:t>
             </a:r>
             <a:r>
-              <a:rPr lang="ru-RU" sz="1600" spc="0" dirty="0">
+              <a:rPr lang="ru-RU" sz="1800" spc="0" dirty="0">
                 <a:effectLst/>
                 <a:latin typeface="Times New Roman" panose="02020603050405020304" pitchFamily="18" charset="0"/>
                 <a:ea typeface="Symbol" panose="05050102010706020507" pitchFamily="18" charset="2"/>
@@ -5191,7 +4766,7 @@
               <a:t>базы</a:t>
             </a:r>
             <a:r>
-              <a:rPr lang="ru-RU" sz="1600" spc="-30" dirty="0">
+              <a:rPr lang="ru-RU" sz="1800" spc="-30" dirty="0">
                 <a:effectLst/>
                 <a:latin typeface="Times New Roman" panose="02020603050405020304" pitchFamily="18" charset="0"/>
                 <a:ea typeface="Symbol" panose="05050102010706020507" pitchFamily="18" charset="2"/>
@@ -5200,16 +4775,16 @@
               <a:t> </a:t>
             </a:r>
             <a:r>
-              <a:rPr lang="ru-RU" sz="1600" spc="0" dirty="0">
+              <a:rPr lang="ru-RU" sz="1800" spc="0" dirty="0">
                 <a:effectLst/>
                 <a:latin typeface="Times New Roman" panose="02020603050405020304" pitchFamily="18" charset="0"/>
                 <a:ea typeface="Symbol" panose="05050102010706020507" pitchFamily="18" charset="2"/>
                 <a:cs typeface="Symbol" panose="05050102010706020507" pitchFamily="18" charset="2"/>
               </a:rPr>
-              <a:t>данные</a:t>
-            </a:r>
-            <a:r>
-              <a:rPr lang="en-US" sz="1600" spc="0" dirty="0">
+              <a:t>данных</a:t>
+            </a:r>
+            <a:r>
+              <a:rPr lang="en-US" sz="1800" spc="0" dirty="0">
                 <a:effectLst/>
                 <a:latin typeface="Times New Roman" panose="02020603050405020304" pitchFamily="18" charset="0"/>
                 <a:ea typeface="Symbol" panose="05050102010706020507" pitchFamily="18" charset="2"/>
@@ -5217,7 +4792,7 @@
               </a:rPr>
               <a:t>;</a:t>
             </a:r>
-            <a:endParaRPr lang="ru-RU" sz="1600" spc="0" dirty="0">
+            <a:endParaRPr lang="ru-RU" sz="1800" spc="0" dirty="0">
               <a:effectLst/>
               <a:latin typeface="Times New Roman" panose="02020603050405020304" pitchFamily="18" charset="0"/>
               <a:ea typeface="Symbol" panose="05050102010706020507" pitchFamily="18" charset="2"/>
@@ -5229,12 +4804,6 @@
               <a:lnSpc>
                 <a:spcPct val="150000"/>
               </a:lnSpc>
-              <a:spcBef>
-                <a:spcPts val="780"/>
-              </a:spcBef>
-              <a:spcAft>
-                <a:spcPts val="0"/>
-              </a:spcAft>
               <a:buSzPts val="1400"/>
               <a:buFont typeface="Symbol" panose="05050102010706020507" pitchFamily="18" charset="2"/>
               <a:buChar char=""/>
@@ -5243,26 +4812,35 @@
               </a:tabLst>
             </a:pPr>
             <a:r>
-              <a:rPr lang="ru-RU" sz="1600" spc="0" dirty="0">
+              <a:rPr lang="ru-RU" sz="1800" spc="0" dirty="0">
                 <a:effectLst/>
                 <a:latin typeface="Times New Roman" panose="02020603050405020304" pitchFamily="18" charset="0"/>
                 <a:ea typeface="Symbol" panose="05050102010706020507" pitchFamily="18" charset="2"/>
                 <a:cs typeface="Symbol" panose="05050102010706020507" pitchFamily="18" charset="2"/>
               </a:rPr>
-              <a:t>проектирование дизайна приложений для пользователя и администратора;</a:t>
-            </a:r>
+              <a:t>проектирование дизайна приложения для авиакомпании</a:t>
+            </a:r>
+            <a:r>
+              <a:rPr lang="en-US" sz="1800" spc="0" dirty="0">
+                <a:effectLst/>
+                <a:latin typeface="Times New Roman" panose="02020603050405020304" pitchFamily="18" charset="0"/>
+                <a:ea typeface="Symbol" panose="05050102010706020507" pitchFamily="18" charset="2"/>
+                <a:cs typeface="Symbol" panose="05050102010706020507" pitchFamily="18" charset="2"/>
+              </a:rPr>
+              <a:t>;</a:t>
+            </a:r>
+            <a:endParaRPr lang="ru-RU" sz="1800" spc="0" dirty="0">
+              <a:effectLst/>
+              <a:latin typeface="Times New Roman" panose="02020603050405020304" pitchFamily="18" charset="0"/>
+              <a:ea typeface="Symbol" panose="05050102010706020507" pitchFamily="18" charset="2"/>
+              <a:cs typeface="Symbol" panose="05050102010706020507" pitchFamily="18" charset="2"/>
+            </a:endParaRPr>
           </a:p>
           <a:p>
             <a:pPr marL="742950" lvl="1" indent="-285750">
               <a:lnSpc>
                 <a:spcPct val="150000"/>
               </a:lnSpc>
-              <a:spcBef>
-                <a:spcPts val="780"/>
-              </a:spcBef>
-              <a:spcAft>
-                <a:spcPts val="0"/>
-              </a:spcAft>
               <a:buSzPts val="1400"/>
               <a:buFont typeface="Symbol" panose="05050102010706020507" pitchFamily="18" charset="2"/>
               <a:buChar char=""/>
@@ -5271,13 +4849,13 @@
               </a:tabLst>
             </a:pPr>
             <a:r>
-              <a:rPr lang="ru-RU" sz="1600" spc="0" dirty="0">
+              <a:rPr lang="ru-RU" sz="1800" spc="0" dirty="0">
                 <a:effectLst/>
                 <a:latin typeface="Times New Roman" panose="02020603050405020304" pitchFamily="18" charset="0"/>
                 <a:ea typeface="Symbol" panose="05050102010706020507" pitchFamily="18" charset="2"/>
                 <a:cs typeface="Symbol" panose="05050102010706020507" pitchFamily="18" charset="2"/>
               </a:rPr>
-              <a:t>разработка приложений для пользователя и администратора;</a:t>
+              <a:t>разработка приложения для авиакомпании;</a:t>
             </a:r>
           </a:p>
           <a:p>
@@ -5285,12 +4863,6 @@
               <a:lnSpc>
                 <a:spcPct val="150000"/>
               </a:lnSpc>
-              <a:spcBef>
-                <a:spcPts val="780"/>
-              </a:spcBef>
-              <a:spcAft>
-                <a:spcPts val="0"/>
-              </a:spcAft>
               <a:buSzPts val="1400"/>
               <a:buFont typeface="Symbol" panose="05050102010706020507" pitchFamily="18" charset="2"/>
               <a:buChar char=""/>
@@ -5299,21 +4871,34 @@
               </a:tabLst>
             </a:pPr>
             <a:r>
-              <a:rPr lang="ru-RU" sz="1600" spc="0" dirty="0">
+              <a:rPr lang="ru-RU" sz="1800" spc="0" dirty="0">
                 <a:effectLst/>
                 <a:latin typeface="Times New Roman" panose="02020603050405020304" pitchFamily="18" charset="0"/>
                 <a:ea typeface="Symbol" panose="05050102010706020507" pitchFamily="18" charset="2"/>
                 <a:cs typeface="Symbol" panose="05050102010706020507" pitchFamily="18" charset="2"/>
               </a:rPr>
-              <a:t>тестирование приложений на возможные ошибки.</a:t>
-            </a:r>
-            <a:endParaRPr lang="ru-RU" sz="1600" dirty="0">
+              <a:t>тестирование приложений на возможные ошибки и </a:t>
+            </a:r>
+            <a:r>
+              <a:rPr lang="ru-RU" sz="1800" spc="0">
+                <a:effectLst/>
+                <a:latin typeface="Times New Roman" panose="02020603050405020304" pitchFamily="18" charset="0"/>
+                <a:ea typeface="Symbol" panose="05050102010706020507" pitchFamily="18" charset="2"/>
+                <a:cs typeface="Symbol" panose="05050102010706020507" pitchFamily="18" charset="2"/>
+              </a:rPr>
+              <a:t>удобство использования.</a:t>
+            </a:r>
+            <a:endParaRPr lang="ru-RU" sz="1800" spc="0" dirty="0">
               <a:effectLst/>
               <a:latin typeface="Times New Roman" panose="02020603050405020304" pitchFamily="18" charset="0"/>
-              <a:ea typeface="Times New Roman" panose="02020603050405020304" pitchFamily="18" charset="0"/>
+              <a:ea typeface="Symbol" panose="05050102010706020507" pitchFamily="18" charset="2"/>
+              <a:cs typeface="Symbol" panose="05050102010706020507" pitchFamily="18" charset="2"/>
             </a:endParaRPr>
           </a:p>
           <a:p>
+            <a:pPr marL="0" indent="0">
+              <a:buNone/>
+            </a:pPr>
             <a:endParaRPr lang="ru-RU" sz="1600" dirty="0">
               <a:latin typeface="Times New Roman" panose="02020603050405020304" pitchFamily="18" charset="0"/>
               <a:cs typeface="Times New Roman" panose="02020603050405020304" pitchFamily="18" charset="0"/>
@@ -5323,45 +4908,159 @@
       </p:sp>
       <p:sp>
         <p:nvSpPr>
-          <p:cNvPr id="4" name="Номер слайда 3">
-            <a:extLst>
-              <a:ext uri="{FF2B5EF4-FFF2-40B4-BE49-F238E27FC236}">
-                <a16:creationId xmlns:a16="http://schemas.microsoft.com/office/drawing/2014/main" id="{C6E4855E-84BF-6623-1A40-3C38776F0791}"/>
-              </a:ext>
-            </a:extLst>
-          </p:cNvPr>
-          <p:cNvSpPr>
-            <a:spLocks noGrp="1"/>
-          </p:cNvSpPr>
-          <p:nvPr>
-            <p:ph type="sldNum" sz="quarter" idx="12"/>
-          </p:nvPr>
+          <p:cNvPr id="5" name="Номер слайда 3">
+            <a:extLst>
+              <a:ext uri="{FF2B5EF4-FFF2-40B4-BE49-F238E27FC236}">
+                <a16:creationId xmlns:a16="http://schemas.microsoft.com/office/drawing/2014/main" id="{B5C0961A-165D-0F49-1F06-48E20944F7E6}"/>
+              </a:ext>
+            </a:extLst>
+          </p:cNvPr>
+          <p:cNvSpPr txBox="1">
+            <a:spLocks/>
+          </p:cNvSpPr>
+          <p:nvPr/>
         </p:nvSpPr>
         <p:spPr>
           <a:xfrm>
-            <a:off x="9319726" y="126886"/>
+            <a:off x="9347123" y="178593"/>
             <a:ext cx="2743200" cy="365125"/>
           </a:xfrm>
+          <a:prstGeom prst="rect">
+            <a:avLst/>
+          </a:prstGeom>
         </p:spPr>
         <p:txBody>
-          <a:bodyPr/>
-          <a:lstStyle/>
+          <a:bodyPr vert="horz" lIns="91440" tIns="45720" rIns="91440" bIns="45720" rtlCol="0" anchor="ctr"/>
+          <a:lstStyle>
+            <a:defPPr>
+              <a:defRPr lang="ru-RU"/>
+            </a:defPPr>
+            <a:lvl1pPr marL="0" algn="r" defTabSz="914400" rtl="0" eaLnBrk="1" latinLnBrk="0" hangingPunct="1">
+              <a:defRPr sz="1200" kern="1200">
+                <a:solidFill>
+                  <a:schemeClr val="tx1">
+                    <a:tint val="75000"/>
+                  </a:schemeClr>
+                </a:solidFill>
+                <a:latin typeface="+mn-lt"/>
+                <a:ea typeface="+mn-ea"/>
+                <a:cs typeface="+mn-cs"/>
+              </a:defRPr>
+            </a:lvl1pPr>
+            <a:lvl2pPr marL="457200" algn="l" defTabSz="914400" rtl="0" eaLnBrk="1" latinLnBrk="0" hangingPunct="1">
+              <a:defRPr sz="1800" kern="1200">
+                <a:solidFill>
+                  <a:schemeClr val="tx1"/>
+                </a:solidFill>
+                <a:latin typeface="+mn-lt"/>
+                <a:ea typeface="+mn-ea"/>
+                <a:cs typeface="+mn-cs"/>
+              </a:defRPr>
+            </a:lvl2pPr>
+            <a:lvl3pPr marL="914400" algn="l" defTabSz="914400" rtl="0" eaLnBrk="1" latinLnBrk="0" hangingPunct="1">
+              <a:defRPr sz="1800" kern="1200">
+                <a:solidFill>
+                  <a:schemeClr val="tx1"/>
+                </a:solidFill>
+                <a:latin typeface="+mn-lt"/>
+                <a:ea typeface="+mn-ea"/>
+                <a:cs typeface="+mn-cs"/>
+              </a:defRPr>
+            </a:lvl3pPr>
+            <a:lvl4pPr marL="1371600" algn="l" defTabSz="914400" rtl="0" eaLnBrk="1" latinLnBrk="0" hangingPunct="1">
+              <a:defRPr sz="1800" kern="1200">
+                <a:solidFill>
+                  <a:schemeClr val="tx1"/>
+                </a:solidFill>
+                <a:latin typeface="+mn-lt"/>
+                <a:ea typeface="+mn-ea"/>
+                <a:cs typeface="+mn-cs"/>
+              </a:defRPr>
+            </a:lvl4pPr>
+            <a:lvl5pPr marL="1828800" algn="l" defTabSz="914400" rtl="0" eaLnBrk="1" latinLnBrk="0" hangingPunct="1">
+              <a:defRPr sz="1800" kern="1200">
+                <a:solidFill>
+                  <a:schemeClr val="tx1"/>
+                </a:solidFill>
+                <a:latin typeface="+mn-lt"/>
+                <a:ea typeface="+mn-ea"/>
+                <a:cs typeface="+mn-cs"/>
+              </a:defRPr>
+            </a:lvl5pPr>
+            <a:lvl6pPr marL="2286000" algn="l" defTabSz="914400" rtl="0" eaLnBrk="1" latinLnBrk="0" hangingPunct="1">
+              <a:defRPr sz="1800" kern="1200">
+                <a:solidFill>
+                  <a:schemeClr val="tx1"/>
+                </a:solidFill>
+                <a:latin typeface="+mn-lt"/>
+                <a:ea typeface="+mn-ea"/>
+                <a:cs typeface="+mn-cs"/>
+              </a:defRPr>
+            </a:lvl6pPr>
+            <a:lvl7pPr marL="2743200" algn="l" defTabSz="914400" rtl="0" eaLnBrk="1" latinLnBrk="0" hangingPunct="1">
+              <a:defRPr sz="1800" kern="1200">
+                <a:solidFill>
+                  <a:schemeClr val="tx1"/>
+                </a:solidFill>
+                <a:latin typeface="+mn-lt"/>
+                <a:ea typeface="+mn-ea"/>
+                <a:cs typeface="+mn-cs"/>
+              </a:defRPr>
+            </a:lvl7pPr>
+            <a:lvl8pPr marL="3200400" algn="l" defTabSz="914400" rtl="0" eaLnBrk="1" latinLnBrk="0" hangingPunct="1">
+              <a:defRPr sz="1800" kern="1200">
+                <a:solidFill>
+                  <a:schemeClr val="tx1"/>
+                </a:solidFill>
+                <a:latin typeface="+mn-lt"/>
+                <a:ea typeface="+mn-ea"/>
+                <a:cs typeface="+mn-cs"/>
+              </a:defRPr>
+            </a:lvl8pPr>
+            <a:lvl9pPr marL="3657600" algn="l" defTabSz="914400" rtl="0" eaLnBrk="1" latinLnBrk="0" hangingPunct="1">
+              <a:defRPr sz="1800" kern="1200">
+                <a:solidFill>
+                  <a:schemeClr val="tx1"/>
+                </a:solidFill>
+                <a:latin typeface="+mn-lt"/>
+                <a:ea typeface="+mn-ea"/>
+                <a:cs typeface="+mn-cs"/>
+              </a:defRPr>
+            </a:lvl9pPr>
+          </a:lstStyle>
           <a:p>
             <a:fld id="{6761A50A-E866-45D7-A1D3-EBE681B6823E}" type="slidenum">
-              <a:rPr lang="ru-RU" sz="2000" smtClean="0">
-                <a:solidFill>
-                  <a:schemeClr val="tx1"/>
-                </a:solidFill>
+              <a:rPr lang="ru-RU" sz="4000" b="1" smtClean="0">
+                <a:solidFill>
+                  <a:srgbClr val="FF0000"/>
+                </a:solidFill>
+                <a:effectLst>
+                  <a:outerShdw blurRad="38100" dist="38100" dir="2700000" algn="tl">
+                    <a:srgbClr val="000000">
+                      <a:alpha val="43137"/>
+                    </a:srgbClr>
+                  </a:outerShdw>
+                </a:effectLst>
                 <a:latin typeface="Times New Roman" panose="02020603050405020304" pitchFamily="18" charset="0"/>
+                <a:ea typeface="Tahoma" panose="020B0604030504040204" pitchFamily="34" charset="0"/>
                 <a:cs typeface="Times New Roman" panose="02020603050405020304" pitchFamily="18" charset="0"/>
               </a:rPr>
+              <a:pPr/>
               <a:t>10</a:t>
             </a:fld>
-            <a:endParaRPr lang="ru-RU" sz="2000" dirty="0">
+            <a:endParaRPr lang="ru-RU" sz="4000" b="1" dirty="0">
               <a:solidFill>
-                <a:schemeClr val="tx1"/>
+                <a:srgbClr val="FF0000"/>
               </a:solidFill>
+              <a:effectLst>
+                <a:outerShdw blurRad="38100" dist="38100" dir="2700000" algn="tl">
+                  <a:srgbClr val="000000">
+                    <a:alpha val="43137"/>
+                  </a:srgbClr>
+                </a:outerShdw>
+              </a:effectLst>
               <a:latin typeface="Times New Roman" panose="02020603050405020304" pitchFamily="18" charset="0"/>
+              <a:ea typeface="Tahoma" panose="020B0604030504040204" pitchFamily="34" charset="0"/>
               <a:cs typeface="Times New Roman" panose="02020603050405020304" pitchFamily="18" charset="0"/>
             </a:endParaRPr>
           </a:p>
@@ -5397,41 +5096,250 @@
           <a:chExt cx="0" cy="0"/>
         </a:xfrm>
       </p:grpSpPr>
-      <p:pic>
-        <p:nvPicPr>
-          <p:cNvPr id="3" name="Рисунок 2">
-            <a:hlinkClick r:id="rId2" action="ppaction://hlinksldjump"/>
-            <a:extLst>
-              <a:ext uri="{FF2B5EF4-FFF2-40B4-BE49-F238E27FC236}">
-                <a16:creationId xmlns:a16="http://schemas.microsoft.com/office/drawing/2014/main" id="{CD8F85A6-0787-8DA4-6606-1158CFE61C0B}"/>
-              </a:ext>
-            </a:extLst>
-          </p:cNvPr>
-          <p:cNvPicPr>
-            <a:picLocks noChangeAspect="1"/>
-          </p:cNvPicPr>
-          <p:nvPr/>
-        </p:nvPicPr>
-        <p:blipFill>
-          <a:blip r:embed="rId3"/>
-          <a:stretch>
-            <a:fillRect/>
-          </a:stretch>
-        </p:blipFill>
+      <p:sp>
+        <p:nvSpPr>
+          <p:cNvPr id="3" name="Объект 2">
+            <a:extLst>
+              <a:ext uri="{FF2B5EF4-FFF2-40B4-BE49-F238E27FC236}">
+                <a16:creationId xmlns:a16="http://schemas.microsoft.com/office/drawing/2014/main" id="{FBAAF4EE-70F6-B3D6-F2F0-C06D02E83A6D}"/>
+              </a:ext>
+            </a:extLst>
+          </p:cNvPr>
+          <p:cNvSpPr>
+            <a:spLocks noGrp="1"/>
+          </p:cNvSpPr>
+          <p:nvPr>
+            <p:ph idx="1"/>
+          </p:nvPr>
+        </p:nvSpPr>
         <p:spPr>
           <a:xfrm>
-            <a:off x="0" y="832111"/>
-            <a:ext cx="12192000" cy="5193778"/>
+            <a:off x="838200" y="2911475"/>
+            <a:ext cx="10515600" cy="679450"/>
+          </a:xfrm>
+        </p:spPr>
+        <p:txBody>
+          <a:bodyPr>
+            <a:normAutofit/>
+          </a:bodyPr>
+          <a:lstStyle/>
+          <a:p>
+            <a:pPr marL="0" indent="0" algn="ctr">
+              <a:buNone/>
+            </a:pPr>
+            <a:r>
+              <a:rPr lang="ru-RU" sz="3600" dirty="0">
+                <a:solidFill>
+                  <a:srgbClr val="000099"/>
+                </a:solidFill>
+                <a:effectLst>
+                  <a:outerShdw blurRad="38100" dist="38100" dir="2700000" algn="tl">
+                    <a:srgbClr val="C0C0C0"/>
+                  </a:outerShdw>
+                </a:effectLst>
+                <a:latin typeface="Calibri" pitchFamily="34" charset="0"/>
+                <a:ea typeface="+mn-ea"/>
+                <a:cs typeface="+mn-cs"/>
+              </a:rPr>
+              <a:t>Спасибо за внимание</a:t>
+            </a:r>
+            <a:endParaRPr lang="ru-RU" sz="3600" dirty="0"/>
+          </a:p>
+        </p:txBody>
+      </p:sp>
+      <p:sp>
+        <p:nvSpPr>
+          <p:cNvPr id="4" name="Номер слайда 3">
+            <a:extLst>
+              <a:ext uri="{FF2B5EF4-FFF2-40B4-BE49-F238E27FC236}">
+                <a16:creationId xmlns:a16="http://schemas.microsoft.com/office/drawing/2014/main" id="{93531CBF-2487-57E5-0380-EAFB9682670D}"/>
+              </a:ext>
+            </a:extLst>
+          </p:cNvPr>
+          <p:cNvSpPr>
+            <a:spLocks noGrp="1"/>
+          </p:cNvSpPr>
+          <p:nvPr>
+            <p:ph type="sldNum" sz="quarter" idx="12"/>
+          </p:nvPr>
+        </p:nvSpPr>
+        <p:spPr/>
+        <p:txBody>
+          <a:bodyPr/>
+          <a:lstStyle/>
+          <a:p>
+            <a:fld id="{6761A50A-E866-45D7-A1D3-EBE681B6823E}" type="slidenum">
+              <a:rPr lang="ru-RU" smtClean="0"/>
+              <a:t>11</a:t>
+            </a:fld>
+            <a:endParaRPr lang="ru-RU" dirty="0"/>
+          </a:p>
+        </p:txBody>
+      </p:sp>
+      <p:sp>
+        <p:nvSpPr>
+          <p:cNvPr id="5" name="Номер слайда 3">
+            <a:extLst>
+              <a:ext uri="{FF2B5EF4-FFF2-40B4-BE49-F238E27FC236}">
+                <a16:creationId xmlns:a16="http://schemas.microsoft.com/office/drawing/2014/main" id="{AC41E3C1-2957-4A50-BC3A-D52E7C2F2772}"/>
+              </a:ext>
+            </a:extLst>
+          </p:cNvPr>
+          <p:cNvSpPr txBox="1">
+            <a:spLocks/>
+          </p:cNvSpPr>
+          <p:nvPr/>
+        </p:nvSpPr>
+        <p:spPr>
+          <a:xfrm>
+            <a:off x="9347123" y="178593"/>
+            <a:ext cx="2743200" cy="365125"/>
           </a:xfrm>
           <a:prstGeom prst="rect">
             <a:avLst/>
           </a:prstGeom>
         </p:spPr>
-      </p:pic>
+        <p:txBody>
+          <a:bodyPr vert="horz" lIns="91440" tIns="45720" rIns="91440" bIns="45720" rtlCol="0" anchor="ctr"/>
+          <a:lstStyle>
+            <a:defPPr>
+              <a:defRPr lang="ru-RU"/>
+            </a:defPPr>
+            <a:lvl1pPr marL="0" algn="r" defTabSz="914400" rtl="0" eaLnBrk="1" latinLnBrk="0" hangingPunct="1">
+              <a:defRPr sz="1200" kern="1200">
+                <a:solidFill>
+                  <a:schemeClr val="tx1">
+                    <a:tint val="75000"/>
+                  </a:schemeClr>
+                </a:solidFill>
+                <a:latin typeface="+mn-lt"/>
+                <a:ea typeface="+mn-ea"/>
+                <a:cs typeface="+mn-cs"/>
+              </a:defRPr>
+            </a:lvl1pPr>
+            <a:lvl2pPr marL="457200" algn="l" defTabSz="914400" rtl="0" eaLnBrk="1" latinLnBrk="0" hangingPunct="1">
+              <a:defRPr sz="1800" kern="1200">
+                <a:solidFill>
+                  <a:schemeClr val="tx1"/>
+                </a:solidFill>
+                <a:latin typeface="+mn-lt"/>
+                <a:ea typeface="+mn-ea"/>
+                <a:cs typeface="+mn-cs"/>
+              </a:defRPr>
+            </a:lvl2pPr>
+            <a:lvl3pPr marL="914400" algn="l" defTabSz="914400" rtl="0" eaLnBrk="1" latinLnBrk="0" hangingPunct="1">
+              <a:defRPr sz="1800" kern="1200">
+                <a:solidFill>
+                  <a:schemeClr val="tx1"/>
+                </a:solidFill>
+                <a:latin typeface="+mn-lt"/>
+                <a:ea typeface="+mn-ea"/>
+                <a:cs typeface="+mn-cs"/>
+              </a:defRPr>
+            </a:lvl3pPr>
+            <a:lvl4pPr marL="1371600" algn="l" defTabSz="914400" rtl="0" eaLnBrk="1" latinLnBrk="0" hangingPunct="1">
+              <a:defRPr sz="1800" kern="1200">
+                <a:solidFill>
+                  <a:schemeClr val="tx1"/>
+                </a:solidFill>
+                <a:latin typeface="+mn-lt"/>
+                <a:ea typeface="+mn-ea"/>
+                <a:cs typeface="+mn-cs"/>
+              </a:defRPr>
+            </a:lvl4pPr>
+            <a:lvl5pPr marL="1828800" algn="l" defTabSz="914400" rtl="0" eaLnBrk="1" latinLnBrk="0" hangingPunct="1">
+              <a:defRPr sz="1800" kern="1200">
+                <a:solidFill>
+                  <a:schemeClr val="tx1"/>
+                </a:solidFill>
+                <a:latin typeface="+mn-lt"/>
+                <a:ea typeface="+mn-ea"/>
+                <a:cs typeface="+mn-cs"/>
+              </a:defRPr>
+            </a:lvl5pPr>
+            <a:lvl6pPr marL="2286000" algn="l" defTabSz="914400" rtl="0" eaLnBrk="1" latinLnBrk="0" hangingPunct="1">
+              <a:defRPr sz="1800" kern="1200">
+                <a:solidFill>
+                  <a:schemeClr val="tx1"/>
+                </a:solidFill>
+                <a:latin typeface="+mn-lt"/>
+                <a:ea typeface="+mn-ea"/>
+                <a:cs typeface="+mn-cs"/>
+              </a:defRPr>
+            </a:lvl6pPr>
+            <a:lvl7pPr marL="2743200" algn="l" defTabSz="914400" rtl="0" eaLnBrk="1" latinLnBrk="0" hangingPunct="1">
+              <a:defRPr sz="1800" kern="1200">
+                <a:solidFill>
+                  <a:schemeClr val="tx1"/>
+                </a:solidFill>
+                <a:latin typeface="+mn-lt"/>
+                <a:ea typeface="+mn-ea"/>
+                <a:cs typeface="+mn-cs"/>
+              </a:defRPr>
+            </a:lvl7pPr>
+            <a:lvl8pPr marL="3200400" algn="l" defTabSz="914400" rtl="0" eaLnBrk="1" latinLnBrk="0" hangingPunct="1">
+              <a:defRPr sz="1800" kern="1200">
+                <a:solidFill>
+                  <a:schemeClr val="tx1"/>
+                </a:solidFill>
+                <a:latin typeface="+mn-lt"/>
+                <a:ea typeface="+mn-ea"/>
+                <a:cs typeface="+mn-cs"/>
+              </a:defRPr>
+            </a:lvl8pPr>
+            <a:lvl9pPr marL="3657600" algn="l" defTabSz="914400" rtl="0" eaLnBrk="1" latinLnBrk="0" hangingPunct="1">
+              <a:defRPr sz="1800" kern="1200">
+                <a:solidFill>
+                  <a:schemeClr val="tx1"/>
+                </a:solidFill>
+                <a:latin typeface="+mn-lt"/>
+                <a:ea typeface="+mn-ea"/>
+                <a:cs typeface="+mn-cs"/>
+              </a:defRPr>
+            </a:lvl9pPr>
+          </a:lstStyle>
+          <a:p>
+            <a:fld id="{6761A50A-E866-45D7-A1D3-EBE681B6823E}" type="slidenum">
+              <a:rPr lang="ru-RU" sz="4000" b="1" smtClean="0">
+                <a:solidFill>
+                  <a:srgbClr val="FF0000"/>
+                </a:solidFill>
+                <a:effectLst>
+                  <a:outerShdw blurRad="38100" dist="38100" dir="2700000" algn="tl">
+                    <a:srgbClr val="000000">
+                      <a:alpha val="43137"/>
+                    </a:srgbClr>
+                  </a:outerShdw>
+                </a:effectLst>
+                <a:latin typeface="Times New Roman" panose="02020603050405020304" pitchFamily="18" charset="0"/>
+                <a:ea typeface="Tahoma" panose="020B0604030504040204" pitchFamily="34" charset="0"/>
+                <a:cs typeface="Times New Roman" panose="02020603050405020304" pitchFamily="18" charset="0"/>
+              </a:rPr>
+              <a:pPr/>
+              <a:t>11</a:t>
+            </a:fld>
+            <a:endParaRPr lang="ru-RU" sz="4000" b="1" dirty="0">
+              <a:solidFill>
+                <a:srgbClr val="FF0000"/>
+              </a:solidFill>
+              <a:effectLst>
+                <a:outerShdw blurRad="38100" dist="38100" dir="2700000" algn="tl">
+                  <a:srgbClr val="000000">
+                    <a:alpha val="43137"/>
+                  </a:srgbClr>
+                </a:outerShdw>
+              </a:effectLst>
+              <a:latin typeface="Times New Roman" panose="02020603050405020304" pitchFamily="18" charset="0"/>
+              <a:ea typeface="Tahoma" panose="020B0604030504040204" pitchFamily="34" charset="0"/>
+              <a:cs typeface="Times New Roman" panose="02020603050405020304" pitchFamily="18" charset="0"/>
+            </a:endParaRPr>
+          </a:p>
+        </p:txBody>
+      </p:sp>
     </p:spTree>
     <p:extLst>
       <p:ext uri="{BB962C8B-B14F-4D97-AF65-F5344CB8AC3E}">
-        <p14:creationId xmlns:p14="http://schemas.microsoft.com/office/powerpoint/2010/main" val="440259"/>
+        <p14:creationId xmlns:p14="http://schemas.microsoft.com/office/powerpoint/2010/main" val="3554495027"/>
       </p:ext>
     </p:extLst>
   </p:cSld>
@@ -5460,11 +5368,11 @@
       </p:grpSpPr>
       <p:pic>
         <p:nvPicPr>
-          <p:cNvPr id="4" name="Рисунок 3">
+          <p:cNvPr id="5" name="Рисунок 4">
             <a:hlinkClick r:id="rId2" action="ppaction://hlinksldjump"/>
             <a:extLst>
               <a:ext uri="{FF2B5EF4-FFF2-40B4-BE49-F238E27FC236}">
-                <a16:creationId xmlns:a16="http://schemas.microsoft.com/office/drawing/2014/main" id="{B8A1E9BB-4C0E-771E-0F62-6E57F0360F3E}"/>
+                <a16:creationId xmlns:a16="http://schemas.microsoft.com/office/drawing/2014/main" id="{23F5C388-D70A-57BC-53DC-F177EB138006}"/>
               </a:ext>
             </a:extLst>
           </p:cNvPr>
@@ -5481,8 +5389,8 @@
         </p:blipFill>
         <p:spPr>
           <a:xfrm>
-            <a:off x="419100" y="0"/>
-            <a:ext cx="11353800" cy="6858000"/>
+            <a:off x="303764" y="352424"/>
+            <a:ext cx="11513951" cy="6057901"/>
           </a:xfrm>
           <a:prstGeom prst="rect">
             <a:avLst/>
@@ -5492,7 +5400,7 @@
     </p:spTree>
     <p:extLst>
       <p:ext uri="{BB962C8B-B14F-4D97-AF65-F5344CB8AC3E}">
-        <p14:creationId xmlns:p14="http://schemas.microsoft.com/office/powerpoint/2010/main" val="558925873"/>
+        <p14:creationId xmlns:p14="http://schemas.microsoft.com/office/powerpoint/2010/main" val="440259"/>
       </p:ext>
     </p:extLst>
   </p:cSld>
@@ -5521,11 +5429,11 @@
       </p:grpSpPr>
       <p:pic>
         <p:nvPicPr>
-          <p:cNvPr id="4" name="Рисунок 3">
+          <p:cNvPr id="2" name="Рисунок 1">
             <a:hlinkClick r:id="rId2" action="ppaction://hlinksldjump"/>
             <a:extLst>
               <a:ext uri="{FF2B5EF4-FFF2-40B4-BE49-F238E27FC236}">
-                <a16:creationId xmlns:a16="http://schemas.microsoft.com/office/drawing/2014/main" id="{9431198E-47B2-CEF8-70AC-E6BB23827249}"/>
+                <a16:creationId xmlns:a16="http://schemas.microsoft.com/office/drawing/2014/main" id="{5319237D-75F6-8DF8-B3B4-2E55A1E8ADBE}"/>
               </a:ext>
             </a:extLst>
           </p:cNvPr>
@@ -5542,8 +5450,8 @@
         </p:blipFill>
         <p:spPr>
           <a:xfrm>
-            <a:off x="5597" y="209550"/>
-            <a:ext cx="12198824" cy="6448425"/>
+            <a:off x="210618" y="781050"/>
+            <a:ext cx="11770763" cy="5295900"/>
           </a:xfrm>
           <a:prstGeom prst="rect">
             <a:avLst/>
@@ -5553,7 +5461,7 @@
     </p:spTree>
     <p:extLst>
       <p:ext uri="{BB962C8B-B14F-4D97-AF65-F5344CB8AC3E}">
-        <p14:creationId xmlns:p14="http://schemas.microsoft.com/office/powerpoint/2010/main" val="3309101020"/>
+        <p14:creationId xmlns:p14="http://schemas.microsoft.com/office/powerpoint/2010/main" val="558925873"/>
       </p:ext>
     </p:extLst>
   </p:cSld>
@@ -5586,7 +5494,7 @@
             <a:hlinkClick r:id="rId2" action="ppaction://hlinksldjump"/>
             <a:extLst>
               <a:ext uri="{FF2B5EF4-FFF2-40B4-BE49-F238E27FC236}">
-                <a16:creationId xmlns:a16="http://schemas.microsoft.com/office/drawing/2014/main" id="{34604F19-8217-0C2A-F3CE-629668E6C42F}"/>
+                <a16:creationId xmlns:a16="http://schemas.microsoft.com/office/drawing/2014/main" id="{B5491225-E949-C296-2A91-6E9B180B9B53}"/>
               </a:ext>
             </a:extLst>
           </p:cNvPr>
@@ -5603,8 +5511,8 @@
         </p:blipFill>
         <p:spPr>
           <a:xfrm>
-            <a:off x="2495550" y="51481"/>
-            <a:ext cx="7258050" cy="6808649"/>
+            <a:off x="644699" y="647700"/>
+            <a:ext cx="10846596" cy="5534025"/>
           </a:xfrm>
           <a:prstGeom prst="rect">
             <a:avLst/>
@@ -5614,7 +5522,7 @@
     </p:spTree>
     <p:extLst>
       <p:ext uri="{BB962C8B-B14F-4D97-AF65-F5344CB8AC3E}">
-        <p14:creationId xmlns:p14="http://schemas.microsoft.com/office/powerpoint/2010/main" val="2393112435"/>
+        <p14:creationId xmlns:p14="http://schemas.microsoft.com/office/powerpoint/2010/main" val="3309101020"/>
       </p:ext>
     </p:extLst>
   </p:cSld>
@@ -5643,11 +5551,11 @@
       </p:grpSpPr>
       <p:pic>
         <p:nvPicPr>
-          <p:cNvPr id="2" name="Рисунок 1">
+          <p:cNvPr id="3" name="Рисунок 2">
             <a:hlinkClick r:id="rId2" action="ppaction://hlinksldjump"/>
             <a:extLst>
               <a:ext uri="{FF2B5EF4-FFF2-40B4-BE49-F238E27FC236}">
-                <a16:creationId xmlns:a16="http://schemas.microsoft.com/office/drawing/2014/main" id="{CF07D7E6-8670-7A8E-8BEB-7CF059AF84BF}"/>
+                <a16:creationId xmlns:a16="http://schemas.microsoft.com/office/drawing/2014/main" id="{4BF30695-AD16-5BB7-1C1C-00BDEE6AE75F}"/>
               </a:ext>
             </a:extLst>
           </p:cNvPr>
@@ -5664,8 +5572,8 @@
         </p:blipFill>
         <p:spPr>
           <a:xfrm>
-            <a:off x="0" y="962025"/>
-            <a:ext cx="12207586" cy="5048250"/>
+            <a:off x="2085975" y="206064"/>
+            <a:ext cx="7391400" cy="6445872"/>
           </a:xfrm>
           <a:prstGeom prst="rect">
             <a:avLst/>
@@ -5675,7 +5583,7 @@
     </p:spTree>
     <p:extLst>
       <p:ext uri="{BB962C8B-B14F-4D97-AF65-F5344CB8AC3E}">
-        <p14:creationId xmlns:p14="http://schemas.microsoft.com/office/powerpoint/2010/main" val="3921993271"/>
+        <p14:creationId xmlns:p14="http://schemas.microsoft.com/office/powerpoint/2010/main" val="2393112435"/>
       </p:ext>
     </p:extLst>
   </p:cSld>
@@ -5704,11 +5612,10 @@
       </p:grpSpPr>
       <p:pic>
         <p:nvPicPr>
-          <p:cNvPr id="5" name="Рисунок 4">
-            <a:hlinkClick r:id="rId2" action="ppaction://hlinksldjump"/>
-            <a:extLst>
-              <a:ext uri="{FF2B5EF4-FFF2-40B4-BE49-F238E27FC236}">
-                <a16:creationId xmlns:a16="http://schemas.microsoft.com/office/drawing/2014/main" id="{F4F614B9-D898-9652-DF65-051A5847AC13}"/>
+          <p:cNvPr id="3" name="Рисунок 2">
+            <a:extLst>
+              <a:ext uri="{FF2B5EF4-FFF2-40B4-BE49-F238E27FC236}">
+                <a16:creationId xmlns:a16="http://schemas.microsoft.com/office/drawing/2014/main" id="{57F39081-CFC4-AA66-0E2F-F7A39F65F236}"/>
               </a:ext>
             </a:extLst>
           </p:cNvPr>
@@ -5718,15 +5625,15 @@
           <p:nvPr/>
         </p:nvPicPr>
         <p:blipFill>
-          <a:blip r:embed="rId3"/>
+          <a:blip r:embed="rId2"/>
           <a:stretch>
             <a:fillRect/>
           </a:stretch>
         </p:blipFill>
         <p:spPr>
           <a:xfrm>
-            <a:off x="0" y="3012258"/>
-            <a:ext cx="12091394" cy="833484"/>
+            <a:off x="1800225" y="380007"/>
+            <a:ext cx="8265010" cy="6097985"/>
           </a:xfrm>
           <a:prstGeom prst="rect">
             <a:avLst/>
@@ -5736,7 +5643,7 @@
     </p:spTree>
     <p:extLst>
       <p:ext uri="{BB962C8B-B14F-4D97-AF65-F5344CB8AC3E}">
-        <p14:creationId xmlns:p14="http://schemas.microsoft.com/office/powerpoint/2010/main" val="4130490382"/>
+        <p14:creationId xmlns:p14="http://schemas.microsoft.com/office/powerpoint/2010/main" val="3921993271"/>
       </p:ext>
     </p:extLst>
   </p:cSld>
@@ -5782,7 +5689,7 @@
         <p:spPr>
           <a:xfrm>
             <a:off x="838200" y="230187"/>
-            <a:ext cx="10515600" cy="633413"/>
+            <a:ext cx="10515600" cy="1089819"/>
           </a:xfrm>
         </p:spPr>
         <p:txBody>
@@ -5793,12 +5700,25 @@
           <a:p>
             <a:pPr algn="ctr"/>
             <a:r>
-              <a:rPr lang="ru-RU" sz="2000" b="1" dirty="0">
-                <a:latin typeface="Times New Roman" panose="02020603050405020304" pitchFamily="18" charset="0"/>
-                <a:cs typeface="Times New Roman" panose="02020603050405020304" pitchFamily="18" charset="0"/>
-              </a:rPr>
-              <a:t>ТЕХНИЧЕСКОЕ ЗАДАНИЕ</a:t>
-            </a:r>
+              <a:rPr lang="ru-RU" sz="4800" dirty="0">
+                <a:solidFill>
+                  <a:srgbClr val="000099"/>
+                </a:solidFill>
+                <a:effectLst>
+                  <a:outerShdw blurRad="38100" dist="38100" dir="2700000" algn="tl">
+                    <a:srgbClr val="C0C0C0"/>
+                  </a:outerShdw>
+                </a:effectLst>
+                <a:latin typeface="Calibri" pitchFamily="34" charset="0"/>
+                <a:ea typeface="+mn-ea"/>
+                <a:cs typeface="+mn-cs"/>
+              </a:rPr>
+              <a:t>Характеристика работы</a:t>
+            </a:r>
+            <a:endParaRPr lang="ru-RU" sz="4800" b="1" dirty="0">
+              <a:latin typeface="Times New Roman" panose="02020603050405020304" pitchFamily="18" charset="0"/>
+              <a:cs typeface="Times New Roman" panose="02020603050405020304" pitchFamily="18" charset="0"/>
+            </a:endParaRPr>
           </a:p>
         </p:txBody>
       </p:sp>
@@ -5830,617 +5750,272 @@
           </a:bodyPr>
           <a:lstStyle/>
           <a:p>
-            <a:pPr marL="0" marR="0" lvl="0" indent="450850" algn="just" defTabSz="914400" rtl="0" eaLnBrk="1" fontAlgn="base" latinLnBrk="0" hangingPunct="1">
-              <a:lnSpc>
-                <a:spcPct val="100000"/>
-              </a:lnSpc>
-              <a:spcBef>
-                <a:spcPct val="0"/>
-              </a:spcBef>
-              <a:spcAft>
-                <a:spcPct val="0"/>
-              </a:spcAft>
-              <a:buClrTx/>
-              <a:buSzTx/>
-              <a:buFontTx/>
-              <a:buNone/>
-              <a:tabLst/>
-            </a:pPr>
-            <a:r>
-              <a:rPr kumimoji="0" lang="ru-RU" sz="2000" b="1" i="0" u="none" strike="noStrike" cap="none" normalizeH="0" baseline="0" dirty="0">
-                <a:ln>
-                  <a:noFill/>
-                </a:ln>
-                <a:solidFill>
-                  <a:schemeClr val="tx1">
-                    <a:lumMod val="95000"/>
-                    <a:lumOff val="5000"/>
-                  </a:schemeClr>
-                </a:solidFill>
+            <a:pPr algn="just"/>
+            <a:r>
+              <a:rPr lang="ru-RU" sz="2000" b="1" dirty="0">
+                <a:latin typeface="Times New Roman" panose="02020603050405020304" pitchFamily="18" charset="0"/>
+                <a:cs typeface="Times New Roman" panose="02020603050405020304" pitchFamily="18" charset="0"/>
+              </a:rPr>
+              <a:t>Объект исследования</a:t>
+            </a:r>
+            <a:r>
+              <a:rPr lang="ru-RU" sz="2000" dirty="0">
+                <a:latin typeface="Times New Roman" panose="02020603050405020304" pitchFamily="18" charset="0"/>
+                <a:cs typeface="Times New Roman" panose="02020603050405020304" pitchFamily="18" charset="0"/>
+              </a:rPr>
+              <a:t>: </a:t>
+            </a:r>
+            <a:r>
+              <a:rPr lang="ru-RU" sz="2000" kern="0" dirty="0">
                 <a:effectLst/>
                 <a:latin typeface="Times New Roman" panose="02020603050405020304" pitchFamily="18" charset="0"/>
-                <a:ea typeface="Calibri" pitchFamily="34" charset="0"/>
-                <a:cs typeface="Times New Roman" pitchFamily="18" charset="0"/>
-              </a:rPr>
-              <a:t>Тема</a:t>
-            </a:r>
-            <a:r>
-              <a:rPr kumimoji="0" lang="ru-RU" sz="2000" b="0" i="0" u="none" strike="noStrike" cap="none" normalizeH="0" baseline="0" dirty="0">
-                <a:ln>
-                  <a:noFill/>
-                </a:ln>
-                <a:solidFill>
-                  <a:schemeClr val="tx1">
-                    <a:lumMod val="95000"/>
-                    <a:lumOff val="5000"/>
-                  </a:schemeClr>
-                </a:solidFill>
+                <a:ea typeface="Times New Roman" panose="02020603050405020304" pitchFamily="18" charset="0"/>
+              </a:rPr>
+              <a:t>предприятие, предоставляющее транспортные услуги, осуществляемые по воздуху.</a:t>
+            </a:r>
+          </a:p>
+          <a:p>
+            <a:pPr algn="just"/>
+            <a:endParaRPr lang="ru-RU" sz="2000" dirty="0">
+              <a:latin typeface="Times New Roman" panose="02020603050405020304" pitchFamily="18" charset="0"/>
+              <a:cs typeface="Times New Roman" panose="02020603050405020304" pitchFamily="18" charset="0"/>
+            </a:endParaRPr>
+          </a:p>
+          <a:p>
+            <a:pPr algn="just"/>
+            <a:r>
+              <a:rPr lang="ru-RU" sz="2000" b="1" dirty="0">
+                <a:latin typeface="Times New Roman" panose="02020603050405020304" pitchFamily="18" charset="0"/>
+                <a:cs typeface="Times New Roman" panose="02020603050405020304" pitchFamily="18" charset="0"/>
+              </a:rPr>
+              <a:t>Предмет исследования</a:t>
+            </a:r>
+            <a:r>
+              <a:rPr lang="ru-RU" sz="2000" dirty="0">
+                <a:latin typeface="Times New Roman" panose="02020603050405020304" pitchFamily="18" charset="0"/>
+                <a:cs typeface="Times New Roman" panose="02020603050405020304" pitchFamily="18" charset="0"/>
+              </a:rPr>
+              <a:t>: </a:t>
+            </a:r>
+            <a:r>
+              <a:rPr lang="ru-RU" sz="2000" kern="0" dirty="0">
                 <a:effectLst/>
                 <a:latin typeface="Times New Roman" panose="02020603050405020304" pitchFamily="18" charset="0"/>
-                <a:ea typeface="Calibri" pitchFamily="34" charset="0"/>
-                <a:cs typeface="Times New Roman" pitchFamily="18" charset="0"/>
-              </a:rPr>
-              <a:t> </a:t>
-            </a:r>
-            <a:r>
-              <a:rPr lang="ru-RU" sz="1800" dirty="0">
+                <a:ea typeface="Times New Roman" panose="02020603050405020304" pitchFamily="18" charset="0"/>
+              </a:rPr>
+              <a:t>внедрение </a:t>
+            </a:r>
+            <a:r>
+              <a:rPr lang="en-US" sz="2000" kern="0" dirty="0">
                 <a:effectLst/>
                 <a:latin typeface="Times New Roman" panose="02020603050405020304" pitchFamily="18" charset="0"/>
-                <a:ea typeface="Calibri" panose="020F0502020204030204" pitchFamily="34" charset="0"/>
-              </a:rPr>
-              <a:t>— </a:t>
-            </a:r>
-            <a:r>
-              <a:rPr lang="ru-RU" sz="2000" dirty="0">
-                <a:solidFill>
-                  <a:srgbClr val="000000"/>
-                </a:solidFill>
+                <a:ea typeface="Times New Roman" panose="02020603050405020304" pitchFamily="18" charset="0"/>
+              </a:rPr>
+              <a:t>CRM</a:t>
+            </a:r>
+            <a:r>
+              <a:rPr lang="ru-RU" sz="2000" kern="0" dirty="0">
                 <a:effectLst/>
                 <a:latin typeface="Times New Roman" panose="02020603050405020304" pitchFamily="18" charset="0"/>
-                <a:ea typeface="Calibri" panose="020F0502020204030204" pitchFamily="34" charset="0"/>
-              </a:rPr>
-              <a:t>разработка базы данных и интерфейса пользователя обработки заказов онлайн-ресторана</a:t>
-            </a:r>
-            <a:r>
-              <a:rPr kumimoji="0" lang="ru-RU" sz="2000" b="0" i="0" u="none" strike="noStrike" cap="none" normalizeH="0" baseline="0" dirty="0">
-                <a:ln>
-                  <a:noFill/>
-                </a:ln>
-                <a:solidFill>
-                  <a:schemeClr val="tx1">
-                    <a:lumMod val="95000"/>
-                    <a:lumOff val="5000"/>
-                  </a:schemeClr>
-                </a:solidFill>
-                <a:effectLst/>
+                <a:ea typeface="Times New Roman" panose="02020603050405020304" pitchFamily="18" charset="0"/>
+              </a:rPr>
+              <a:t>-системы на предприятие авиакомпании.</a:t>
+            </a:r>
+          </a:p>
+          <a:p>
+            <a:pPr algn="just"/>
+            <a:endParaRPr lang="ru-RU" sz="2000" dirty="0">
+              <a:latin typeface="Times New Roman" panose="02020603050405020304" pitchFamily="18" charset="0"/>
+              <a:cs typeface="Times New Roman" panose="02020603050405020304" pitchFamily="18" charset="0"/>
+            </a:endParaRPr>
+          </a:p>
+          <a:p>
+            <a:pPr algn="just"/>
+            <a:r>
+              <a:rPr lang="ru-RU" sz="2000" b="1" dirty="0">
                 <a:latin typeface="Times New Roman" panose="02020603050405020304" pitchFamily="18" charset="0"/>
-                <a:ea typeface="Calibri" pitchFamily="34" charset="0"/>
-                <a:cs typeface="Times New Roman" pitchFamily="18" charset="0"/>
-              </a:rPr>
-              <a:t>.</a:t>
-            </a:r>
-            <a:endParaRPr kumimoji="0" lang="ru-RU" sz="2000" b="0" i="0" u="none" strike="noStrike" cap="none" normalizeH="0" baseline="0" dirty="0">
-              <a:ln>
-                <a:noFill/>
-              </a:ln>
-              <a:solidFill>
-                <a:schemeClr val="tx1">
-                  <a:lumMod val="95000"/>
-                  <a:lumOff val="5000"/>
-                </a:schemeClr>
-              </a:solidFill>
-              <a:effectLst/>
-              <a:latin typeface="Times New Roman" panose="02020603050405020304" pitchFamily="18" charset="0"/>
-              <a:cs typeface="Times New Roman" pitchFamily="18" charset="0"/>
-            </a:endParaRPr>
-          </a:p>
-          <a:p>
-            <a:pPr marL="0" marR="0" lvl="0" indent="450850" algn="just" defTabSz="914400" rtl="0" eaLnBrk="0" fontAlgn="base" latinLnBrk="0" hangingPunct="0">
-              <a:lnSpc>
-                <a:spcPct val="100000"/>
-              </a:lnSpc>
-              <a:spcBef>
-                <a:spcPct val="0"/>
-              </a:spcBef>
-              <a:spcAft>
-                <a:spcPct val="0"/>
-              </a:spcAft>
-              <a:buClrTx/>
-              <a:buSzTx/>
-              <a:buFontTx/>
-              <a:buNone/>
-              <a:tabLst/>
-            </a:pPr>
-            <a:r>
-              <a:rPr kumimoji="0" lang="ru-RU" sz="2000" b="1" i="0" u="none" strike="noStrike" cap="none" normalizeH="0" baseline="0" dirty="0">
-                <a:ln>
-                  <a:noFill/>
-                </a:ln>
-                <a:solidFill>
-                  <a:schemeClr val="tx1">
-                    <a:lumMod val="95000"/>
-                    <a:lumOff val="5000"/>
-                  </a:schemeClr>
-                </a:solidFill>
-                <a:effectLst/>
+                <a:cs typeface="Times New Roman" panose="02020603050405020304" pitchFamily="18" charset="0"/>
+              </a:rPr>
+              <a:t>Цель работы </a:t>
+            </a:r>
+            <a:r>
+              <a:rPr lang="ru-RU" sz="2000" dirty="0">
                 <a:latin typeface="Times New Roman" panose="02020603050405020304" pitchFamily="18" charset="0"/>
-                <a:ea typeface="Calibri" pitchFamily="34" charset="0"/>
-                <a:cs typeface="Times New Roman" pitchFamily="18" charset="0"/>
-              </a:rPr>
-              <a:t>Цель</a:t>
-            </a:r>
-            <a:r>
-              <a:rPr kumimoji="0" lang="ru-RU" sz="2000" b="0" i="0" u="none" strike="noStrike" cap="none" normalizeH="0" baseline="0" dirty="0">
-                <a:ln>
-                  <a:noFill/>
-                </a:ln>
-                <a:solidFill>
-                  <a:schemeClr val="tx1">
-                    <a:lumMod val="95000"/>
-                    <a:lumOff val="5000"/>
-                  </a:schemeClr>
-                </a:solidFill>
-                <a:effectLst/>
-                <a:latin typeface="Times New Roman" panose="02020603050405020304" pitchFamily="18" charset="0"/>
-                <a:ea typeface="Calibri" pitchFamily="34" charset="0"/>
-                <a:cs typeface="Times New Roman" pitchFamily="18" charset="0"/>
-              </a:rPr>
-              <a:t> </a:t>
-            </a:r>
-            <a:r>
-              <a:rPr lang="ru-RU" sz="1800" dirty="0">
-                <a:effectLst/>
-                <a:latin typeface="Times New Roman" panose="02020603050405020304" pitchFamily="18" charset="0"/>
-                <a:ea typeface="Calibri" panose="020F0502020204030204" pitchFamily="34" charset="0"/>
-              </a:rPr>
-              <a:t>—</a:t>
-            </a:r>
-            <a:r>
-              <a:rPr kumimoji="0" lang="en-US" sz="2000" b="0" i="0" u="none" strike="noStrike" cap="none" normalizeH="0" baseline="0" dirty="0">
-                <a:ln>
-                  <a:noFill/>
-                </a:ln>
-                <a:solidFill>
-                  <a:schemeClr val="tx1">
-                    <a:lumMod val="95000"/>
-                    <a:lumOff val="5000"/>
-                  </a:schemeClr>
-                </a:solidFill>
-                <a:effectLst/>
-                <a:latin typeface="Times New Roman" panose="02020603050405020304" pitchFamily="18" charset="0"/>
-                <a:ea typeface="Calibri" pitchFamily="34" charset="0"/>
-                <a:cs typeface="Times New Roman" pitchFamily="18" charset="0"/>
-              </a:rPr>
-              <a:t> </a:t>
+                <a:cs typeface="Times New Roman" panose="02020603050405020304" pitchFamily="18" charset="0"/>
+              </a:rPr>
+              <a:t>состоит в </a:t>
             </a:r>
             <a:r>
               <a:rPr lang="ru-RU" sz="2000" dirty="0">
                 <a:effectLst/>
                 <a:latin typeface="Times New Roman" panose="02020603050405020304" pitchFamily="18" charset="0"/>
-                <a:ea typeface="Calibri" panose="020F0502020204030204" pitchFamily="34" charset="0"/>
-              </a:rPr>
-              <a:t>автоматизировать систему обработки заказов предприятия, которое занимается общественным питанием.</a:t>
-            </a:r>
-          </a:p>
-          <a:p>
-            <a:pPr marL="0" marR="0" lvl="0" indent="450850" algn="just" defTabSz="914400" rtl="0" eaLnBrk="0" fontAlgn="base" latinLnBrk="0" hangingPunct="0">
-              <a:lnSpc>
-                <a:spcPct val="100000"/>
-              </a:lnSpc>
-              <a:spcBef>
-                <a:spcPct val="0"/>
-              </a:spcBef>
-              <a:spcAft>
-                <a:spcPct val="0"/>
-              </a:spcAft>
-              <a:buClrTx/>
-              <a:buSzTx/>
-              <a:buFontTx/>
-              <a:buNone/>
-              <a:tabLst/>
-            </a:pPr>
-            <a:r>
-              <a:rPr kumimoji="0" lang="ru-RU" sz="2000" b="0" i="0" u="none" strike="noStrike" cap="none" normalizeH="0" baseline="0" dirty="0">
-                <a:ln>
-                  <a:noFill/>
-                </a:ln>
-                <a:solidFill>
-                  <a:schemeClr val="tx1">
-                    <a:lumMod val="95000"/>
-                    <a:lumOff val="5000"/>
-                  </a:schemeClr>
-                </a:solidFill>
-                <a:effectLst/>
-                <a:latin typeface="Times New Roman" panose="02020603050405020304" pitchFamily="18" charset="0"/>
-                <a:ea typeface="Calibri" pitchFamily="34" charset="0"/>
-                <a:cs typeface="Times New Roman" pitchFamily="18" charset="0"/>
-              </a:rPr>
-              <a:t>Состав задач:</a:t>
-            </a:r>
+                <a:ea typeface="Times New Roman" panose="02020603050405020304" pitchFamily="18" charset="0"/>
+              </a:rPr>
+              <a:t>автоматизации системы авиакомпании по организации рейсов и предоставлении транспортных услуг.</a:t>
+            </a:r>
+          </a:p>
+          <a:p>
+            <a:pPr algn="just"/>
             <a:endParaRPr lang="ru-RU" sz="2000" dirty="0">
-              <a:solidFill>
-                <a:schemeClr val="tx1">
-                  <a:lumMod val="95000"/>
-                  <a:lumOff val="5000"/>
-                </a:schemeClr>
-              </a:solidFill>
               <a:latin typeface="Times New Roman" panose="02020603050405020304" pitchFamily="18" charset="0"/>
-              <a:ea typeface="Calibri" pitchFamily="34" charset="0"/>
-              <a:cs typeface="Times New Roman" pitchFamily="18" charset="0"/>
-            </a:endParaRPr>
-          </a:p>
-          <a:p>
-            <a:pPr marL="638175" marR="0" lvl="0" indent="-457200" algn="just" defTabSz="914400" rtl="0" eaLnBrk="0" fontAlgn="base" latinLnBrk="0" hangingPunct="0">
-              <a:lnSpc>
-                <a:spcPct val="100000"/>
-              </a:lnSpc>
-              <a:spcBef>
-                <a:spcPct val="0"/>
-              </a:spcBef>
-              <a:spcAft>
-                <a:spcPct val="0"/>
-              </a:spcAft>
-              <a:buClrTx/>
-              <a:buSzTx/>
-              <a:buFont typeface="+mj-lt"/>
-              <a:buAutoNum type="arabicPeriod"/>
-              <a:tabLst/>
-            </a:pPr>
-            <a:r>
-              <a:rPr lang="ru-RU" sz="2100" kern="0" dirty="0">
-                <a:effectLst/>
-                <a:latin typeface="Times New Roman" panose="02020603050405020304" pitchFamily="18" charset="0"/>
-                <a:ea typeface="Calibri" panose="020F0502020204030204" pitchFamily="34" charset="0"/>
-              </a:rPr>
-              <a:t>Спроектировать систему сущностей базы данных.</a:t>
-            </a:r>
-            <a:endParaRPr kumimoji="0" lang="ru-RU" sz="2100" b="0" i="0" u="none" strike="noStrike" cap="none" normalizeH="0" baseline="0" dirty="0">
-              <a:ln>
-                <a:noFill/>
-              </a:ln>
-              <a:solidFill>
-                <a:schemeClr val="tx1">
-                  <a:lumMod val="95000"/>
-                  <a:lumOff val="5000"/>
-                </a:schemeClr>
-              </a:solidFill>
-              <a:effectLst/>
-              <a:latin typeface="Times New Roman" panose="02020603050405020304" pitchFamily="18" charset="0"/>
-              <a:cs typeface="Times New Roman" pitchFamily="18" charset="0"/>
-            </a:endParaRPr>
-          </a:p>
-          <a:p>
-            <a:pPr marL="638175" marR="0" lvl="0" indent="-457200" algn="just" defTabSz="914400" rtl="0" eaLnBrk="0" fontAlgn="base" latinLnBrk="0" hangingPunct="0">
-              <a:lnSpc>
-                <a:spcPct val="100000"/>
-              </a:lnSpc>
-              <a:spcBef>
-                <a:spcPct val="0"/>
-              </a:spcBef>
-              <a:spcAft>
-                <a:spcPct val="0"/>
-              </a:spcAft>
-              <a:buClrTx/>
-              <a:buSzTx/>
-              <a:buFont typeface="+mj-lt"/>
-              <a:buAutoNum type="arabicPeriod"/>
-              <a:tabLst/>
-            </a:pPr>
-            <a:r>
-              <a:rPr lang="ru-RU" sz="2100" dirty="0">
-                <a:effectLst/>
-                <a:latin typeface="Times New Roman" panose="02020603050405020304" pitchFamily="18" charset="0"/>
-                <a:ea typeface="Calibri" panose="020F0502020204030204" pitchFamily="34" charset="0"/>
-              </a:rPr>
-              <a:t>Определить связи между сущностями</a:t>
-            </a:r>
-            <a:r>
-              <a:rPr lang="ru-RU" sz="2100" kern="0" dirty="0">
-                <a:solidFill>
-                  <a:srgbClr val="000000"/>
-                </a:solidFill>
-                <a:effectLst/>
-                <a:latin typeface="Times New Roman" panose="02020603050405020304" pitchFamily="18" charset="0"/>
-                <a:ea typeface="Calibri" panose="020F0502020204030204" pitchFamily="34" charset="0"/>
-              </a:rPr>
-              <a:t>.</a:t>
-            </a:r>
-          </a:p>
-          <a:p>
-            <a:pPr marL="638175" indent="-457200" algn="just" eaLnBrk="0" fontAlgn="base" hangingPunct="0">
-              <a:lnSpc>
-                <a:spcPct val="100000"/>
-              </a:lnSpc>
-              <a:spcBef>
-                <a:spcPct val="0"/>
-              </a:spcBef>
-              <a:spcAft>
-                <a:spcPct val="0"/>
-              </a:spcAft>
-              <a:buFont typeface="+mj-lt"/>
-              <a:buAutoNum type="arabicPeriod"/>
-            </a:pPr>
-            <a:r>
-              <a:rPr lang="ru-RU" sz="2100" kern="100" dirty="0">
-                <a:effectLst/>
-                <a:latin typeface="Times New Roman" panose="02020603050405020304" pitchFamily="18" charset="0"/>
-                <a:ea typeface="Calibri" panose="020F0502020204030204" pitchFamily="34" charset="0"/>
-                <a:cs typeface="Times New Roman" panose="02020603050405020304" pitchFamily="18" charset="0"/>
-              </a:rPr>
-              <a:t>Создать базу данных.</a:t>
-            </a:r>
-            <a:endParaRPr kumimoji="0" lang="ru-RU" sz="2100" b="0" i="0" u="none" strike="noStrike" cap="none" normalizeH="0" baseline="0" dirty="0">
-              <a:ln>
-                <a:noFill/>
-              </a:ln>
-              <a:solidFill>
-                <a:schemeClr val="tx1">
-                  <a:lumMod val="95000"/>
-                  <a:lumOff val="5000"/>
-                </a:schemeClr>
-              </a:solidFill>
-              <a:effectLst/>
-              <a:latin typeface="Times New Roman" panose="02020603050405020304" pitchFamily="18" charset="0"/>
-              <a:cs typeface="Times New Roman" pitchFamily="18" charset="0"/>
-            </a:endParaRPr>
-          </a:p>
-          <a:p>
-            <a:pPr marL="638175" marR="0" lvl="0" indent="-457200" algn="just" defTabSz="914400" rtl="0" eaLnBrk="0" fontAlgn="base" latinLnBrk="0" hangingPunct="0">
-              <a:lnSpc>
-                <a:spcPct val="100000"/>
-              </a:lnSpc>
-              <a:spcBef>
-                <a:spcPct val="0"/>
-              </a:spcBef>
-              <a:spcAft>
-                <a:spcPct val="0"/>
-              </a:spcAft>
-              <a:buClrTx/>
-              <a:buSzTx/>
-              <a:buFont typeface="+mj-lt"/>
-              <a:buAutoNum type="arabicPeriod"/>
-              <a:tabLst/>
-            </a:pPr>
-            <a:r>
-              <a:rPr lang="ru-RU" sz="2100" dirty="0">
-                <a:effectLst/>
-                <a:latin typeface="Times New Roman" panose="02020603050405020304" pitchFamily="18" charset="0"/>
-                <a:ea typeface="Calibri" panose="020F0502020204030204" pitchFamily="34" charset="0"/>
-              </a:rPr>
-              <a:t>Спроектировать дизайн приложений для пользователя и администратора</a:t>
-            </a:r>
-            <a:r>
-              <a:rPr kumimoji="0" lang="ru-RU" sz="2100" b="0" i="0" u="none" strike="noStrike" cap="none" normalizeH="0" baseline="0" dirty="0">
-                <a:ln>
-                  <a:noFill/>
-                </a:ln>
-                <a:solidFill>
-                  <a:schemeClr val="tx1">
-                    <a:lumMod val="95000"/>
-                    <a:lumOff val="5000"/>
-                  </a:schemeClr>
-                </a:solidFill>
-                <a:effectLst/>
-                <a:latin typeface="Times New Roman" panose="02020603050405020304" pitchFamily="18" charset="0"/>
-                <a:ea typeface="Calibri" pitchFamily="34" charset="0"/>
-                <a:cs typeface="Times New Roman" pitchFamily="18" charset="0"/>
-              </a:rPr>
-              <a:t>.</a:t>
-            </a:r>
-            <a:endParaRPr kumimoji="0" lang="ru-RU" sz="2100" b="0" i="0" u="none" strike="noStrike" cap="none" normalizeH="0" baseline="0" dirty="0">
-              <a:ln>
-                <a:noFill/>
-              </a:ln>
-              <a:solidFill>
-                <a:schemeClr val="tx1">
-                  <a:lumMod val="95000"/>
-                  <a:lumOff val="5000"/>
-                </a:schemeClr>
-              </a:solidFill>
-              <a:effectLst/>
-              <a:latin typeface="Times New Roman" panose="02020603050405020304" pitchFamily="18" charset="0"/>
-              <a:cs typeface="Times New Roman" pitchFamily="18" charset="0"/>
-            </a:endParaRPr>
-          </a:p>
-          <a:p>
-            <a:pPr marL="638175" marR="0" lvl="0" indent="-457200" algn="just" defTabSz="914400" rtl="0" eaLnBrk="0" fontAlgn="base" latinLnBrk="0" hangingPunct="0">
-              <a:lnSpc>
-                <a:spcPct val="100000"/>
-              </a:lnSpc>
-              <a:spcBef>
-                <a:spcPct val="0"/>
-              </a:spcBef>
-              <a:spcAft>
-                <a:spcPct val="0"/>
-              </a:spcAft>
-              <a:buClrTx/>
-              <a:buSzTx/>
-              <a:buFont typeface="+mj-lt"/>
-              <a:buAutoNum type="arabicPeriod"/>
-              <a:tabLst/>
-            </a:pPr>
-            <a:r>
-              <a:rPr lang="ru-RU" sz="2100" dirty="0">
-                <a:effectLst/>
-                <a:latin typeface="Times New Roman" panose="02020603050405020304" pitchFamily="18" charset="0"/>
-                <a:ea typeface="Calibri" panose="020F0502020204030204" pitchFamily="34" charset="0"/>
-              </a:rPr>
-              <a:t>Разработать приложения для пользователя и администратора</a:t>
-            </a:r>
-            <a:r>
-              <a:rPr lang="ru-RU" sz="2100" kern="0" dirty="0">
-                <a:solidFill>
-                  <a:srgbClr val="000000"/>
-                </a:solidFill>
-                <a:effectLst/>
-                <a:latin typeface="Times New Roman" panose="02020603050405020304" pitchFamily="18" charset="0"/>
-                <a:ea typeface="Calibri" panose="020F0502020204030204" pitchFamily="34" charset="0"/>
-              </a:rPr>
-              <a:t>.</a:t>
-            </a:r>
-            <a:endParaRPr kumimoji="0" lang="ru-RU" sz="2100" b="0" i="0" u="none" strike="noStrike" cap="none" normalizeH="0" baseline="0" dirty="0">
-              <a:ln>
-                <a:noFill/>
-              </a:ln>
-              <a:solidFill>
-                <a:schemeClr val="tx1">
-                  <a:lumMod val="95000"/>
-                  <a:lumOff val="5000"/>
-                </a:schemeClr>
-              </a:solidFill>
-              <a:effectLst/>
-              <a:latin typeface="Times New Roman" panose="02020603050405020304" pitchFamily="18" charset="0"/>
-              <a:cs typeface="Times New Roman" pitchFamily="18" charset="0"/>
-            </a:endParaRPr>
-          </a:p>
-          <a:p>
-            <a:pPr marL="638175" marR="0" lvl="0" indent="-457200" algn="just" defTabSz="914400" rtl="0" eaLnBrk="0" fontAlgn="base" latinLnBrk="0" hangingPunct="0">
-              <a:lnSpc>
-                <a:spcPct val="100000"/>
-              </a:lnSpc>
-              <a:spcBef>
-                <a:spcPct val="0"/>
-              </a:spcBef>
-              <a:spcAft>
-                <a:spcPct val="0"/>
-              </a:spcAft>
-              <a:buClrTx/>
-              <a:buSzTx/>
-              <a:buFont typeface="+mj-lt"/>
-              <a:buAutoNum type="arabicPeriod"/>
-              <a:tabLst/>
-            </a:pPr>
-            <a:r>
-              <a:rPr lang="ru-RU" sz="2100" dirty="0">
-                <a:effectLst/>
-                <a:latin typeface="Times New Roman" panose="02020603050405020304" pitchFamily="18" charset="0"/>
-                <a:ea typeface="Calibri" panose="020F0502020204030204" pitchFamily="34" charset="0"/>
-              </a:rPr>
-              <a:t>Протестировать приложения на возможные ошибки и удобство пользования.</a:t>
-            </a:r>
-            <a:endParaRPr lang="ru-RU" sz="2100" dirty="0">
-              <a:solidFill>
-                <a:schemeClr val="tx1">
-                  <a:lumMod val="95000"/>
-                  <a:lumOff val="5000"/>
-                </a:schemeClr>
-              </a:solidFill>
-              <a:effectLst/>
-              <a:latin typeface="Times New Roman" panose="02020603050405020304" pitchFamily="18" charset="0"/>
-              <a:ea typeface="Calibri" panose="020F0502020204030204" pitchFamily="34" charset="0"/>
               <a:cs typeface="Times New Roman" panose="02020603050405020304" pitchFamily="18" charset="0"/>
             </a:endParaRPr>
           </a:p>
-          <a:p>
-            <a:pPr marL="638175" marR="0" lvl="0" indent="-457200" algn="just" defTabSz="914400" rtl="0" eaLnBrk="0" fontAlgn="base" latinLnBrk="0" hangingPunct="0">
-              <a:lnSpc>
-                <a:spcPct val="100000"/>
-              </a:lnSpc>
-              <a:spcBef>
-                <a:spcPct val="0"/>
-              </a:spcBef>
-              <a:spcAft>
-                <a:spcPct val="0"/>
-              </a:spcAft>
-              <a:buClrTx/>
-              <a:buSzTx/>
-              <a:buFont typeface="+mj-lt"/>
-              <a:buAutoNum type="arabicPeriod"/>
-              <a:tabLst/>
-            </a:pPr>
-            <a:endParaRPr kumimoji="0" lang="ru-RU" sz="2100" b="0" i="0" u="none" strike="noStrike" cap="none" normalizeH="0" baseline="0" dirty="0">
-              <a:ln>
-                <a:noFill/>
-              </a:ln>
-              <a:effectLst/>
-              <a:latin typeface="Times New Roman" pitchFamily="18" charset="0"/>
-              <a:cs typeface="Times New Roman" pitchFamily="18" charset="0"/>
-            </a:endParaRPr>
-          </a:p>
-          <a:p>
-            <a:pPr marL="447675" marR="0" lvl="0" indent="-266700" algn="just" defTabSz="914400" rtl="0" eaLnBrk="0" fontAlgn="base" latinLnBrk="0" hangingPunct="0">
-              <a:lnSpc>
-                <a:spcPct val="100000"/>
-              </a:lnSpc>
-              <a:spcBef>
-                <a:spcPct val="0"/>
-              </a:spcBef>
-              <a:spcAft>
-                <a:spcPct val="0"/>
-              </a:spcAft>
-              <a:buClrTx/>
-              <a:buSzTx/>
-              <a:buFontTx/>
-              <a:buNone/>
-              <a:tabLst/>
-            </a:pPr>
-            <a:r>
-              <a:rPr kumimoji="0" lang="ru-RU" sz="2000" b="0" i="0" u="none" strike="noStrike" cap="none" normalizeH="0" baseline="0" dirty="0">
-                <a:ln>
-                  <a:noFill/>
-                </a:ln>
-                <a:effectLst/>
-                <a:latin typeface="Times New Roman" pitchFamily="18" charset="0"/>
-                <a:ea typeface="Calibri" pitchFamily="34" charset="0"/>
-                <a:cs typeface="Times New Roman" pitchFamily="18" charset="0"/>
-              </a:rPr>
-              <a:t>Критерием окончания работ является выполнение всего состава задач.</a:t>
-            </a:r>
-            <a:endParaRPr kumimoji="0" lang="ru-RU" sz="2000" b="0" i="0" u="none" strike="noStrike" cap="none" normalizeH="0" baseline="0" dirty="0">
-              <a:ln>
-                <a:noFill/>
-              </a:ln>
-              <a:effectLst/>
-              <a:latin typeface="Times New Roman" pitchFamily="18" charset="0"/>
-              <a:cs typeface="Times New Roman" pitchFamily="18" charset="0"/>
-            </a:endParaRPr>
-          </a:p>
-          <a:p>
-            <a:endParaRPr lang="ru-RU" sz="2000" dirty="0"/>
-          </a:p>
-        </p:txBody>
-      </p:sp>
-      <p:sp>
-        <p:nvSpPr>
-          <p:cNvPr id="4" name="Номер слайда 3">
-            <a:extLst>
-              <a:ext uri="{FF2B5EF4-FFF2-40B4-BE49-F238E27FC236}">
-                <a16:creationId xmlns:a16="http://schemas.microsoft.com/office/drawing/2014/main" id="{01723053-2D2F-359F-A5F3-7F28868B92F1}"/>
-              </a:ext>
-            </a:extLst>
-          </p:cNvPr>
-          <p:cNvSpPr>
-            <a:spLocks noGrp="1"/>
-          </p:cNvSpPr>
-          <p:nvPr>
-            <p:ph type="sldNum" sz="quarter" idx="12"/>
-          </p:nvPr>
+        </p:txBody>
+      </p:sp>
+      <p:sp>
+        <p:nvSpPr>
+          <p:cNvPr id="6" name="Номер слайда 3">
+            <a:extLst>
+              <a:ext uri="{FF2B5EF4-FFF2-40B4-BE49-F238E27FC236}">
+                <a16:creationId xmlns:a16="http://schemas.microsoft.com/office/drawing/2014/main" id="{C8A1D097-D148-64D4-9FB2-9FDE9656BBF5}"/>
+              </a:ext>
+            </a:extLst>
+          </p:cNvPr>
+          <p:cNvSpPr txBox="1">
+            <a:spLocks/>
+          </p:cNvSpPr>
+          <p:nvPr/>
         </p:nvSpPr>
         <p:spPr>
           <a:xfrm>
-            <a:off x="9261398" y="216012"/>
+            <a:off x="9347123" y="178593"/>
             <a:ext cx="2743200" cy="365125"/>
           </a:xfrm>
+          <a:prstGeom prst="rect">
+            <a:avLst/>
+          </a:prstGeom>
         </p:spPr>
         <p:txBody>
-          <a:bodyPr/>
-          <a:lstStyle/>
+          <a:bodyPr vert="horz" lIns="91440" tIns="45720" rIns="91440" bIns="45720" rtlCol="0" anchor="ctr"/>
+          <a:lstStyle>
+            <a:defPPr>
+              <a:defRPr lang="ru-RU"/>
+            </a:defPPr>
+            <a:lvl1pPr marL="0" algn="r" defTabSz="914400" rtl="0" eaLnBrk="1" latinLnBrk="0" hangingPunct="1">
+              <a:defRPr sz="1200" kern="1200">
+                <a:solidFill>
+                  <a:schemeClr val="tx1">
+                    <a:tint val="75000"/>
+                  </a:schemeClr>
+                </a:solidFill>
+                <a:latin typeface="+mn-lt"/>
+                <a:ea typeface="+mn-ea"/>
+                <a:cs typeface="+mn-cs"/>
+              </a:defRPr>
+            </a:lvl1pPr>
+            <a:lvl2pPr marL="457200" algn="l" defTabSz="914400" rtl="0" eaLnBrk="1" latinLnBrk="0" hangingPunct="1">
+              <a:defRPr sz="1800" kern="1200">
+                <a:solidFill>
+                  <a:schemeClr val="tx1"/>
+                </a:solidFill>
+                <a:latin typeface="+mn-lt"/>
+                <a:ea typeface="+mn-ea"/>
+                <a:cs typeface="+mn-cs"/>
+              </a:defRPr>
+            </a:lvl2pPr>
+            <a:lvl3pPr marL="914400" algn="l" defTabSz="914400" rtl="0" eaLnBrk="1" latinLnBrk="0" hangingPunct="1">
+              <a:defRPr sz="1800" kern="1200">
+                <a:solidFill>
+                  <a:schemeClr val="tx1"/>
+                </a:solidFill>
+                <a:latin typeface="+mn-lt"/>
+                <a:ea typeface="+mn-ea"/>
+                <a:cs typeface="+mn-cs"/>
+              </a:defRPr>
+            </a:lvl3pPr>
+            <a:lvl4pPr marL="1371600" algn="l" defTabSz="914400" rtl="0" eaLnBrk="1" latinLnBrk="0" hangingPunct="1">
+              <a:defRPr sz="1800" kern="1200">
+                <a:solidFill>
+                  <a:schemeClr val="tx1"/>
+                </a:solidFill>
+                <a:latin typeface="+mn-lt"/>
+                <a:ea typeface="+mn-ea"/>
+                <a:cs typeface="+mn-cs"/>
+              </a:defRPr>
+            </a:lvl4pPr>
+            <a:lvl5pPr marL="1828800" algn="l" defTabSz="914400" rtl="0" eaLnBrk="1" latinLnBrk="0" hangingPunct="1">
+              <a:defRPr sz="1800" kern="1200">
+                <a:solidFill>
+                  <a:schemeClr val="tx1"/>
+                </a:solidFill>
+                <a:latin typeface="+mn-lt"/>
+                <a:ea typeface="+mn-ea"/>
+                <a:cs typeface="+mn-cs"/>
+              </a:defRPr>
+            </a:lvl5pPr>
+            <a:lvl6pPr marL="2286000" algn="l" defTabSz="914400" rtl="0" eaLnBrk="1" latinLnBrk="0" hangingPunct="1">
+              <a:defRPr sz="1800" kern="1200">
+                <a:solidFill>
+                  <a:schemeClr val="tx1"/>
+                </a:solidFill>
+                <a:latin typeface="+mn-lt"/>
+                <a:ea typeface="+mn-ea"/>
+                <a:cs typeface="+mn-cs"/>
+              </a:defRPr>
+            </a:lvl6pPr>
+            <a:lvl7pPr marL="2743200" algn="l" defTabSz="914400" rtl="0" eaLnBrk="1" latinLnBrk="0" hangingPunct="1">
+              <a:defRPr sz="1800" kern="1200">
+                <a:solidFill>
+                  <a:schemeClr val="tx1"/>
+                </a:solidFill>
+                <a:latin typeface="+mn-lt"/>
+                <a:ea typeface="+mn-ea"/>
+                <a:cs typeface="+mn-cs"/>
+              </a:defRPr>
+            </a:lvl7pPr>
+            <a:lvl8pPr marL="3200400" algn="l" defTabSz="914400" rtl="0" eaLnBrk="1" latinLnBrk="0" hangingPunct="1">
+              <a:defRPr sz="1800" kern="1200">
+                <a:solidFill>
+                  <a:schemeClr val="tx1"/>
+                </a:solidFill>
+                <a:latin typeface="+mn-lt"/>
+                <a:ea typeface="+mn-ea"/>
+                <a:cs typeface="+mn-cs"/>
+              </a:defRPr>
+            </a:lvl8pPr>
+            <a:lvl9pPr marL="3657600" algn="l" defTabSz="914400" rtl="0" eaLnBrk="1" latinLnBrk="0" hangingPunct="1">
+              <a:defRPr sz="1800" kern="1200">
+                <a:solidFill>
+                  <a:schemeClr val="tx1"/>
+                </a:solidFill>
+                <a:latin typeface="+mn-lt"/>
+                <a:ea typeface="+mn-ea"/>
+                <a:cs typeface="+mn-cs"/>
+              </a:defRPr>
+            </a:lvl9pPr>
+          </a:lstStyle>
           <a:p>
             <a:fld id="{6761A50A-E866-45D7-A1D3-EBE681B6823E}" type="slidenum">
-              <a:rPr lang="ru-RU" sz="2000" smtClean="0">
-                <a:solidFill>
-                  <a:schemeClr val="tx1"/>
-                </a:solidFill>
+              <a:rPr lang="ru-RU" sz="4000" b="1" smtClean="0">
+                <a:solidFill>
+                  <a:srgbClr val="FF0000"/>
+                </a:solidFill>
+                <a:effectLst>
+                  <a:outerShdw blurRad="38100" dist="38100" dir="2700000" algn="tl">
+                    <a:srgbClr val="000000">
+                      <a:alpha val="43137"/>
+                    </a:srgbClr>
+                  </a:outerShdw>
+                </a:effectLst>
                 <a:latin typeface="Times New Roman" panose="02020603050405020304" pitchFamily="18" charset="0"/>
                 <a:ea typeface="Tahoma" panose="020B0604030504040204" pitchFamily="34" charset="0"/>
                 <a:cs typeface="Times New Roman" panose="02020603050405020304" pitchFamily="18" charset="0"/>
               </a:rPr>
+              <a:pPr/>
               <a:t>2</a:t>
             </a:fld>
-            <a:endParaRPr lang="ru-RU" sz="2000" dirty="0">
+            <a:endParaRPr lang="ru-RU" sz="4000" b="1" dirty="0">
               <a:solidFill>
-                <a:schemeClr val="tx1"/>
+                <a:srgbClr val="FF0000"/>
               </a:solidFill>
+              <a:effectLst>
+                <a:outerShdw blurRad="38100" dist="38100" dir="2700000" algn="tl">
+                  <a:srgbClr val="000000">
+                    <a:alpha val="43137"/>
+                  </a:srgbClr>
+                </a:outerShdw>
+              </a:effectLst>
               <a:latin typeface="Times New Roman" panose="02020603050405020304" pitchFamily="18" charset="0"/>
               <a:ea typeface="Tahoma" panose="020B0604030504040204" pitchFamily="34" charset="0"/>
               <a:cs typeface="Times New Roman" panose="02020603050405020304" pitchFamily="18" charset="0"/>
@@ -6480,105 +6055,6 @@
       </p:grpSpPr>
       <p:sp>
         <p:nvSpPr>
-          <p:cNvPr id="2" name="Заголовок 1">
-            <a:extLst>
-              <a:ext uri="{FF2B5EF4-FFF2-40B4-BE49-F238E27FC236}">
-                <a16:creationId xmlns:a16="http://schemas.microsoft.com/office/drawing/2014/main" id="{3C1AFB21-D791-DC1D-8B91-47FCD416F3CD}"/>
-              </a:ext>
-            </a:extLst>
-          </p:cNvPr>
-          <p:cNvSpPr>
-            <a:spLocks noGrp="1"/>
-          </p:cNvSpPr>
-          <p:nvPr>
-            <p:ph type="title"/>
-          </p:nvPr>
-        </p:nvSpPr>
-        <p:spPr>
-          <a:xfrm>
-            <a:off x="838200" y="-9331"/>
-            <a:ext cx="10515600" cy="1325563"/>
-          </a:xfrm>
-        </p:spPr>
-        <p:txBody>
-          <a:bodyPr>
-            <a:normAutofit/>
-          </a:bodyPr>
-          <a:lstStyle/>
-          <a:p>
-            <a:pPr algn="ctr"/>
-            <a:r>
-              <a:rPr lang="ru-RU" sz="2000" b="1" kern="0" dirty="0">
-                <a:solidFill>
-                  <a:schemeClr val="tx1">
-                    <a:lumMod val="95000"/>
-                    <a:lumOff val="5000"/>
-                  </a:schemeClr>
-                </a:solidFill>
-                <a:latin typeface="Times New Roman" panose="02020603050405020304" pitchFamily="18" charset="0"/>
-                <a:ea typeface="Calibri" panose="020F0502020204030204" pitchFamily="34" charset="0"/>
-                <a:cs typeface="Times New Roman" panose="02020603050405020304" pitchFamily="18" charset="0"/>
-              </a:rPr>
-              <a:t>АРХИТЕКТУРА ПРЕДПРИЯТИЯ</a:t>
-            </a:r>
-            <a:endParaRPr lang="ru-RU" sz="2000" b="1" dirty="0"/>
-          </a:p>
-        </p:txBody>
-      </p:sp>
-      <p:sp>
-        <p:nvSpPr>
-          <p:cNvPr id="4" name="Номер слайда 3">
-            <a:extLst>
-              <a:ext uri="{FF2B5EF4-FFF2-40B4-BE49-F238E27FC236}">
-                <a16:creationId xmlns:a16="http://schemas.microsoft.com/office/drawing/2014/main" id="{71C30CA2-61EC-0572-C526-764E29A21290}"/>
-              </a:ext>
-            </a:extLst>
-          </p:cNvPr>
-          <p:cNvSpPr>
-            <a:spLocks noGrp="1"/>
-          </p:cNvSpPr>
-          <p:nvPr>
-            <p:ph type="sldNum" sz="quarter" idx="12"/>
-          </p:nvPr>
-        </p:nvSpPr>
-        <p:spPr>
-          <a:xfrm>
-            <a:off x="9247220" y="157389"/>
-            <a:ext cx="2743200" cy="365125"/>
-          </a:xfrm>
-        </p:spPr>
-        <p:txBody>
-          <a:bodyPr/>
-          <a:lstStyle/>
-          <a:p>
-            <a:fld id="{6761A50A-E866-45D7-A1D3-EBE681B6823E}" type="slidenum">
-              <a:rPr lang="ru-RU" sz="2000" smtClean="0">
-                <a:solidFill>
-                  <a:schemeClr val="tx1">
-                    <a:lumMod val="95000"/>
-                    <a:lumOff val="5000"/>
-                  </a:schemeClr>
-                </a:solidFill>
-                <a:latin typeface="Times New Roman" panose="02020603050405020304" pitchFamily="18" charset="0"/>
-                <a:cs typeface="Times New Roman" panose="02020603050405020304" pitchFamily="18" charset="0"/>
-              </a:rPr>
-              <a:t>3</a:t>
-            </a:fld>
-            <a:endParaRPr lang="ru-RU" sz="2000" dirty="0">
-              <a:solidFill>
-                <a:schemeClr val="tx1">
-                  <a:lumMod val="95000"/>
-                  <a:lumOff val="5000"/>
-                </a:schemeClr>
-              </a:solidFill>
-              <a:latin typeface="Times New Roman" panose="02020603050405020304" pitchFamily="18" charset="0"/>
-              <a:cs typeface="Times New Roman" panose="02020603050405020304" pitchFamily="18" charset="0"/>
-            </a:endParaRPr>
-          </a:p>
-        </p:txBody>
-      </p:sp>
-      <p:sp>
-        <p:nvSpPr>
           <p:cNvPr id="3" name="Объект 2">
             <a:extLst>
               <a:ext uri="{FF2B5EF4-FFF2-40B4-BE49-F238E27FC236}">
@@ -6605,460 +6081,160 @@
           </a:bodyPr>
           <a:lstStyle/>
           <a:p>
-            <a:pPr marL="0" indent="447675" algn="just">
+            <a:pPr marL="342900" marR="170180" lvl="0" indent="-342900" algn="just">
               <a:lnSpc>
                 <a:spcPct val="150000"/>
               </a:lnSpc>
+              <a:spcBef>
+                <a:spcPts val="10"/>
+              </a:spcBef>
               <a:spcAft>
-                <a:spcPts val="800"/>
+                <a:spcPts val="0"/>
               </a:spcAft>
-              <a:buNone/>
+              <a:buFont typeface="+mj-lt"/>
+              <a:buAutoNum type="arabicPeriod"/>
+              <a:tabLst>
+                <a:tab pos="457200" algn="l"/>
+              </a:tabLst>
             </a:pPr>
-            <a:r>
-              <a:rPr lang="ru-RU" sz="1800" dirty="0">
-                <a:latin typeface="Times New Roman" panose="02020603050405020304" pitchFamily="18" charset="0"/>
-                <a:ea typeface="Calibri" panose="020F0502020204030204" pitchFamily="34" charset="0"/>
-                <a:cs typeface="Times New Roman" panose="02020603050405020304" pitchFamily="18" charset="0"/>
-              </a:rPr>
-              <a:t>Объектом исследования является онлайн-ресторан. </a:t>
-            </a:r>
-          </a:p>
-          <a:p>
-            <a:pPr marL="0" indent="447675" algn="just">
-              <a:lnSpc>
-                <a:spcPct val="150000"/>
-              </a:lnSpc>
-              <a:spcAft>
-                <a:spcPts val="800"/>
-              </a:spcAft>
-              <a:buNone/>
-            </a:pPr>
-            <a:r>
-              <a:rPr lang="ru-RU" sz="1800" i="0" dirty="0">
-                <a:solidFill>
-                  <a:srgbClr val="000000"/>
-                </a:solidFill>
-                <a:effectLst/>
-                <a:latin typeface="Times New Roman" panose="02020603050405020304" pitchFamily="18" charset="0"/>
-                <a:ea typeface="Calibri" panose="020F0502020204030204" pitchFamily="34" charset="0"/>
-                <a:cs typeface="Times New Roman" panose="02020603050405020304" pitchFamily="18" charset="0"/>
-              </a:rPr>
-              <a:t>Онлайн</a:t>
-            </a:r>
-            <a:r>
-              <a:rPr lang="ru-RU" sz="1800" dirty="0">
-                <a:solidFill>
-                  <a:srgbClr val="000000"/>
-                </a:solidFill>
-                <a:latin typeface="Times New Roman" panose="02020603050405020304" pitchFamily="18" charset="0"/>
-                <a:ea typeface="Calibri" panose="020F0502020204030204" pitchFamily="34" charset="0"/>
-                <a:cs typeface="Times New Roman" panose="02020603050405020304" pitchFamily="18" charset="0"/>
-              </a:rPr>
-              <a:t>-ресторан использует модель бизнеса </a:t>
-            </a:r>
-            <a:r>
-              <a:rPr lang="en-US" sz="1800" dirty="0">
-                <a:solidFill>
-                  <a:srgbClr val="000000"/>
-                </a:solidFill>
-                <a:latin typeface="Times New Roman" panose="02020603050405020304" pitchFamily="18" charset="0"/>
-                <a:ea typeface="Calibri" panose="020F0502020204030204" pitchFamily="34" charset="0"/>
-                <a:cs typeface="Times New Roman" panose="02020603050405020304" pitchFamily="18" charset="0"/>
-              </a:rPr>
-              <a:t>B2C </a:t>
-            </a:r>
-            <a:r>
-              <a:rPr lang="ru-RU" sz="1800" dirty="0">
-                <a:solidFill>
-                  <a:srgbClr val="000000"/>
-                </a:solidFill>
-                <a:latin typeface="Times New Roman" panose="02020603050405020304" pitchFamily="18" charset="0"/>
-                <a:ea typeface="Calibri" panose="020F0502020204030204" pitchFamily="34" charset="0"/>
-                <a:cs typeface="Times New Roman" panose="02020603050405020304" pitchFamily="18" charset="0"/>
-              </a:rPr>
-              <a:t>– это модель бизнеса, в которой компания продает товар конечному потребителю или частному лицу. </a:t>
-            </a:r>
             <a:r>
               <a:rPr lang="ru-RU" sz="1800" dirty="0">
                 <a:effectLst/>
                 <a:latin typeface="Times New Roman" panose="02020603050405020304" pitchFamily="18" charset="0"/>
                 <a:ea typeface="Times New Roman" panose="02020603050405020304" pitchFamily="18" charset="0"/>
               </a:rPr>
-              <a:t>Цель компании – производство пищевой продукции и организация её сбыта. </a:t>
-            </a:r>
-            <a:endParaRPr lang="ru-RU" sz="1800" dirty="0">
-              <a:solidFill>
-                <a:srgbClr val="000000"/>
-              </a:solidFill>
-              <a:latin typeface="Times New Roman" panose="02020603050405020304" pitchFamily="18" charset="0"/>
-              <a:ea typeface="Calibri" panose="020F0502020204030204" pitchFamily="34" charset="0"/>
-              <a:cs typeface="Times New Roman" panose="02020603050405020304" pitchFamily="18" charset="0"/>
-            </a:endParaRPr>
-          </a:p>
-          <a:p>
-            <a:pPr marL="0" indent="447675" algn="just">
+              <a:t>Спроектировать систему сущностей базы данных.</a:t>
+            </a:r>
+          </a:p>
+          <a:p>
+            <a:pPr marL="342900" marR="170180" lvl="0" indent="-342900" algn="just">
               <a:lnSpc>
                 <a:spcPct val="150000"/>
               </a:lnSpc>
-              <a:spcAft>
-                <a:spcPts val="800"/>
-              </a:spcAft>
-              <a:buNone/>
-            </a:pPr>
-            <a:r>
-              <a:rPr lang="ru-RU" sz="1800" i="0" dirty="0">
-                <a:solidFill>
-                  <a:srgbClr val="000000"/>
-                </a:solidFill>
-                <a:effectLst/>
-                <a:latin typeface="Times New Roman" panose="02020603050405020304" pitchFamily="18" charset="0"/>
-                <a:ea typeface="Calibri" panose="020F0502020204030204" pitchFamily="34" charset="0"/>
-                <a:cs typeface="Times New Roman" panose="02020603050405020304" pitchFamily="18" charset="0"/>
-              </a:rPr>
-              <a:t>Предметом исследования курсовой работы явл</a:t>
-            </a:r>
-            <a:r>
-              <a:rPr lang="ru-RU" sz="1800" dirty="0">
-                <a:solidFill>
-                  <a:srgbClr val="000000"/>
-                </a:solidFill>
-                <a:latin typeface="Times New Roman" panose="02020603050405020304" pitchFamily="18" charset="0"/>
-                <a:ea typeface="Calibri" panose="020F0502020204030204" pitchFamily="34" charset="0"/>
-                <a:cs typeface="Times New Roman" panose="02020603050405020304" pitchFamily="18" charset="0"/>
-              </a:rPr>
-              <a:t>яется внедрение </a:t>
-            </a:r>
-            <a:r>
-              <a:rPr lang="en-US" sz="1800" dirty="0">
-                <a:solidFill>
-                  <a:srgbClr val="000000"/>
-                </a:solidFill>
-                <a:latin typeface="Times New Roman" panose="02020603050405020304" pitchFamily="18" charset="0"/>
-                <a:ea typeface="Calibri" panose="020F0502020204030204" pitchFamily="34" charset="0"/>
-                <a:cs typeface="Times New Roman" panose="02020603050405020304" pitchFamily="18" charset="0"/>
-              </a:rPr>
-              <a:t>CRM</a:t>
-            </a:r>
-            <a:r>
-              <a:rPr lang="ru-RU" sz="1800" dirty="0">
-                <a:solidFill>
-                  <a:srgbClr val="000000"/>
-                </a:solidFill>
-                <a:latin typeface="Times New Roman" panose="02020603050405020304" pitchFamily="18" charset="0"/>
-                <a:ea typeface="Calibri" panose="020F0502020204030204" pitchFamily="34" charset="0"/>
-                <a:cs typeface="Times New Roman" panose="02020603050405020304" pitchFamily="18" charset="0"/>
-              </a:rPr>
-              <a:t>-системы на предприятие онлайн-ресторана. Целью проводимого исследования является оптимизация бизнес-процессов онлайн-ресторана.</a:t>
-            </a:r>
-          </a:p>
-          <a:p>
-            <a:pPr marL="0" marR="0" lvl="0" indent="180975" algn="just" defTabSz="914400" rtl="0" eaLnBrk="0" fontAlgn="base" latinLnBrk="0" hangingPunct="0">
-              <a:lnSpc>
-                <a:spcPct val="100000"/>
-              </a:lnSpc>
               <a:spcBef>
-                <a:spcPct val="0"/>
+                <a:spcPts val="10"/>
               </a:spcBef>
               <a:spcAft>
-                <a:spcPct val="0"/>
+                <a:spcPts val="0"/>
               </a:spcAft>
-              <a:buClrTx/>
-              <a:buSzTx/>
-              <a:buFontTx/>
-              <a:buNone/>
-              <a:tabLst/>
-            </a:pPr>
-            <a:r>
-              <a:rPr kumimoji="0" lang="ru-RU" sz="1800" b="0" i="0" u="none" strike="noStrike" cap="none" normalizeH="0" baseline="0" dirty="0">
-                <a:ln>
-                  <a:noFill/>
-                </a:ln>
-                <a:solidFill>
-                  <a:schemeClr val="tx1">
-                    <a:lumMod val="95000"/>
-                    <a:lumOff val="5000"/>
-                  </a:schemeClr>
-                </a:solidFill>
-                <a:effectLst/>
-                <a:latin typeface="Times New Roman" panose="02020603050405020304" pitchFamily="18" charset="0"/>
-                <a:ea typeface="Calibri" pitchFamily="34" charset="0"/>
-                <a:cs typeface="Times New Roman" pitchFamily="18" charset="0"/>
-              </a:rPr>
-              <a:t>Задачи исследования:</a:t>
-            </a:r>
-            <a:endParaRPr lang="ru-RU" sz="1800" dirty="0">
-              <a:solidFill>
-                <a:schemeClr val="tx1">
-                  <a:lumMod val="95000"/>
-                  <a:lumOff val="5000"/>
-                </a:schemeClr>
-              </a:solidFill>
-              <a:latin typeface="Times New Roman" panose="02020603050405020304" pitchFamily="18" charset="0"/>
-              <a:ea typeface="Calibri" pitchFamily="34" charset="0"/>
-              <a:cs typeface="Times New Roman" pitchFamily="18" charset="0"/>
-            </a:endParaRPr>
-          </a:p>
-          <a:p>
-            <a:pPr marL="638175" marR="0" lvl="0" indent="-457200" algn="just" defTabSz="914400" rtl="0" eaLnBrk="0" fontAlgn="base" latinLnBrk="0" hangingPunct="0">
-              <a:lnSpc>
-                <a:spcPct val="100000"/>
-              </a:lnSpc>
-              <a:spcBef>
-                <a:spcPct val="0"/>
-              </a:spcBef>
-              <a:spcAft>
-                <a:spcPct val="0"/>
-              </a:spcAft>
-              <a:buClrTx/>
-              <a:buSzTx/>
               <a:buFont typeface="+mj-lt"/>
               <a:buAutoNum type="arabicPeriod"/>
-              <a:tabLst/>
-            </a:pPr>
-            <a:r>
-              <a:rPr lang="ru-RU" sz="1800" kern="0" dirty="0">
-                <a:effectLst/>
-                <a:latin typeface="Times New Roman" panose="02020603050405020304" pitchFamily="18" charset="0"/>
-                <a:ea typeface="Calibri" panose="020F0502020204030204" pitchFamily="34" charset="0"/>
-              </a:rPr>
-              <a:t>Спроектировать систему сущностей базы данных.</a:t>
-            </a:r>
-            <a:endParaRPr kumimoji="0" lang="ru-RU" sz="1800" b="0" i="0" u="none" strike="noStrike" cap="none" normalizeH="0" baseline="0" dirty="0">
-              <a:ln>
-                <a:noFill/>
-              </a:ln>
-              <a:solidFill>
-                <a:schemeClr val="tx1">
-                  <a:lumMod val="95000"/>
-                  <a:lumOff val="5000"/>
-                </a:schemeClr>
-              </a:solidFill>
-              <a:effectLst/>
-              <a:latin typeface="Times New Roman" panose="02020603050405020304" pitchFamily="18" charset="0"/>
-              <a:cs typeface="Times New Roman" pitchFamily="18" charset="0"/>
-            </a:endParaRPr>
-          </a:p>
-          <a:p>
-            <a:pPr marL="638175" marR="0" lvl="0" indent="-457200" algn="just" defTabSz="914400" rtl="0" eaLnBrk="0" fontAlgn="base" latinLnBrk="0" hangingPunct="0">
-              <a:lnSpc>
-                <a:spcPct val="100000"/>
-              </a:lnSpc>
-              <a:spcBef>
-                <a:spcPct val="0"/>
-              </a:spcBef>
-              <a:spcAft>
-                <a:spcPct val="0"/>
-              </a:spcAft>
-              <a:buClrTx/>
-              <a:buSzTx/>
-              <a:buFont typeface="+mj-lt"/>
-              <a:buAutoNum type="arabicPeriod"/>
-              <a:tabLst/>
+              <a:tabLst>
+                <a:tab pos="457200" algn="l"/>
+              </a:tabLst>
             </a:pPr>
             <a:r>
               <a:rPr lang="ru-RU" sz="1800" dirty="0">
                 <a:effectLst/>
                 <a:latin typeface="Times New Roman" panose="02020603050405020304" pitchFamily="18" charset="0"/>
-                <a:ea typeface="Calibri" panose="020F0502020204030204" pitchFamily="34" charset="0"/>
-              </a:rPr>
-              <a:t>Определить связи между сущностями</a:t>
-            </a:r>
-            <a:r>
-              <a:rPr lang="ru-RU" sz="1800" kern="0" dirty="0">
-                <a:solidFill>
-                  <a:srgbClr val="000000"/>
-                </a:solidFill>
-                <a:effectLst/>
-                <a:latin typeface="Times New Roman" panose="02020603050405020304" pitchFamily="18" charset="0"/>
-                <a:ea typeface="Calibri" panose="020F0502020204030204" pitchFamily="34" charset="0"/>
-              </a:rPr>
-              <a:t>.</a:t>
-            </a:r>
-          </a:p>
-          <a:p>
-            <a:pPr marL="638175" indent="-457200" algn="just" eaLnBrk="0" fontAlgn="base" hangingPunct="0">
+                <a:ea typeface="Times New Roman" panose="02020603050405020304" pitchFamily="18" charset="0"/>
+              </a:rPr>
+              <a:t>Определить связи между сущностями.</a:t>
+            </a:r>
+          </a:p>
+          <a:p>
+            <a:pPr marL="342900" marR="170180" lvl="0" indent="-342900" algn="just">
               <a:lnSpc>
-                <a:spcPct val="100000"/>
+                <a:spcPct val="150000"/>
               </a:lnSpc>
               <a:spcBef>
-                <a:spcPct val="0"/>
+                <a:spcPts val="10"/>
               </a:spcBef>
               <a:spcAft>
-                <a:spcPct val="0"/>
+                <a:spcPts val="0"/>
               </a:spcAft>
               <a:buFont typeface="+mj-lt"/>
               <a:buAutoNum type="arabicPeriod"/>
-            </a:pPr>
-            <a:r>
-              <a:rPr lang="ru-RU" sz="1800" kern="100" dirty="0">
-                <a:effectLst/>
-                <a:latin typeface="Times New Roman" panose="02020603050405020304" pitchFamily="18" charset="0"/>
-                <a:ea typeface="Calibri" panose="020F0502020204030204" pitchFamily="34" charset="0"/>
-                <a:cs typeface="Times New Roman" panose="02020603050405020304" pitchFamily="18" charset="0"/>
-              </a:rPr>
-              <a:t>Создать базу данных.</a:t>
-            </a:r>
-            <a:endParaRPr kumimoji="0" lang="ru-RU" sz="1800" b="0" i="0" u="none" strike="noStrike" cap="none" normalizeH="0" baseline="0" dirty="0">
-              <a:ln>
-                <a:noFill/>
-              </a:ln>
-              <a:solidFill>
-                <a:schemeClr val="tx1">
-                  <a:lumMod val="95000"/>
-                  <a:lumOff val="5000"/>
-                </a:schemeClr>
-              </a:solidFill>
-              <a:effectLst/>
-              <a:latin typeface="Times New Roman" panose="02020603050405020304" pitchFamily="18" charset="0"/>
-              <a:cs typeface="Times New Roman" pitchFamily="18" charset="0"/>
-            </a:endParaRPr>
-          </a:p>
-          <a:p>
-            <a:pPr marL="638175" marR="0" lvl="0" indent="-457200" algn="just" defTabSz="914400" rtl="0" eaLnBrk="0" fontAlgn="base" latinLnBrk="0" hangingPunct="0">
-              <a:lnSpc>
-                <a:spcPct val="100000"/>
-              </a:lnSpc>
-              <a:spcBef>
-                <a:spcPct val="0"/>
-              </a:spcBef>
-              <a:spcAft>
-                <a:spcPct val="0"/>
-              </a:spcAft>
-              <a:buClrTx/>
-              <a:buSzTx/>
-              <a:buFont typeface="+mj-lt"/>
-              <a:buAutoNum type="arabicPeriod"/>
-              <a:tabLst/>
+              <a:tabLst>
+                <a:tab pos="457200" algn="l"/>
+              </a:tabLst>
             </a:pPr>
             <a:r>
               <a:rPr lang="ru-RU" sz="1800" dirty="0">
                 <a:effectLst/>
                 <a:latin typeface="Times New Roman" panose="02020603050405020304" pitchFamily="18" charset="0"/>
-                <a:ea typeface="Calibri" panose="020F0502020204030204" pitchFamily="34" charset="0"/>
-              </a:rPr>
-              <a:t>Спроектировать дизайн приложений для пользователя и администратора</a:t>
-            </a:r>
-            <a:r>
-              <a:rPr kumimoji="0" lang="ru-RU" sz="1800" b="0" i="0" u="none" strike="noStrike" cap="none" normalizeH="0" baseline="0" dirty="0">
-                <a:ln>
-                  <a:noFill/>
-                </a:ln>
-                <a:solidFill>
-                  <a:schemeClr val="tx1">
-                    <a:lumMod val="95000"/>
-                    <a:lumOff val="5000"/>
-                  </a:schemeClr>
-                </a:solidFill>
-                <a:effectLst/>
-                <a:latin typeface="Times New Roman" panose="02020603050405020304" pitchFamily="18" charset="0"/>
-                <a:ea typeface="Calibri" pitchFamily="34" charset="0"/>
-                <a:cs typeface="Times New Roman" pitchFamily="18" charset="0"/>
-              </a:rPr>
-              <a:t>.</a:t>
-            </a:r>
-            <a:endParaRPr kumimoji="0" lang="ru-RU" sz="1800" b="0" i="0" u="none" strike="noStrike" cap="none" normalizeH="0" baseline="0" dirty="0">
-              <a:ln>
-                <a:noFill/>
-              </a:ln>
-              <a:solidFill>
-                <a:schemeClr val="tx1">
-                  <a:lumMod val="95000"/>
-                  <a:lumOff val="5000"/>
-                </a:schemeClr>
-              </a:solidFill>
-              <a:effectLst/>
-              <a:latin typeface="Times New Roman" panose="02020603050405020304" pitchFamily="18" charset="0"/>
-              <a:cs typeface="Times New Roman" pitchFamily="18" charset="0"/>
-            </a:endParaRPr>
-          </a:p>
-          <a:p>
-            <a:pPr marL="638175" marR="0" lvl="0" indent="-457200" algn="just" defTabSz="914400" rtl="0" eaLnBrk="0" fontAlgn="base" latinLnBrk="0" hangingPunct="0">
+                <a:ea typeface="Times New Roman" panose="02020603050405020304" pitchFamily="18" charset="0"/>
+              </a:rPr>
+              <a:t>Создать базу данных.</a:t>
+            </a:r>
+          </a:p>
+          <a:p>
+            <a:pPr marL="342900" marR="170180" lvl="0" indent="-342900" algn="just">
               <a:lnSpc>
-                <a:spcPct val="100000"/>
+                <a:spcPct val="150000"/>
               </a:lnSpc>
               <a:spcBef>
-                <a:spcPct val="0"/>
+                <a:spcPts val="10"/>
               </a:spcBef>
               <a:spcAft>
-                <a:spcPct val="0"/>
+                <a:spcPts val="0"/>
               </a:spcAft>
-              <a:buClrTx/>
-              <a:buSzTx/>
               <a:buFont typeface="+mj-lt"/>
               <a:buAutoNum type="arabicPeriod"/>
-              <a:tabLst/>
+              <a:tabLst>
+                <a:tab pos="457200" algn="l"/>
+              </a:tabLst>
             </a:pPr>
             <a:r>
               <a:rPr lang="ru-RU" sz="1800" dirty="0">
                 <a:effectLst/>
                 <a:latin typeface="Times New Roman" panose="02020603050405020304" pitchFamily="18" charset="0"/>
-                <a:ea typeface="Calibri" panose="020F0502020204030204" pitchFamily="34" charset="0"/>
-              </a:rPr>
-              <a:t>Разработать приложения для пользователя и администратора</a:t>
-            </a:r>
-            <a:r>
-              <a:rPr lang="ru-RU" sz="1800" kern="0" dirty="0">
-                <a:solidFill>
-                  <a:srgbClr val="000000"/>
-                </a:solidFill>
-                <a:effectLst/>
-                <a:latin typeface="Times New Roman" panose="02020603050405020304" pitchFamily="18" charset="0"/>
-                <a:ea typeface="Calibri" panose="020F0502020204030204" pitchFamily="34" charset="0"/>
-              </a:rPr>
-              <a:t>.</a:t>
-            </a:r>
-            <a:endParaRPr kumimoji="0" lang="ru-RU" sz="1800" b="0" i="0" u="none" strike="noStrike" cap="none" normalizeH="0" baseline="0" dirty="0">
-              <a:ln>
-                <a:noFill/>
-              </a:ln>
-              <a:solidFill>
-                <a:schemeClr val="tx1">
-                  <a:lumMod val="95000"/>
-                  <a:lumOff val="5000"/>
-                </a:schemeClr>
-              </a:solidFill>
-              <a:effectLst/>
-              <a:latin typeface="Times New Roman" panose="02020603050405020304" pitchFamily="18" charset="0"/>
-              <a:cs typeface="Times New Roman" pitchFamily="18" charset="0"/>
-            </a:endParaRPr>
-          </a:p>
-          <a:p>
-            <a:pPr marL="638175" marR="0" lvl="0" indent="-457200" algn="just" defTabSz="914400" rtl="0" eaLnBrk="0" fontAlgn="base" latinLnBrk="0" hangingPunct="0">
+                <a:ea typeface="Times New Roman" panose="02020603050405020304" pitchFamily="18" charset="0"/>
+              </a:rPr>
+              <a:t>Спроектировать дизайн приложения для авиакомпании.</a:t>
+            </a:r>
+          </a:p>
+          <a:p>
+            <a:pPr marL="342900" marR="170180" lvl="0" indent="-342900" algn="just">
               <a:lnSpc>
-                <a:spcPct val="100000"/>
+                <a:spcPct val="150000"/>
               </a:lnSpc>
               <a:spcBef>
-                <a:spcPct val="0"/>
+                <a:spcPts val="10"/>
               </a:spcBef>
               <a:spcAft>
-                <a:spcPct val="0"/>
+                <a:spcPts val="0"/>
               </a:spcAft>
-              <a:buClrTx/>
-              <a:buSzTx/>
               <a:buFont typeface="+mj-lt"/>
               <a:buAutoNum type="arabicPeriod"/>
-              <a:tabLst/>
+              <a:tabLst>
+                <a:tab pos="457200" algn="l"/>
+              </a:tabLst>
             </a:pPr>
             <a:r>
               <a:rPr lang="ru-RU" sz="1800" dirty="0">
                 <a:effectLst/>
                 <a:latin typeface="Times New Roman" panose="02020603050405020304" pitchFamily="18" charset="0"/>
-                <a:ea typeface="Calibri" panose="020F0502020204030204" pitchFamily="34" charset="0"/>
+                <a:ea typeface="Times New Roman" panose="02020603050405020304" pitchFamily="18" charset="0"/>
+              </a:rPr>
+              <a:t>Разработать приложение для авиакомпании.</a:t>
+            </a:r>
+          </a:p>
+          <a:p>
+            <a:pPr marL="342900" marR="170180" lvl="0" indent="-342900" algn="just">
+              <a:lnSpc>
+                <a:spcPct val="150000"/>
+              </a:lnSpc>
+              <a:spcBef>
+                <a:spcPts val="10"/>
+              </a:spcBef>
+              <a:spcAft>
+                <a:spcPts val="0"/>
+              </a:spcAft>
+              <a:buFont typeface="+mj-lt"/>
+              <a:buAutoNum type="arabicPeriod"/>
+              <a:tabLst>
+                <a:tab pos="457200" algn="l"/>
+              </a:tabLst>
+            </a:pPr>
+            <a:r>
+              <a:rPr lang="ru-RU" sz="1800" dirty="0">
+                <a:effectLst/>
+                <a:latin typeface="Times New Roman" panose="02020603050405020304" pitchFamily="18" charset="0"/>
+                <a:ea typeface="Times New Roman" panose="02020603050405020304" pitchFamily="18" charset="0"/>
               </a:rPr>
               <a:t>Протестировать приложения на возможные ошибки и удобство пользования.</a:t>
             </a:r>
-            <a:endParaRPr lang="ru-RU" sz="1800" dirty="0">
-              <a:solidFill>
-                <a:schemeClr val="tx1">
-                  <a:lumMod val="95000"/>
-                  <a:lumOff val="5000"/>
-                </a:schemeClr>
-              </a:solidFill>
-              <a:effectLst/>
-              <a:latin typeface="Times New Roman" panose="02020603050405020304" pitchFamily="18" charset="0"/>
-              <a:ea typeface="Calibri" panose="020F0502020204030204" pitchFamily="34" charset="0"/>
-              <a:cs typeface="Times New Roman" panose="02020603050405020304" pitchFamily="18" charset="0"/>
-            </a:endParaRPr>
           </a:p>
           <a:p>
             <a:pPr marL="0" indent="447675" algn="just">
@@ -7109,6 +6285,237 @@
             <a:pPr algn="just"/>
             <a:endParaRPr lang="ru-RU" sz="1800" dirty="0">
               <a:latin typeface="Times New Roman" panose="02020603050405020304" pitchFamily="18" charset="0"/>
+              <a:cs typeface="Times New Roman" panose="02020603050405020304" pitchFamily="18" charset="0"/>
+            </a:endParaRPr>
+          </a:p>
+        </p:txBody>
+      </p:sp>
+      <p:sp>
+        <p:nvSpPr>
+          <p:cNvPr id="5" name="Заголовок 1">
+            <a:extLst>
+              <a:ext uri="{FF2B5EF4-FFF2-40B4-BE49-F238E27FC236}">
+                <a16:creationId xmlns:a16="http://schemas.microsoft.com/office/drawing/2014/main" id="{597087DF-C01C-EC03-B90B-05704A13FB95}"/>
+              </a:ext>
+            </a:extLst>
+          </p:cNvPr>
+          <p:cNvSpPr txBox="1">
+            <a:spLocks/>
+          </p:cNvSpPr>
+          <p:nvPr/>
+        </p:nvSpPr>
+        <p:spPr>
+          <a:xfrm>
+            <a:off x="838200" y="76961"/>
+            <a:ext cx="10515600" cy="1089819"/>
+          </a:xfrm>
+          <a:prstGeom prst="rect">
+            <a:avLst/>
+          </a:prstGeom>
+        </p:spPr>
+        <p:txBody>
+          <a:bodyPr vert="horz" lIns="91440" tIns="45720" rIns="91440" bIns="45720" rtlCol="0" anchor="ctr">
+            <a:normAutofit/>
+          </a:bodyPr>
+          <a:lstStyle>
+            <a:lvl1pPr algn="l" defTabSz="914400" rtl="0" eaLnBrk="1" latinLnBrk="0" hangingPunct="1">
+              <a:lnSpc>
+                <a:spcPct val="90000"/>
+              </a:lnSpc>
+              <a:spcBef>
+                <a:spcPct val="0"/>
+              </a:spcBef>
+              <a:buNone/>
+              <a:defRPr sz="4400" kern="1200">
+                <a:solidFill>
+                  <a:schemeClr val="tx1"/>
+                </a:solidFill>
+                <a:latin typeface="+mj-lt"/>
+                <a:ea typeface="+mj-ea"/>
+                <a:cs typeface="+mj-cs"/>
+              </a:defRPr>
+            </a:lvl1pPr>
+          </a:lstStyle>
+          <a:p>
+            <a:pPr algn="ctr"/>
+            <a:r>
+              <a:rPr lang="ru-RU" sz="5400" dirty="0">
+                <a:solidFill>
+                  <a:srgbClr val="000099"/>
+                </a:solidFill>
+                <a:effectLst>
+                  <a:outerShdw blurRad="38100" dist="38100" dir="2700000" algn="tl">
+                    <a:srgbClr val="C0C0C0"/>
+                  </a:outerShdw>
+                </a:effectLst>
+                <a:latin typeface="Calibri" pitchFamily="34" charset="0"/>
+                <a:ea typeface="+mn-ea"/>
+                <a:cs typeface="+mn-cs"/>
+              </a:rPr>
+              <a:t>Задачи исследования</a:t>
+            </a:r>
+            <a:endParaRPr lang="ru-RU" sz="5400" b="1" dirty="0">
+              <a:latin typeface="Times New Roman" panose="02020603050405020304" pitchFamily="18" charset="0"/>
+              <a:cs typeface="Times New Roman" panose="02020603050405020304" pitchFamily="18" charset="0"/>
+            </a:endParaRPr>
+          </a:p>
+        </p:txBody>
+      </p:sp>
+      <p:sp>
+        <p:nvSpPr>
+          <p:cNvPr id="8" name="Номер слайда 3">
+            <a:extLst>
+              <a:ext uri="{FF2B5EF4-FFF2-40B4-BE49-F238E27FC236}">
+                <a16:creationId xmlns:a16="http://schemas.microsoft.com/office/drawing/2014/main" id="{7806AD9A-A21F-8D61-7F4F-32E3B9008DDE}"/>
+              </a:ext>
+            </a:extLst>
+          </p:cNvPr>
+          <p:cNvSpPr txBox="1">
+            <a:spLocks/>
+          </p:cNvSpPr>
+          <p:nvPr/>
+        </p:nvSpPr>
+        <p:spPr>
+          <a:xfrm>
+            <a:off x="9347123" y="178593"/>
+            <a:ext cx="2743200" cy="365125"/>
+          </a:xfrm>
+          <a:prstGeom prst="rect">
+            <a:avLst/>
+          </a:prstGeom>
+        </p:spPr>
+        <p:txBody>
+          <a:bodyPr vert="horz" lIns="91440" tIns="45720" rIns="91440" bIns="45720" rtlCol="0" anchor="ctr"/>
+          <a:lstStyle>
+            <a:defPPr>
+              <a:defRPr lang="ru-RU"/>
+            </a:defPPr>
+            <a:lvl1pPr marL="0" algn="r" defTabSz="914400" rtl="0" eaLnBrk="1" latinLnBrk="0" hangingPunct="1">
+              <a:defRPr sz="1200" kern="1200">
+                <a:solidFill>
+                  <a:schemeClr val="tx1">
+                    <a:tint val="75000"/>
+                  </a:schemeClr>
+                </a:solidFill>
+                <a:latin typeface="+mn-lt"/>
+                <a:ea typeface="+mn-ea"/>
+                <a:cs typeface="+mn-cs"/>
+              </a:defRPr>
+            </a:lvl1pPr>
+            <a:lvl2pPr marL="457200" algn="l" defTabSz="914400" rtl="0" eaLnBrk="1" latinLnBrk="0" hangingPunct="1">
+              <a:defRPr sz="1800" kern="1200">
+                <a:solidFill>
+                  <a:schemeClr val="tx1"/>
+                </a:solidFill>
+                <a:latin typeface="+mn-lt"/>
+                <a:ea typeface="+mn-ea"/>
+                <a:cs typeface="+mn-cs"/>
+              </a:defRPr>
+            </a:lvl2pPr>
+            <a:lvl3pPr marL="914400" algn="l" defTabSz="914400" rtl="0" eaLnBrk="1" latinLnBrk="0" hangingPunct="1">
+              <a:defRPr sz="1800" kern="1200">
+                <a:solidFill>
+                  <a:schemeClr val="tx1"/>
+                </a:solidFill>
+                <a:latin typeface="+mn-lt"/>
+                <a:ea typeface="+mn-ea"/>
+                <a:cs typeface="+mn-cs"/>
+              </a:defRPr>
+            </a:lvl3pPr>
+            <a:lvl4pPr marL="1371600" algn="l" defTabSz="914400" rtl="0" eaLnBrk="1" latinLnBrk="0" hangingPunct="1">
+              <a:defRPr sz="1800" kern="1200">
+                <a:solidFill>
+                  <a:schemeClr val="tx1"/>
+                </a:solidFill>
+                <a:latin typeface="+mn-lt"/>
+                <a:ea typeface="+mn-ea"/>
+                <a:cs typeface="+mn-cs"/>
+              </a:defRPr>
+            </a:lvl4pPr>
+            <a:lvl5pPr marL="1828800" algn="l" defTabSz="914400" rtl="0" eaLnBrk="1" latinLnBrk="0" hangingPunct="1">
+              <a:defRPr sz="1800" kern="1200">
+                <a:solidFill>
+                  <a:schemeClr val="tx1"/>
+                </a:solidFill>
+                <a:latin typeface="+mn-lt"/>
+                <a:ea typeface="+mn-ea"/>
+                <a:cs typeface="+mn-cs"/>
+              </a:defRPr>
+            </a:lvl5pPr>
+            <a:lvl6pPr marL="2286000" algn="l" defTabSz="914400" rtl="0" eaLnBrk="1" latinLnBrk="0" hangingPunct="1">
+              <a:defRPr sz="1800" kern="1200">
+                <a:solidFill>
+                  <a:schemeClr val="tx1"/>
+                </a:solidFill>
+                <a:latin typeface="+mn-lt"/>
+                <a:ea typeface="+mn-ea"/>
+                <a:cs typeface="+mn-cs"/>
+              </a:defRPr>
+            </a:lvl6pPr>
+            <a:lvl7pPr marL="2743200" algn="l" defTabSz="914400" rtl="0" eaLnBrk="1" latinLnBrk="0" hangingPunct="1">
+              <a:defRPr sz="1800" kern="1200">
+                <a:solidFill>
+                  <a:schemeClr val="tx1"/>
+                </a:solidFill>
+                <a:latin typeface="+mn-lt"/>
+                <a:ea typeface="+mn-ea"/>
+                <a:cs typeface="+mn-cs"/>
+              </a:defRPr>
+            </a:lvl7pPr>
+            <a:lvl8pPr marL="3200400" algn="l" defTabSz="914400" rtl="0" eaLnBrk="1" latinLnBrk="0" hangingPunct="1">
+              <a:defRPr sz="1800" kern="1200">
+                <a:solidFill>
+                  <a:schemeClr val="tx1"/>
+                </a:solidFill>
+                <a:latin typeface="+mn-lt"/>
+                <a:ea typeface="+mn-ea"/>
+                <a:cs typeface="+mn-cs"/>
+              </a:defRPr>
+            </a:lvl8pPr>
+            <a:lvl9pPr marL="3657600" algn="l" defTabSz="914400" rtl="0" eaLnBrk="1" latinLnBrk="0" hangingPunct="1">
+              <a:defRPr sz="1800" kern="1200">
+                <a:solidFill>
+                  <a:schemeClr val="tx1"/>
+                </a:solidFill>
+                <a:latin typeface="+mn-lt"/>
+                <a:ea typeface="+mn-ea"/>
+                <a:cs typeface="+mn-cs"/>
+              </a:defRPr>
+            </a:lvl9pPr>
+          </a:lstStyle>
+          <a:p>
+            <a:fld id="{6761A50A-E866-45D7-A1D3-EBE681B6823E}" type="slidenum">
+              <a:rPr lang="ru-RU" sz="4000" b="1" smtClean="0">
+                <a:solidFill>
+                  <a:srgbClr val="FF0000"/>
+                </a:solidFill>
+                <a:effectLst>
+                  <a:outerShdw blurRad="38100" dist="38100" dir="2700000" algn="tl">
+                    <a:srgbClr val="000000">
+                      <a:alpha val="43137"/>
+                    </a:srgbClr>
+                  </a:outerShdw>
+                </a:effectLst>
+                <a:latin typeface="Times New Roman" panose="02020603050405020304" pitchFamily="18" charset="0"/>
+                <a:ea typeface="Tahoma" panose="020B0604030504040204" pitchFamily="34" charset="0"/>
+                <a:cs typeface="Times New Roman" panose="02020603050405020304" pitchFamily="18" charset="0"/>
+              </a:rPr>
+              <a:pPr/>
+              <a:t>3</a:t>
+            </a:fld>
+            <a:endParaRPr lang="ru-RU" sz="4000" b="1" dirty="0">
+              <a:solidFill>
+                <a:srgbClr val="FF0000"/>
+              </a:solidFill>
+              <a:effectLst>
+                <a:outerShdw blurRad="38100" dist="38100" dir="2700000" algn="tl">
+                  <a:srgbClr val="000000">
+                    <a:alpha val="43137"/>
+                  </a:srgbClr>
+                </a:outerShdw>
+              </a:effectLst>
+              <a:latin typeface="Times New Roman" panose="02020603050405020304" pitchFamily="18" charset="0"/>
+              <a:ea typeface="Tahoma" panose="020B0604030504040204" pitchFamily="34" charset="0"/>
               <a:cs typeface="Times New Roman" panose="02020603050405020304" pitchFamily="18" charset="0"/>
             </a:endParaRPr>
           </a:p>
@@ -7162,107 +6569,302 @@
         </p:nvSpPr>
         <p:spPr>
           <a:xfrm>
-            <a:off x="581025" y="279400"/>
+            <a:off x="581024" y="178593"/>
             <a:ext cx="10515600" cy="539750"/>
           </a:xfrm>
         </p:spPr>
         <p:txBody>
           <a:bodyPr>
-            <a:normAutofit/>
+            <a:noAutofit/>
           </a:bodyPr>
           <a:lstStyle/>
           <a:p>
             <a:pPr algn="ctr"/>
             <a:r>
-              <a:rPr lang="ru-RU" sz="2000" b="1" dirty="0">
-                <a:latin typeface="Times New Roman" panose="02020603050405020304" pitchFamily="18" charset="0"/>
-                <a:cs typeface="Times New Roman" panose="02020603050405020304" pitchFamily="18" charset="0"/>
+              <a:rPr lang="ru-RU" sz="4000" dirty="0">
+                <a:solidFill>
+                  <a:srgbClr val="000099"/>
+                </a:solidFill>
+                <a:effectLst>
+                  <a:outerShdw blurRad="38100" dist="38100" dir="2700000" algn="tl">
+                    <a:srgbClr val="C0C0C0"/>
+                  </a:outerShdw>
+                </a:effectLst>
+                <a:latin typeface="Calibri" pitchFamily="34" charset="0"/>
+                <a:ea typeface="+mn-ea"/>
+                <a:cs typeface="+mn-cs"/>
               </a:rPr>
               <a:t>Диаграмма </a:t>
             </a:r>
             <a:r>
-              <a:rPr lang="en-US" sz="2000" b="1" dirty="0">
-                <a:latin typeface="Times New Roman" panose="02020603050405020304" pitchFamily="18" charset="0"/>
-                <a:cs typeface="Times New Roman" panose="02020603050405020304" pitchFamily="18" charset="0"/>
+              <a:rPr lang="en-US" sz="4000" dirty="0">
+                <a:solidFill>
+                  <a:srgbClr val="000099"/>
+                </a:solidFill>
+                <a:effectLst>
+                  <a:outerShdw blurRad="38100" dist="38100" dir="2700000" algn="tl">
+                    <a:srgbClr val="C0C0C0"/>
+                  </a:outerShdw>
+                </a:effectLst>
+                <a:latin typeface="Calibri" pitchFamily="34" charset="0"/>
+                <a:ea typeface="+mn-ea"/>
+                <a:cs typeface="+mn-cs"/>
               </a:rPr>
               <a:t>ER-</a:t>
             </a:r>
             <a:r>
-              <a:rPr lang="ru-RU" sz="2000" b="1" dirty="0">
-                <a:latin typeface="Times New Roman" panose="02020603050405020304" pitchFamily="18" charset="0"/>
-                <a:cs typeface="Times New Roman" panose="02020603050405020304" pitchFamily="18" charset="0"/>
-              </a:rPr>
-              <a:t>Модели</a:t>
-            </a:r>
-            <a:r>
-              <a:rPr lang="en-US" sz="2000" b="1" dirty="0">
-                <a:latin typeface="Times New Roman" panose="02020603050405020304" pitchFamily="18" charset="0"/>
-                <a:cs typeface="Times New Roman" panose="02020603050405020304" pitchFamily="18" charset="0"/>
-              </a:rPr>
-              <a:t> </a:t>
-            </a:r>
-            <a:r>
-              <a:rPr lang="ru-RU" sz="2000" b="1" dirty="0">
-                <a:latin typeface="Times New Roman" panose="02020603050405020304" pitchFamily="18" charset="0"/>
-                <a:cs typeface="Times New Roman" panose="02020603050405020304" pitchFamily="18" charset="0"/>
-              </a:rPr>
-              <a:t>«Сущность-связь»</a:t>
-            </a:r>
-          </a:p>
-        </p:txBody>
-      </p:sp>
-      <p:sp>
-        <p:nvSpPr>
-          <p:cNvPr id="4" name="Номер слайда 3">
-            <a:extLst>
-              <a:ext uri="{FF2B5EF4-FFF2-40B4-BE49-F238E27FC236}">
-                <a16:creationId xmlns:a16="http://schemas.microsoft.com/office/drawing/2014/main" id="{F9C520D8-A0F3-95CF-ED38-ED29E6D525A2}"/>
-              </a:ext>
-            </a:extLst>
-          </p:cNvPr>
-          <p:cNvSpPr>
-            <a:spLocks noGrp="1"/>
-          </p:cNvSpPr>
-          <p:nvPr>
-            <p:ph type="sldNum" sz="quarter" idx="12"/>
-          </p:nvPr>
-        </p:nvSpPr>
-        <p:spPr>
-          <a:xfrm>
-            <a:off x="9220200" y="184150"/>
-            <a:ext cx="2743200" cy="365125"/>
-          </a:xfrm>
-        </p:spPr>
-        <p:txBody>
-          <a:bodyPr/>
-          <a:lstStyle/>
-          <a:p>
-            <a:fld id="{6761A50A-E866-45D7-A1D3-EBE681B6823E}" type="slidenum">
-              <a:rPr lang="ru-RU" sz="2000" smtClean="0">
-                <a:solidFill>
-                  <a:schemeClr val="tx1"/>
-                </a:solidFill>
-                <a:latin typeface="Times New Roman" panose="02020603050405020304" pitchFamily="18" charset="0"/>
-                <a:cs typeface="Times New Roman" panose="02020603050405020304" pitchFamily="18" charset="0"/>
-              </a:rPr>
-              <a:t>4</a:t>
-            </a:fld>
-            <a:endParaRPr lang="ru-RU" sz="2000" dirty="0">
-              <a:solidFill>
-                <a:schemeClr val="tx1"/>
-              </a:solidFill>
+              <a:rPr lang="ru-RU" sz="4000" dirty="0">
+                <a:solidFill>
+                  <a:srgbClr val="000099"/>
+                </a:solidFill>
+                <a:effectLst>
+                  <a:outerShdw blurRad="38100" dist="38100" dir="2700000" algn="tl">
+                    <a:srgbClr val="C0C0C0"/>
+                  </a:outerShdw>
+                </a:effectLst>
+                <a:latin typeface="Calibri" pitchFamily="34" charset="0"/>
+                <a:ea typeface="+mn-ea"/>
+                <a:cs typeface="+mn-cs"/>
+              </a:rPr>
+              <a:t>Модели «Сущность-связь»</a:t>
+            </a:r>
+            <a:endParaRPr lang="ru-RU" sz="4000" b="1" dirty="0">
               <a:latin typeface="Times New Roman" panose="02020603050405020304" pitchFamily="18" charset="0"/>
               <a:cs typeface="Times New Roman" panose="02020603050405020304" pitchFamily="18" charset="0"/>
             </a:endParaRPr>
           </a:p>
         </p:txBody>
       </p:sp>
+      <p:sp>
+        <p:nvSpPr>
+          <p:cNvPr id="7" name="TextBox 6">
+            <a:extLst>
+              <a:ext uri="{FF2B5EF4-FFF2-40B4-BE49-F238E27FC236}">
+                <a16:creationId xmlns:a16="http://schemas.microsoft.com/office/drawing/2014/main" id="{E237DB8F-169B-952D-8F19-A57A72783164}"/>
+              </a:ext>
+            </a:extLst>
+          </p:cNvPr>
+          <p:cNvSpPr txBox="1"/>
+          <p:nvPr/>
+        </p:nvSpPr>
+        <p:spPr>
+          <a:xfrm>
+            <a:off x="3314700" y="6148280"/>
+            <a:ext cx="5562600" cy="369332"/>
+          </a:xfrm>
+          <a:prstGeom prst="rect">
+            <a:avLst/>
+          </a:prstGeom>
+          <a:noFill/>
+        </p:spPr>
+        <p:txBody>
+          <a:bodyPr wrap="square" rtlCol="0">
+            <a:spAutoFit/>
+          </a:bodyPr>
+          <a:lstStyle/>
+          <a:p>
+            <a:pPr algn="ctr"/>
+            <a:r>
+              <a:rPr lang="ru-RU" dirty="0">
+                <a:latin typeface="Times New Roman" panose="02020603050405020304" pitchFamily="18" charset="0"/>
+                <a:cs typeface="Times New Roman" panose="02020603050405020304" pitchFamily="18" charset="0"/>
+              </a:rPr>
+              <a:t>Рисунок 1 – Диаграмма </a:t>
+            </a:r>
+            <a:r>
+              <a:rPr lang="en-US" dirty="0">
+                <a:latin typeface="Times New Roman" panose="02020603050405020304" pitchFamily="18" charset="0"/>
+                <a:cs typeface="Times New Roman" panose="02020603050405020304" pitchFamily="18" charset="0"/>
+              </a:rPr>
+              <a:t>ER-</a:t>
+            </a:r>
+            <a:r>
+              <a:rPr lang="ru-RU" dirty="0">
+                <a:latin typeface="Times New Roman" panose="02020603050405020304" pitchFamily="18" charset="0"/>
+                <a:cs typeface="Times New Roman" panose="02020603050405020304" pitchFamily="18" charset="0"/>
+              </a:rPr>
+              <a:t>Модели </a:t>
+            </a:r>
+            <a:r>
+              <a:rPr lang="ru-RU" sz="1800" dirty="0">
+                <a:latin typeface="Times New Roman" panose="02020603050405020304" pitchFamily="18" charset="0"/>
+                <a:cs typeface="Times New Roman" panose="02020603050405020304" pitchFamily="18" charset="0"/>
+              </a:rPr>
+              <a:t>«Сущность-связь»</a:t>
+            </a:r>
+            <a:endParaRPr lang="ru-RU" dirty="0">
+              <a:latin typeface="Times New Roman" panose="02020603050405020304" pitchFamily="18" charset="0"/>
+              <a:cs typeface="Times New Roman" panose="02020603050405020304" pitchFamily="18" charset="0"/>
+            </a:endParaRPr>
+          </a:p>
+        </p:txBody>
+      </p:sp>
+      <p:sp>
+        <p:nvSpPr>
+          <p:cNvPr id="3" name="Номер слайда 3">
+            <a:extLst>
+              <a:ext uri="{FF2B5EF4-FFF2-40B4-BE49-F238E27FC236}">
+                <a16:creationId xmlns:a16="http://schemas.microsoft.com/office/drawing/2014/main" id="{0B50F307-2784-5D19-12EF-426065291EAC}"/>
+              </a:ext>
+            </a:extLst>
+          </p:cNvPr>
+          <p:cNvSpPr txBox="1">
+            <a:spLocks/>
+          </p:cNvSpPr>
+          <p:nvPr/>
+        </p:nvSpPr>
+        <p:spPr>
+          <a:xfrm>
+            <a:off x="9347123" y="178593"/>
+            <a:ext cx="2743200" cy="365125"/>
+          </a:xfrm>
+          <a:prstGeom prst="rect">
+            <a:avLst/>
+          </a:prstGeom>
+        </p:spPr>
+        <p:txBody>
+          <a:bodyPr vert="horz" lIns="91440" tIns="45720" rIns="91440" bIns="45720" rtlCol="0" anchor="ctr"/>
+          <a:lstStyle>
+            <a:defPPr>
+              <a:defRPr lang="ru-RU"/>
+            </a:defPPr>
+            <a:lvl1pPr marL="0" algn="r" defTabSz="914400" rtl="0" eaLnBrk="1" latinLnBrk="0" hangingPunct="1">
+              <a:defRPr sz="1200" kern="1200">
+                <a:solidFill>
+                  <a:schemeClr val="tx1">
+                    <a:tint val="75000"/>
+                  </a:schemeClr>
+                </a:solidFill>
+                <a:latin typeface="+mn-lt"/>
+                <a:ea typeface="+mn-ea"/>
+                <a:cs typeface="+mn-cs"/>
+              </a:defRPr>
+            </a:lvl1pPr>
+            <a:lvl2pPr marL="457200" algn="l" defTabSz="914400" rtl="0" eaLnBrk="1" latinLnBrk="0" hangingPunct="1">
+              <a:defRPr sz="1800" kern="1200">
+                <a:solidFill>
+                  <a:schemeClr val="tx1"/>
+                </a:solidFill>
+                <a:latin typeface="+mn-lt"/>
+                <a:ea typeface="+mn-ea"/>
+                <a:cs typeface="+mn-cs"/>
+              </a:defRPr>
+            </a:lvl2pPr>
+            <a:lvl3pPr marL="914400" algn="l" defTabSz="914400" rtl="0" eaLnBrk="1" latinLnBrk="0" hangingPunct="1">
+              <a:defRPr sz="1800" kern="1200">
+                <a:solidFill>
+                  <a:schemeClr val="tx1"/>
+                </a:solidFill>
+                <a:latin typeface="+mn-lt"/>
+                <a:ea typeface="+mn-ea"/>
+                <a:cs typeface="+mn-cs"/>
+              </a:defRPr>
+            </a:lvl3pPr>
+            <a:lvl4pPr marL="1371600" algn="l" defTabSz="914400" rtl="0" eaLnBrk="1" latinLnBrk="0" hangingPunct="1">
+              <a:defRPr sz="1800" kern="1200">
+                <a:solidFill>
+                  <a:schemeClr val="tx1"/>
+                </a:solidFill>
+                <a:latin typeface="+mn-lt"/>
+                <a:ea typeface="+mn-ea"/>
+                <a:cs typeface="+mn-cs"/>
+              </a:defRPr>
+            </a:lvl4pPr>
+            <a:lvl5pPr marL="1828800" algn="l" defTabSz="914400" rtl="0" eaLnBrk="1" latinLnBrk="0" hangingPunct="1">
+              <a:defRPr sz="1800" kern="1200">
+                <a:solidFill>
+                  <a:schemeClr val="tx1"/>
+                </a:solidFill>
+                <a:latin typeface="+mn-lt"/>
+                <a:ea typeface="+mn-ea"/>
+                <a:cs typeface="+mn-cs"/>
+              </a:defRPr>
+            </a:lvl5pPr>
+            <a:lvl6pPr marL="2286000" algn="l" defTabSz="914400" rtl="0" eaLnBrk="1" latinLnBrk="0" hangingPunct="1">
+              <a:defRPr sz="1800" kern="1200">
+                <a:solidFill>
+                  <a:schemeClr val="tx1"/>
+                </a:solidFill>
+                <a:latin typeface="+mn-lt"/>
+                <a:ea typeface="+mn-ea"/>
+                <a:cs typeface="+mn-cs"/>
+              </a:defRPr>
+            </a:lvl6pPr>
+            <a:lvl7pPr marL="2743200" algn="l" defTabSz="914400" rtl="0" eaLnBrk="1" latinLnBrk="0" hangingPunct="1">
+              <a:defRPr sz="1800" kern="1200">
+                <a:solidFill>
+                  <a:schemeClr val="tx1"/>
+                </a:solidFill>
+                <a:latin typeface="+mn-lt"/>
+                <a:ea typeface="+mn-ea"/>
+                <a:cs typeface="+mn-cs"/>
+              </a:defRPr>
+            </a:lvl7pPr>
+            <a:lvl8pPr marL="3200400" algn="l" defTabSz="914400" rtl="0" eaLnBrk="1" latinLnBrk="0" hangingPunct="1">
+              <a:defRPr sz="1800" kern="1200">
+                <a:solidFill>
+                  <a:schemeClr val="tx1"/>
+                </a:solidFill>
+                <a:latin typeface="+mn-lt"/>
+                <a:ea typeface="+mn-ea"/>
+                <a:cs typeface="+mn-cs"/>
+              </a:defRPr>
+            </a:lvl8pPr>
+            <a:lvl9pPr marL="3657600" algn="l" defTabSz="914400" rtl="0" eaLnBrk="1" latinLnBrk="0" hangingPunct="1">
+              <a:defRPr sz="1800" kern="1200">
+                <a:solidFill>
+                  <a:schemeClr val="tx1"/>
+                </a:solidFill>
+                <a:latin typeface="+mn-lt"/>
+                <a:ea typeface="+mn-ea"/>
+                <a:cs typeface="+mn-cs"/>
+              </a:defRPr>
+            </a:lvl9pPr>
+          </a:lstStyle>
+          <a:p>
+            <a:fld id="{6761A50A-E866-45D7-A1D3-EBE681B6823E}" type="slidenum">
+              <a:rPr lang="ru-RU" sz="4000" b="1" smtClean="0">
+                <a:solidFill>
+                  <a:srgbClr val="FF0000"/>
+                </a:solidFill>
+                <a:effectLst>
+                  <a:outerShdw blurRad="38100" dist="38100" dir="2700000" algn="tl">
+                    <a:srgbClr val="000000">
+                      <a:alpha val="43137"/>
+                    </a:srgbClr>
+                  </a:outerShdw>
+                </a:effectLst>
+                <a:latin typeface="Times New Roman" panose="02020603050405020304" pitchFamily="18" charset="0"/>
+                <a:ea typeface="Tahoma" panose="020B0604030504040204" pitchFamily="34" charset="0"/>
+                <a:cs typeface="Times New Roman" panose="02020603050405020304" pitchFamily="18" charset="0"/>
+              </a:rPr>
+              <a:pPr/>
+              <a:t>4</a:t>
+            </a:fld>
+            <a:endParaRPr lang="ru-RU" sz="4000" b="1" dirty="0">
+              <a:solidFill>
+                <a:srgbClr val="FF0000"/>
+              </a:solidFill>
+              <a:effectLst>
+                <a:outerShdw blurRad="38100" dist="38100" dir="2700000" algn="tl">
+                  <a:srgbClr val="000000">
+                    <a:alpha val="43137"/>
+                  </a:srgbClr>
+                </a:outerShdw>
+              </a:effectLst>
+              <a:latin typeface="Times New Roman" panose="02020603050405020304" pitchFamily="18" charset="0"/>
+              <a:ea typeface="Tahoma" panose="020B0604030504040204" pitchFamily="34" charset="0"/>
+              <a:cs typeface="Times New Roman" panose="02020603050405020304" pitchFamily="18" charset="0"/>
+            </a:endParaRPr>
+          </a:p>
+        </p:txBody>
+      </p:sp>
       <p:pic>
         <p:nvPicPr>
-          <p:cNvPr id="6" name="Рисунок 5">
-            <a:extLst>
-              <a:ext uri="{FF2B5EF4-FFF2-40B4-BE49-F238E27FC236}">
-                <a16:creationId xmlns:a16="http://schemas.microsoft.com/office/drawing/2014/main" id="{C3B82F73-2E2B-0A4D-94AA-2C38DF1473F2}"/>
+          <p:cNvPr id="5" name="Рисунок 4">
+            <a:extLst>
+              <a:ext uri="{FF2B5EF4-FFF2-40B4-BE49-F238E27FC236}">
+                <a16:creationId xmlns:a16="http://schemas.microsoft.com/office/drawing/2014/main" id="{7ED35001-A14A-6FA2-B4F0-7E92F17A0B0A}"/>
               </a:ext>
             </a:extLst>
           </p:cNvPr>
@@ -7279,78 +6881,14 @@
         </p:blipFill>
         <p:spPr>
           <a:xfrm>
-            <a:off x="1266825" y="819150"/>
-            <a:ext cx="10016097" cy="5059255"/>
+            <a:off x="1666875" y="859373"/>
+            <a:ext cx="8343899" cy="5013475"/>
           </a:xfrm>
           <a:prstGeom prst="rect">
             <a:avLst/>
           </a:prstGeom>
         </p:spPr>
       </p:pic>
-      <p:sp>
-        <p:nvSpPr>
-          <p:cNvPr id="7" name="TextBox 6">
-            <a:extLst>
-              <a:ext uri="{FF2B5EF4-FFF2-40B4-BE49-F238E27FC236}">
-                <a16:creationId xmlns:a16="http://schemas.microsoft.com/office/drawing/2014/main" id="{E237DB8F-169B-952D-8F19-A57A72783164}"/>
-              </a:ext>
-            </a:extLst>
-          </p:cNvPr>
-          <p:cNvSpPr txBox="1"/>
-          <p:nvPr/>
-        </p:nvSpPr>
-        <p:spPr>
-          <a:xfrm>
-            <a:off x="3314700" y="6148280"/>
-            <a:ext cx="5562600" cy="369332"/>
-          </a:xfrm>
-          <a:prstGeom prst="rect">
-            <a:avLst/>
-          </a:prstGeom>
-          <a:noFill/>
-        </p:spPr>
-        <p:txBody>
-          <a:bodyPr wrap="square" rtlCol="0">
-            <a:spAutoFit/>
-          </a:bodyPr>
-          <a:lstStyle/>
-          <a:p>
-            <a:pPr algn="ctr"/>
-            <a:r>
-              <a:rPr lang="ru-RU" dirty="0">
-                <a:latin typeface="Times New Roman" panose="02020603050405020304" pitchFamily="18" charset="0"/>
-                <a:cs typeface="Times New Roman" panose="02020603050405020304" pitchFamily="18" charset="0"/>
-              </a:rPr>
-              <a:t>Рисунок 1 – Диаграмма </a:t>
-            </a:r>
-            <a:r>
-              <a:rPr lang="en-US" dirty="0">
-                <a:latin typeface="Times New Roman" panose="02020603050405020304" pitchFamily="18" charset="0"/>
-                <a:cs typeface="Times New Roman" panose="02020603050405020304" pitchFamily="18" charset="0"/>
-              </a:rPr>
-              <a:t>ER-</a:t>
-            </a:r>
-            <a:r>
-              <a:rPr lang="ru-RU" dirty="0">
-                <a:latin typeface="Times New Roman" panose="02020603050405020304" pitchFamily="18" charset="0"/>
-                <a:cs typeface="Times New Roman" panose="02020603050405020304" pitchFamily="18" charset="0"/>
-              </a:rPr>
-              <a:t>Модели </a:t>
-            </a:r>
-            <a:r>
-              <a:rPr lang="ru-RU" sz="1800" dirty="0">
-                <a:latin typeface="Times New Roman" panose="02020603050405020304" pitchFamily="18" charset="0"/>
-                <a:cs typeface="Times New Roman" panose="02020603050405020304" pitchFamily="18" charset="0"/>
-              </a:rPr>
-              <a:t>«Сущность-связь»</a:t>
-            </a:r>
-            <a:endParaRPr lang="ru-RU" dirty="0">
-              <a:latin typeface="Times New Roman" panose="02020603050405020304" pitchFamily="18" charset="0"/>
-              <a:cs typeface="Times New Roman" panose="02020603050405020304" pitchFamily="18" charset="0"/>
-            </a:endParaRPr>
-          </a:p>
-        </p:txBody>
-      </p:sp>
     </p:spTree>
     <p:extLst>
       <p:ext uri="{BB962C8B-B14F-4D97-AF65-F5344CB8AC3E}">
@@ -7383,92 +6921,195 @@
       </p:grpSpPr>
       <p:sp>
         <p:nvSpPr>
-          <p:cNvPr id="2" name="Заголовок 1">
-            <a:extLst>
-              <a:ext uri="{FF2B5EF4-FFF2-40B4-BE49-F238E27FC236}">
-                <a16:creationId xmlns:a16="http://schemas.microsoft.com/office/drawing/2014/main" id="{F3929BC8-DD6E-E1E2-9111-8D816C7F6C8D}"/>
-              </a:ext>
-            </a:extLst>
-          </p:cNvPr>
-          <p:cNvSpPr>
-            <a:spLocks noGrp="1"/>
-          </p:cNvSpPr>
-          <p:nvPr>
-            <p:ph type="title"/>
-          </p:nvPr>
+          <p:cNvPr id="7" name="TextBox 6">
+            <a:extLst>
+              <a:ext uri="{FF2B5EF4-FFF2-40B4-BE49-F238E27FC236}">
+                <a16:creationId xmlns:a16="http://schemas.microsoft.com/office/drawing/2014/main" id="{41D1EE6C-A7DB-A33A-40BF-FB0E63B08125}"/>
+              </a:ext>
+            </a:extLst>
+          </p:cNvPr>
+          <p:cNvSpPr txBox="1"/>
+          <p:nvPr/>
         </p:nvSpPr>
         <p:spPr>
           <a:xfrm>
-            <a:off x="838200" y="-277020"/>
-            <a:ext cx="10515600" cy="1325563"/>
+            <a:off x="4057650" y="5881766"/>
+            <a:ext cx="4229100" cy="369332"/>
           </a:xfrm>
+          <a:prstGeom prst="rect">
+            <a:avLst/>
+          </a:prstGeom>
+          <a:noFill/>
         </p:spPr>
         <p:txBody>
-          <a:bodyPr>
-            <a:normAutofit/>
+          <a:bodyPr wrap="square" rtlCol="0">
+            <a:spAutoFit/>
           </a:bodyPr>
           <a:lstStyle/>
           <a:p>
             <a:pPr algn="ctr"/>
             <a:r>
-              <a:rPr lang="ru-RU" sz="2000" b="1" dirty="0">
-                <a:latin typeface="Times New Roman" panose="02020603050405020304" pitchFamily="18" charset="0"/>
-                <a:ea typeface="Calibri" panose="020F0502020204030204" pitchFamily="34" charset="0"/>
-                <a:cs typeface="Times New Roman" panose="02020603050405020304" pitchFamily="18" charset="0"/>
-              </a:rPr>
-              <a:t>Схема данных</a:t>
-            </a:r>
-            <a:endParaRPr lang="ru-RU" sz="2000" b="1" dirty="0"/>
-          </a:p>
-        </p:txBody>
-      </p:sp>
-      <p:sp>
-        <p:nvSpPr>
-          <p:cNvPr id="4" name="Номер слайда 3">
-            <a:extLst>
-              <a:ext uri="{FF2B5EF4-FFF2-40B4-BE49-F238E27FC236}">
-                <a16:creationId xmlns:a16="http://schemas.microsoft.com/office/drawing/2014/main" id="{98F33B15-489D-75D3-FBF9-EA9EA20E8DA4}"/>
-              </a:ext>
-            </a:extLst>
-          </p:cNvPr>
-          <p:cNvSpPr>
-            <a:spLocks noGrp="1"/>
-          </p:cNvSpPr>
-          <p:nvPr>
-            <p:ph type="sldNum" sz="quarter" idx="12"/>
-          </p:nvPr>
+              <a:rPr lang="ru-RU" dirty="0"/>
+              <a:t>Рисунок 2 – Схема данных</a:t>
+            </a:r>
+          </a:p>
+        </p:txBody>
+      </p:sp>
+      <p:sp>
+        <p:nvSpPr>
+          <p:cNvPr id="3" name="Номер слайда 3">
+            <a:extLst>
+              <a:ext uri="{FF2B5EF4-FFF2-40B4-BE49-F238E27FC236}">
+                <a16:creationId xmlns:a16="http://schemas.microsoft.com/office/drawing/2014/main" id="{453C43B0-D6FF-C681-B4FA-77E03F2B5FBC}"/>
+              </a:ext>
+            </a:extLst>
+          </p:cNvPr>
+          <p:cNvSpPr txBox="1">
+            <a:spLocks/>
+          </p:cNvSpPr>
+          <p:nvPr/>
         </p:nvSpPr>
         <p:spPr>
           <a:xfrm>
-            <a:off x="9239398" y="203200"/>
+            <a:off x="9347123" y="178593"/>
             <a:ext cx="2743200" cy="365125"/>
           </a:xfrm>
+          <a:prstGeom prst="rect">
+            <a:avLst/>
+          </a:prstGeom>
         </p:spPr>
         <p:txBody>
-          <a:bodyPr/>
-          <a:lstStyle/>
+          <a:bodyPr vert="horz" lIns="91440" tIns="45720" rIns="91440" bIns="45720" rtlCol="0" anchor="ctr"/>
+          <a:lstStyle>
+            <a:defPPr>
+              <a:defRPr lang="ru-RU"/>
+            </a:defPPr>
+            <a:lvl1pPr marL="0" algn="r" defTabSz="914400" rtl="0" eaLnBrk="1" latinLnBrk="0" hangingPunct="1">
+              <a:defRPr sz="1200" kern="1200">
+                <a:solidFill>
+                  <a:schemeClr val="tx1">
+                    <a:tint val="75000"/>
+                  </a:schemeClr>
+                </a:solidFill>
+                <a:latin typeface="+mn-lt"/>
+                <a:ea typeface="+mn-ea"/>
+                <a:cs typeface="+mn-cs"/>
+              </a:defRPr>
+            </a:lvl1pPr>
+            <a:lvl2pPr marL="457200" algn="l" defTabSz="914400" rtl="0" eaLnBrk="1" latinLnBrk="0" hangingPunct="1">
+              <a:defRPr sz="1800" kern="1200">
+                <a:solidFill>
+                  <a:schemeClr val="tx1"/>
+                </a:solidFill>
+                <a:latin typeface="+mn-lt"/>
+                <a:ea typeface="+mn-ea"/>
+                <a:cs typeface="+mn-cs"/>
+              </a:defRPr>
+            </a:lvl2pPr>
+            <a:lvl3pPr marL="914400" algn="l" defTabSz="914400" rtl="0" eaLnBrk="1" latinLnBrk="0" hangingPunct="1">
+              <a:defRPr sz="1800" kern="1200">
+                <a:solidFill>
+                  <a:schemeClr val="tx1"/>
+                </a:solidFill>
+                <a:latin typeface="+mn-lt"/>
+                <a:ea typeface="+mn-ea"/>
+                <a:cs typeface="+mn-cs"/>
+              </a:defRPr>
+            </a:lvl3pPr>
+            <a:lvl4pPr marL="1371600" algn="l" defTabSz="914400" rtl="0" eaLnBrk="1" latinLnBrk="0" hangingPunct="1">
+              <a:defRPr sz="1800" kern="1200">
+                <a:solidFill>
+                  <a:schemeClr val="tx1"/>
+                </a:solidFill>
+                <a:latin typeface="+mn-lt"/>
+                <a:ea typeface="+mn-ea"/>
+                <a:cs typeface="+mn-cs"/>
+              </a:defRPr>
+            </a:lvl4pPr>
+            <a:lvl5pPr marL="1828800" algn="l" defTabSz="914400" rtl="0" eaLnBrk="1" latinLnBrk="0" hangingPunct="1">
+              <a:defRPr sz="1800" kern="1200">
+                <a:solidFill>
+                  <a:schemeClr val="tx1"/>
+                </a:solidFill>
+                <a:latin typeface="+mn-lt"/>
+                <a:ea typeface="+mn-ea"/>
+                <a:cs typeface="+mn-cs"/>
+              </a:defRPr>
+            </a:lvl5pPr>
+            <a:lvl6pPr marL="2286000" algn="l" defTabSz="914400" rtl="0" eaLnBrk="1" latinLnBrk="0" hangingPunct="1">
+              <a:defRPr sz="1800" kern="1200">
+                <a:solidFill>
+                  <a:schemeClr val="tx1"/>
+                </a:solidFill>
+                <a:latin typeface="+mn-lt"/>
+                <a:ea typeface="+mn-ea"/>
+                <a:cs typeface="+mn-cs"/>
+              </a:defRPr>
+            </a:lvl6pPr>
+            <a:lvl7pPr marL="2743200" algn="l" defTabSz="914400" rtl="0" eaLnBrk="1" latinLnBrk="0" hangingPunct="1">
+              <a:defRPr sz="1800" kern="1200">
+                <a:solidFill>
+                  <a:schemeClr val="tx1"/>
+                </a:solidFill>
+                <a:latin typeface="+mn-lt"/>
+                <a:ea typeface="+mn-ea"/>
+                <a:cs typeface="+mn-cs"/>
+              </a:defRPr>
+            </a:lvl7pPr>
+            <a:lvl8pPr marL="3200400" algn="l" defTabSz="914400" rtl="0" eaLnBrk="1" latinLnBrk="0" hangingPunct="1">
+              <a:defRPr sz="1800" kern="1200">
+                <a:solidFill>
+                  <a:schemeClr val="tx1"/>
+                </a:solidFill>
+                <a:latin typeface="+mn-lt"/>
+                <a:ea typeface="+mn-ea"/>
+                <a:cs typeface="+mn-cs"/>
+              </a:defRPr>
+            </a:lvl8pPr>
+            <a:lvl9pPr marL="3657600" algn="l" defTabSz="914400" rtl="0" eaLnBrk="1" latinLnBrk="0" hangingPunct="1">
+              <a:defRPr sz="1800" kern="1200">
+                <a:solidFill>
+                  <a:schemeClr val="tx1"/>
+                </a:solidFill>
+                <a:latin typeface="+mn-lt"/>
+                <a:ea typeface="+mn-ea"/>
+                <a:cs typeface="+mn-cs"/>
+              </a:defRPr>
+            </a:lvl9pPr>
+          </a:lstStyle>
           <a:p>
             <a:fld id="{6761A50A-E866-45D7-A1D3-EBE681B6823E}" type="slidenum">
-              <a:rPr lang="ru-RU" sz="2000" smtClean="0">
-                <a:solidFill>
-                  <a:schemeClr val="tx1">
-                    <a:lumMod val="95000"/>
-                    <a:lumOff val="5000"/>
-                  </a:schemeClr>
-                </a:solidFill>
+              <a:rPr lang="ru-RU" sz="4000" b="1" smtClean="0">
+                <a:solidFill>
+                  <a:srgbClr val="FF0000"/>
+                </a:solidFill>
+                <a:effectLst>
+                  <a:outerShdw blurRad="38100" dist="38100" dir="2700000" algn="tl">
+                    <a:srgbClr val="000000">
+                      <a:alpha val="43137"/>
+                    </a:srgbClr>
+                  </a:outerShdw>
+                </a:effectLst>
                 <a:latin typeface="Times New Roman" panose="02020603050405020304" pitchFamily="18" charset="0"/>
+                <a:ea typeface="Tahoma" panose="020B0604030504040204" pitchFamily="34" charset="0"/>
                 <a:cs typeface="Times New Roman" panose="02020603050405020304" pitchFamily="18" charset="0"/>
               </a:rPr>
+              <a:pPr/>
               <a:t>5</a:t>
             </a:fld>
-            <a:endParaRPr lang="ru-RU" sz="2000" dirty="0">
+            <a:endParaRPr lang="ru-RU" sz="4000" b="1" dirty="0">
               <a:solidFill>
-                <a:schemeClr val="tx1">
-                  <a:lumMod val="95000"/>
-                  <a:lumOff val="5000"/>
-                </a:schemeClr>
+                <a:srgbClr val="FF0000"/>
               </a:solidFill>
+              <a:effectLst>
+                <a:outerShdw blurRad="38100" dist="38100" dir="2700000" algn="tl">
+                  <a:srgbClr val="000000">
+                    <a:alpha val="43137"/>
+                  </a:srgbClr>
+                </a:outerShdw>
+              </a:effectLst>
               <a:latin typeface="Times New Roman" panose="02020603050405020304" pitchFamily="18" charset="0"/>
+              <a:ea typeface="Tahoma" panose="020B0604030504040204" pitchFamily="34" charset="0"/>
               <a:cs typeface="Times New Roman" panose="02020603050405020304" pitchFamily="18" charset="0"/>
             </a:endParaRPr>
           </a:p>
@@ -7476,10 +7117,10 @@
       </p:sp>
       <p:pic>
         <p:nvPicPr>
-          <p:cNvPr id="6" name="Рисунок 5">
-            <a:extLst>
-              <a:ext uri="{FF2B5EF4-FFF2-40B4-BE49-F238E27FC236}">
-                <a16:creationId xmlns:a16="http://schemas.microsoft.com/office/drawing/2014/main" id="{C7AD83B3-D545-85F4-966B-4D918A31048D}"/>
+          <p:cNvPr id="8" name="Рисунок 7">
+            <a:extLst>
+              <a:ext uri="{FF2B5EF4-FFF2-40B4-BE49-F238E27FC236}">
+                <a16:creationId xmlns:a16="http://schemas.microsoft.com/office/drawing/2014/main" id="{242F09D8-D71C-2DB4-D127-85AB4D86E95D}"/>
               </a:ext>
             </a:extLst>
           </p:cNvPr>
@@ -7496,8 +7137,8 @@
         </p:blipFill>
         <p:spPr>
           <a:xfrm>
-            <a:off x="2166938" y="703386"/>
-            <a:ext cx="7644146" cy="4716340"/>
+            <a:off x="2108517" y="999885"/>
+            <a:ext cx="7654608" cy="4858229"/>
           </a:xfrm>
           <a:prstGeom prst="rect">
             <a:avLst/>
@@ -7506,37 +7147,72 @@
       </p:pic>
       <p:sp>
         <p:nvSpPr>
-          <p:cNvPr id="7" name="TextBox 6">
-            <a:extLst>
-              <a:ext uri="{FF2B5EF4-FFF2-40B4-BE49-F238E27FC236}">
-                <a16:creationId xmlns:a16="http://schemas.microsoft.com/office/drawing/2014/main" id="{41D1EE6C-A7DB-A33A-40BF-FB0E63B08125}"/>
-              </a:ext>
-            </a:extLst>
-          </p:cNvPr>
-          <p:cNvSpPr txBox="1"/>
+          <p:cNvPr id="9" name="Заголовок 1">
+            <a:extLst>
+              <a:ext uri="{FF2B5EF4-FFF2-40B4-BE49-F238E27FC236}">
+                <a16:creationId xmlns:a16="http://schemas.microsoft.com/office/drawing/2014/main" id="{88322F10-EF29-BDBF-993E-49D3D14D77A3}"/>
+              </a:ext>
+            </a:extLst>
+          </p:cNvPr>
+          <p:cNvSpPr txBox="1">
+            <a:spLocks/>
+          </p:cNvSpPr>
           <p:nvPr/>
         </p:nvSpPr>
         <p:spPr>
           <a:xfrm>
-            <a:off x="4191000" y="5553075"/>
-            <a:ext cx="4229100" cy="369332"/>
+            <a:off x="678021" y="297495"/>
+            <a:ext cx="10515600" cy="539750"/>
           </a:xfrm>
           <a:prstGeom prst="rect">
             <a:avLst/>
           </a:prstGeom>
-          <a:noFill/>
         </p:spPr>
         <p:txBody>
-          <a:bodyPr wrap="square" rtlCol="0">
-            <a:spAutoFit/>
+          <a:bodyPr vert="horz" lIns="91440" tIns="45720" rIns="91440" bIns="45720" rtlCol="0" anchor="ctr">
+            <a:noAutofit/>
           </a:bodyPr>
-          <a:lstStyle/>
+          <a:lstStyle>
+            <a:lvl1pPr algn="l" defTabSz="914400" rtl="0" eaLnBrk="1" latinLnBrk="0" hangingPunct="1">
+              <a:lnSpc>
+                <a:spcPct val="90000"/>
+              </a:lnSpc>
+              <a:spcBef>
+                <a:spcPct val="0"/>
+              </a:spcBef>
+              <a:buNone/>
+              <a:defRPr sz="4400" kern="1200">
+                <a:solidFill>
+                  <a:schemeClr val="tx1"/>
+                </a:solidFill>
+                <a:latin typeface="+mj-lt"/>
+                <a:ea typeface="+mj-ea"/>
+                <a:cs typeface="+mj-cs"/>
+              </a:defRPr>
+            </a:lvl1pPr>
+          </a:lstStyle>
           <a:p>
             <a:pPr algn="ctr"/>
             <a:r>
-              <a:rPr lang="ru-RU" dirty="0"/>
-              <a:t>Рисунок 2 – Схема данных</a:t>
-            </a:r>
+              <a:rPr lang="ru-RU" sz="4000" dirty="0">
+                <a:solidFill>
+                  <a:srgbClr val="000099"/>
+                </a:solidFill>
+                <a:effectLst>
+                  <a:outerShdw blurRad="38100" dist="38100" dir="2700000" algn="tl">
+                    <a:srgbClr val="C0C0C0"/>
+                  </a:outerShdw>
+                </a:effectLst>
+                <a:latin typeface="Calibri" pitchFamily="34" charset="0"/>
+                <a:ea typeface="+mn-ea"/>
+                <a:cs typeface="+mn-cs"/>
+              </a:rPr>
+              <a:t>Схема данных</a:t>
+            </a:r>
+            <a:endParaRPr lang="ru-RU" sz="4000" b="1" dirty="0">
+              <a:latin typeface="Times New Roman" panose="02020603050405020304" pitchFamily="18" charset="0"/>
+              <a:cs typeface="Times New Roman" panose="02020603050405020304" pitchFamily="18" charset="0"/>
+            </a:endParaRPr>
           </a:p>
         </p:txBody>
       </p:sp>
@@ -7572,99 +7248,6 @@
       </p:grpSpPr>
       <p:sp>
         <p:nvSpPr>
-          <p:cNvPr id="2" name="Заголовок 1">
-            <a:extLst>
-              <a:ext uri="{FF2B5EF4-FFF2-40B4-BE49-F238E27FC236}">
-                <a16:creationId xmlns:a16="http://schemas.microsoft.com/office/drawing/2014/main" id="{F3929BC8-DD6E-E1E2-9111-8D816C7F6C8D}"/>
-              </a:ext>
-            </a:extLst>
-          </p:cNvPr>
-          <p:cNvSpPr>
-            <a:spLocks noGrp="1"/>
-          </p:cNvSpPr>
-          <p:nvPr>
-            <p:ph type="title"/>
-          </p:nvPr>
-        </p:nvSpPr>
-        <p:spPr>
-          <a:xfrm>
-            <a:off x="838200" y="-154224"/>
-            <a:ext cx="10515600" cy="900428"/>
-          </a:xfrm>
-        </p:spPr>
-        <p:txBody>
-          <a:bodyPr>
-            <a:normAutofit/>
-          </a:bodyPr>
-          <a:lstStyle/>
-          <a:p>
-            <a:pPr algn="ctr"/>
-            <a:r>
-              <a:rPr lang="ru-RU" sz="2000" b="1" kern="0" dirty="0">
-                <a:effectLst/>
-                <a:latin typeface="Times New Roman" panose="02020603050405020304" pitchFamily="18" charset="0"/>
-                <a:ea typeface="Calibri" panose="020F0502020204030204" pitchFamily="34" charset="0"/>
-              </a:rPr>
-              <a:t>Интерфейс системы</a:t>
-            </a:r>
-            <a:endParaRPr lang="ru-RU" sz="2000" b="1" dirty="0"/>
-          </a:p>
-        </p:txBody>
-      </p:sp>
-      <p:sp>
-        <p:nvSpPr>
-          <p:cNvPr id="4" name="Номер слайда 3">
-            <a:extLst>
-              <a:ext uri="{FF2B5EF4-FFF2-40B4-BE49-F238E27FC236}">
-                <a16:creationId xmlns:a16="http://schemas.microsoft.com/office/drawing/2014/main" id="{98F33B15-489D-75D3-FBF9-EA9EA20E8DA4}"/>
-              </a:ext>
-            </a:extLst>
-          </p:cNvPr>
-          <p:cNvSpPr>
-            <a:spLocks noGrp="1"/>
-          </p:cNvSpPr>
-          <p:nvPr>
-            <p:ph type="sldNum" sz="quarter" idx="12"/>
-          </p:nvPr>
-        </p:nvSpPr>
-        <p:spPr>
-          <a:xfrm>
-            <a:off x="9264923" y="146050"/>
-            <a:ext cx="2743200" cy="365125"/>
-          </a:xfrm>
-        </p:spPr>
-        <p:txBody>
-          <a:bodyPr/>
-          <a:lstStyle/>
-          <a:p>
-            <a:fld id="{6761A50A-E866-45D7-A1D3-EBE681B6823E}" type="slidenum">
-              <a:rPr lang="ru-RU" sz="2000" smtClean="0">
-                <a:solidFill>
-                  <a:schemeClr val="tx1">
-                    <a:lumMod val="95000"/>
-                    <a:lumOff val="5000"/>
-                  </a:schemeClr>
-                </a:solidFill>
-                <a:latin typeface="Times New Roman" panose="02020603050405020304" pitchFamily="18" charset="0"/>
-                <a:cs typeface="Times New Roman" panose="02020603050405020304" pitchFamily="18" charset="0"/>
-              </a:rPr>
-              <a:t>6</a:t>
-            </a:fld>
-            <a:endParaRPr lang="ru-RU" sz="2000" dirty="0">
-              <a:solidFill>
-                <a:schemeClr val="tx1">
-                  <a:lumMod val="95000"/>
-                  <a:lumOff val="5000"/>
-                </a:schemeClr>
-              </a:solidFill>
-              <a:latin typeface="Times New Roman" panose="02020603050405020304" pitchFamily="18" charset="0"/>
-              <a:cs typeface="Times New Roman" panose="02020603050405020304" pitchFamily="18" charset="0"/>
-            </a:endParaRPr>
-          </a:p>
-        </p:txBody>
-      </p:sp>
-      <p:sp>
-        <p:nvSpPr>
           <p:cNvPr id="10" name="TextBox 9">
             <a:extLst>
               <a:ext uri="{FF2B5EF4-FFF2-40B4-BE49-F238E27FC236}">
@@ -7708,26 +7291,12 @@
                 <a:ea typeface="Calibri" panose="020F0502020204030204" pitchFamily="34" charset="0"/>
                 <a:cs typeface="Times New Roman" panose="02020603050405020304" pitchFamily="18" charset="0"/>
               </a:rPr>
-              <a:t>– Интерфейс </a:t>
-            </a:r>
-            <a:r>
-              <a:rPr lang="ru-RU" kern="0" dirty="0">
-                <a:solidFill>
-                  <a:srgbClr val="000000"/>
-                </a:solidFill>
-                <a:latin typeface="Times New Roman" panose="02020603050405020304" pitchFamily="18" charset="0"/>
-                <a:ea typeface="Calibri" panose="020F0502020204030204" pitchFamily="34" charset="0"/>
-                <a:cs typeface="Times New Roman" panose="02020603050405020304" pitchFamily="18" charset="0"/>
-              </a:rPr>
-              <a:t>администратора</a:t>
-            </a:r>
-            <a:r>
-              <a:rPr lang="ru-RU" dirty="0">
-                <a:latin typeface="Times New Roman" panose="02020603050405020304" pitchFamily="18" charset="0"/>
-                <a:cs typeface="Times New Roman" panose="02020603050405020304" pitchFamily="18" charset="0"/>
-              </a:rPr>
-              <a:t> </a:t>
-            </a:r>
+              <a:t>– Главное меню</a:t>
+            </a:r>
+            <a:endParaRPr lang="ru-RU" dirty="0">
+              <a:latin typeface="Times New Roman" panose="02020603050405020304" pitchFamily="18" charset="0"/>
+              <a:cs typeface="Times New Roman" panose="02020603050405020304" pitchFamily="18" charset="0"/>
+            </a:endParaRPr>
           </a:p>
         </p:txBody>
       </p:sp>
@@ -7777,7 +7346,7 @@
                 <a:ea typeface="Calibri" panose="020F0502020204030204" pitchFamily="34" charset="0"/>
                 <a:cs typeface="Times New Roman" panose="02020603050405020304" pitchFamily="18" charset="0"/>
               </a:rPr>
-              <a:t>– </a:t>
+              <a:t>– Окно </a:t>
             </a:r>
             <a:r>
               <a:rPr lang="ru-RU" kern="0" dirty="0">
@@ -7788,7 +7357,7 @@
                 <a:ea typeface="Calibri" panose="020F0502020204030204" pitchFamily="34" charset="0"/>
                 <a:cs typeface="Times New Roman" panose="02020603050405020304" pitchFamily="18" charset="0"/>
               </a:rPr>
-              <a:t>Каталог товаров</a:t>
+              <a:t>добавления рейса</a:t>
             </a:r>
             <a:endParaRPr lang="ru-RU" dirty="0">
               <a:latin typeface="Times New Roman" panose="02020603050405020304" pitchFamily="18" charset="0"/>
@@ -7854,7 +7423,7 @@
                 <a:ea typeface="Calibri" panose="020F0502020204030204" pitchFamily="34" charset="0"/>
                 <a:cs typeface="Times New Roman" panose="02020603050405020304" pitchFamily="18" charset="0"/>
               </a:rPr>
-              <a:t>Окно заказа</a:t>
+              <a:t>Окно отчета</a:t>
             </a:r>
             <a:endParaRPr lang="ru-RU" dirty="0">
               <a:latin typeface="Times New Roman" panose="02020603050405020304" pitchFamily="18" charset="0"/>
@@ -7863,13 +7432,173 @@
           </a:p>
         </p:txBody>
       </p:sp>
+      <p:sp>
+        <p:nvSpPr>
+          <p:cNvPr id="3" name="Номер слайда 3">
+            <a:extLst>
+              <a:ext uri="{FF2B5EF4-FFF2-40B4-BE49-F238E27FC236}">
+                <a16:creationId xmlns:a16="http://schemas.microsoft.com/office/drawing/2014/main" id="{5DBBB377-BE21-E206-E759-E92453EE42FE}"/>
+              </a:ext>
+            </a:extLst>
+          </p:cNvPr>
+          <p:cNvSpPr txBox="1">
+            <a:spLocks/>
+          </p:cNvSpPr>
+          <p:nvPr/>
+        </p:nvSpPr>
+        <p:spPr>
+          <a:xfrm>
+            <a:off x="9347123" y="178593"/>
+            <a:ext cx="2743200" cy="365125"/>
+          </a:xfrm>
+          <a:prstGeom prst="rect">
+            <a:avLst/>
+          </a:prstGeom>
+        </p:spPr>
+        <p:txBody>
+          <a:bodyPr vert="horz" lIns="91440" tIns="45720" rIns="91440" bIns="45720" rtlCol="0" anchor="ctr"/>
+          <a:lstStyle>
+            <a:defPPr>
+              <a:defRPr lang="ru-RU"/>
+            </a:defPPr>
+            <a:lvl1pPr marL="0" algn="r" defTabSz="914400" rtl="0" eaLnBrk="1" latinLnBrk="0" hangingPunct="1">
+              <a:defRPr sz="1200" kern="1200">
+                <a:solidFill>
+                  <a:schemeClr val="tx1">
+                    <a:tint val="75000"/>
+                  </a:schemeClr>
+                </a:solidFill>
+                <a:latin typeface="+mn-lt"/>
+                <a:ea typeface="+mn-ea"/>
+                <a:cs typeface="+mn-cs"/>
+              </a:defRPr>
+            </a:lvl1pPr>
+            <a:lvl2pPr marL="457200" algn="l" defTabSz="914400" rtl="0" eaLnBrk="1" latinLnBrk="0" hangingPunct="1">
+              <a:defRPr sz="1800" kern="1200">
+                <a:solidFill>
+                  <a:schemeClr val="tx1"/>
+                </a:solidFill>
+                <a:latin typeface="+mn-lt"/>
+                <a:ea typeface="+mn-ea"/>
+                <a:cs typeface="+mn-cs"/>
+              </a:defRPr>
+            </a:lvl2pPr>
+            <a:lvl3pPr marL="914400" algn="l" defTabSz="914400" rtl="0" eaLnBrk="1" latinLnBrk="0" hangingPunct="1">
+              <a:defRPr sz="1800" kern="1200">
+                <a:solidFill>
+                  <a:schemeClr val="tx1"/>
+                </a:solidFill>
+                <a:latin typeface="+mn-lt"/>
+                <a:ea typeface="+mn-ea"/>
+                <a:cs typeface="+mn-cs"/>
+              </a:defRPr>
+            </a:lvl3pPr>
+            <a:lvl4pPr marL="1371600" algn="l" defTabSz="914400" rtl="0" eaLnBrk="1" latinLnBrk="0" hangingPunct="1">
+              <a:defRPr sz="1800" kern="1200">
+                <a:solidFill>
+                  <a:schemeClr val="tx1"/>
+                </a:solidFill>
+                <a:latin typeface="+mn-lt"/>
+                <a:ea typeface="+mn-ea"/>
+                <a:cs typeface="+mn-cs"/>
+              </a:defRPr>
+            </a:lvl4pPr>
+            <a:lvl5pPr marL="1828800" algn="l" defTabSz="914400" rtl="0" eaLnBrk="1" latinLnBrk="0" hangingPunct="1">
+              <a:defRPr sz="1800" kern="1200">
+                <a:solidFill>
+                  <a:schemeClr val="tx1"/>
+                </a:solidFill>
+                <a:latin typeface="+mn-lt"/>
+                <a:ea typeface="+mn-ea"/>
+                <a:cs typeface="+mn-cs"/>
+              </a:defRPr>
+            </a:lvl5pPr>
+            <a:lvl6pPr marL="2286000" algn="l" defTabSz="914400" rtl="0" eaLnBrk="1" latinLnBrk="0" hangingPunct="1">
+              <a:defRPr sz="1800" kern="1200">
+                <a:solidFill>
+                  <a:schemeClr val="tx1"/>
+                </a:solidFill>
+                <a:latin typeface="+mn-lt"/>
+                <a:ea typeface="+mn-ea"/>
+                <a:cs typeface="+mn-cs"/>
+              </a:defRPr>
+            </a:lvl6pPr>
+            <a:lvl7pPr marL="2743200" algn="l" defTabSz="914400" rtl="0" eaLnBrk="1" latinLnBrk="0" hangingPunct="1">
+              <a:defRPr sz="1800" kern="1200">
+                <a:solidFill>
+                  <a:schemeClr val="tx1"/>
+                </a:solidFill>
+                <a:latin typeface="+mn-lt"/>
+                <a:ea typeface="+mn-ea"/>
+                <a:cs typeface="+mn-cs"/>
+              </a:defRPr>
+            </a:lvl7pPr>
+            <a:lvl8pPr marL="3200400" algn="l" defTabSz="914400" rtl="0" eaLnBrk="1" latinLnBrk="0" hangingPunct="1">
+              <a:defRPr sz="1800" kern="1200">
+                <a:solidFill>
+                  <a:schemeClr val="tx1"/>
+                </a:solidFill>
+                <a:latin typeface="+mn-lt"/>
+                <a:ea typeface="+mn-ea"/>
+                <a:cs typeface="+mn-cs"/>
+              </a:defRPr>
+            </a:lvl8pPr>
+            <a:lvl9pPr marL="3657600" algn="l" defTabSz="914400" rtl="0" eaLnBrk="1" latinLnBrk="0" hangingPunct="1">
+              <a:defRPr sz="1800" kern="1200">
+                <a:solidFill>
+                  <a:schemeClr val="tx1"/>
+                </a:solidFill>
+                <a:latin typeface="+mn-lt"/>
+                <a:ea typeface="+mn-ea"/>
+                <a:cs typeface="+mn-cs"/>
+              </a:defRPr>
+            </a:lvl9pPr>
+          </a:lstStyle>
+          <a:p>
+            <a:fld id="{6761A50A-E866-45D7-A1D3-EBE681B6823E}" type="slidenum">
+              <a:rPr lang="ru-RU" sz="4000" b="1" smtClean="0">
+                <a:solidFill>
+                  <a:srgbClr val="FF0000"/>
+                </a:solidFill>
+                <a:effectLst>
+                  <a:outerShdw blurRad="38100" dist="38100" dir="2700000" algn="tl">
+                    <a:srgbClr val="000000">
+                      <a:alpha val="43137"/>
+                    </a:srgbClr>
+                  </a:outerShdw>
+                </a:effectLst>
+                <a:latin typeface="Times New Roman" panose="02020603050405020304" pitchFamily="18" charset="0"/>
+                <a:ea typeface="Tahoma" panose="020B0604030504040204" pitchFamily="34" charset="0"/>
+                <a:cs typeface="Times New Roman" panose="02020603050405020304" pitchFamily="18" charset="0"/>
+              </a:rPr>
+              <a:pPr/>
+              <a:t>6</a:t>
+            </a:fld>
+            <a:endParaRPr lang="ru-RU" sz="4000" b="1" dirty="0">
+              <a:solidFill>
+                <a:srgbClr val="FF0000"/>
+              </a:solidFill>
+              <a:effectLst>
+                <a:outerShdw blurRad="38100" dist="38100" dir="2700000" algn="tl">
+                  <a:srgbClr val="000000">
+                    <a:alpha val="43137"/>
+                  </a:srgbClr>
+                </a:outerShdw>
+              </a:effectLst>
+              <a:latin typeface="Times New Roman" panose="02020603050405020304" pitchFamily="18" charset="0"/>
+              <a:ea typeface="Tahoma" panose="020B0604030504040204" pitchFamily="34" charset="0"/>
+              <a:cs typeface="Times New Roman" panose="02020603050405020304" pitchFamily="18" charset="0"/>
+            </a:endParaRPr>
+          </a:p>
+        </p:txBody>
+      </p:sp>
       <p:pic>
         <p:nvPicPr>
-          <p:cNvPr id="11" name="Рисунок 10">
+          <p:cNvPr id="5" name="Рисунок 4">
             <a:hlinkClick r:id="rId2" action="ppaction://hlinksldjump"/>
             <a:extLst>
               <a:ext uri="{FF2B5EF4-FFF2-40B4-BE49-F238E27FC236}">
-                <a16:creationId xmlns:a16="http://schemas.microsoft.com/office/drawing/2014/main" id="{F0EABE1D-34EB-DC10-B23A-E9C6E7F85A04}"/>
+                <a16:creationId xmlns:a16="http://schemas.microsoft.com/office/drawing/2014/main" id="{F764E264-DD84-12DF-530B-1546A1FB9481}"/>
               </a:ext>
             </a:extLst>
           </p:cNvPr>
@@ -7886,8 +7615,8 @@
         </p:blipFill>
         <p:spPr>
           <a:xfrm>
-            <a:off x="30885" y="978619"/>
-            <a:ext cx="6065115" cy="2583732"/>
+            <a:off x="315913" y="598776"/>
+            <a:ext cx="5780088" cy="3041111"/>
           </a:xfrm>
           <a:prstGeom prst="rect">
             <a:avLst/>
@@ -7896,11 +7625,11 @@
       </p:pic>
       <p:pic>
         <p:nvPicPr>
-          <p:cNvPr id="13" name="Рисунок 12">
+          <p:cNvPr id="8" name="Рисунок 7">
             <a:hlinkClick r:id="rId4" action="ppaction://hlinksldjump"/>
             <a:extLst>
               <a:ext uri="{FF2B5EF4-FFF2-40B4-BE49-F238E27FC236}">
-                <a16:creationId xmlns:a16="http://schemas.microsoft.com/office/drawing/2014/main" id="{110608C2-55F7-22B4-3ED0-EBAFB2AD5020}"/>
+                <a16:creationId xmlns:a16="http://schemas.microsoft.com/office/drawing/2014/main" id="{4A83F0B3-0276-39B0-9D70-535C46D42577}"/>
               </a:ext>
             </a:extLst>
           </p:cNvPr>
@@ -7917,8 +7646,8 @@
         </p:blipFill>
         <p:spPr>
           <a:xfrm>
-            <a:off x="6652580" y="775039"/>
-            <a:ext cx="4805995" cy="2902949"/>
+            <a:off x="3501232" y="4184410"/>
+            <a:ext cx="4271168" cy="2179186"/>
           </a:xfrm>
           <a:prstGeom prst="rect">
             <a:avLst/>
@@ -7927,11 +7656,11 @@
       </p:pic>
       <p:pic>
         <p:nvPicPr>
-          <p:cNvPr id="15" name="Рисунок 14">
+          <p:cNvPr id="6" name="Рисунок 5">
             <a:hlinkClick r:id="rId6" action="ppaction://hlinksldjump"/>
             <a:extLst>
               <a:ext uri="{FF2B5EF4-FFF2-40B4-BE49-F238E27FC236}">
-                <a16:creationId xmlns:a16="http://schemas.microsoft.com/office/drawing/2014/main" id="{970E7797-8450-9C98-501C-D64FE7C84934}"/>
+                <a16:creationId xmlns:a16="http://schemas.microsoft.com/office/drawing/2014/main" id="{0BC86927-87DC-F4FD-18DE-CD744F6BCF61}"/>
               </a:ext>
             </a:extLst>
           </p:cNvPr>
@@ -7948,14 +7677,85 @@
         </p:blipFill>
         <p:spPr>
           <a:xfrm>
-            <a:off x="3718778" y="4370797"/>
-            <a:ext cx="3855781" cy="2038206"/>
+            <a:off x="6451174" y="1124250"/>
+            <a:ext cx="5639149" cy="2537165"/>
           </a:xfrm>
           <a:prstGeom prst="rect">
             <a:avLst/>
           </a:prstGeom>
         </p:spPr>
       </p:pic>
+      <p:sp>
+        <p:nvSpPr>
+          <p:cNvPr id="12" name="Заголовок 1">
+            <a:extLst>
+              <a:ext uri="{FF2B5EF4-FFF2-40B4-BE49-F238E27FC236}">
+                <a16:creationId xmlns:a16="http://schemas.microsoft.com/office/drawing/2014/main" id="{43CFC8BD-2475-71FD-4E3E-0D76BCB9B4D3}"/>
+              </a:ext>
+            </a:extLst>
+          </p:cNvPr>
+          <p:cNvSpPr txBox="1">
+            <a:spLocks/>
+          </p:cNvSpPr>
+          <p:nvPr/>
+        </p:nvSpPr>
+        <p:spPr>
+          <a:xfrm>
+            <a:off x="628649" y="13618"/>
+            <a:ext cx="10515600" cy="539750"/>
+          </a:xfrm>
+          <a:prstGeom prst="rect">
+            <a:avLst/>
+          </a:prstGeom>
+        </p:spPr>
+        <p:txBody>
+          <a:bodyPr vert="horz" lIns="91440" tIns="45720" rIns="91440" bIns="45720" rtlCol="0" anchor="ctr">
+            <a:noAutofit/>
+          </a:bodyPr>
+          <a:lstStyle>
+            <a:lvl1pPr algn="l" defTabSz="914400" rtl="0" eaLnBrk="1" latinLnBrk="0" hangingPunct="1">
+              <a:lnSpc>
+                <a:spcPct val="90000"/>
+              </a:lnSpc>
+              <a:spcBef>
+                <a:spcPct val="0"/>
+              </a:spcBef>
+              <a:buNone/>
+              <a:defRPr sz="4400" kern="1200">
+                <a:solidFill>
+                  <a:schemeClr val="tx1"/>
+                </a:solidFill>
+                <a:latin typeface="+mj-lt"/>
+                <a:ea typeface="+mj-ea"/>
+                <a:cs typeface="+mj-cs"/>
+              </a:defRPr>
+            </a:lvl1pPr>
+          </a:lstStyle>
+          <a:p>
+            <a:pPr algn="ctr"/>
+            <a:r>
+              <a:rPr lang="ru-RU" sz="4000" dirty="0">
+                <a:solidFill>
+                  <a:srgbClr val="000099"/>
+                </a:solidFill>
+                <a:effectLst>
+                  <a:outerShdw blurRad="38100" dist="38100" dir="2700000" algn="tl">
+                    <a:srgbClr val="C0C0C0"/>
+                  </a:outerShdw>
+                </a:effectLst>
+                <a:latin typeface="Calibri" pitchFamily="34" charset="0"/>
+                <a:ea typeface="+mn-ea"/>
+                <a:cs typeface="+mn-cs"/>
+              </a:rPr>
+              <a:t>Интерфейс системы</a:t>
+            </a:r>
+            <a:endParaRPr lang="ru-RU" sz="4000" b="1" dirty="0">
+              <a:latin typeface="Times New Roman" panose="02020603050405020304" pitchFamily="18" charset="0"/>
+              <a:cs typeface="Times New Roman" panose="02020603050405020304" pitchFamily="18" charset="0"/>
+            </a:endParaRPr>
+          </a:p>
+        </p:txBody>
+      </p:sp>
     </p:spTree>
     <p:extLst>
       <p:ext uri="{BB962C8B-B14F-4D97-AF65-F5344CB8AC3E}">
@@ -7986,52 +7786,6 @@
           <a:chExt cx="0" cy="0"/>
         </a:xfrm>
       </p:grpSpPr>
-      <p:sp>
-        <p:nvSpPr>
-          <p:cNvPr id="4" name="Номер слайда 3">
-            <a:extLst>
-              <a:ext uri="{FF2B5EF4-FFF2-40B4-BE49-F238E27FC236}">
-                <a16:creationId xmlns:a16="http://schemas.microsoft.com/office/drawing/2014/main" id="{98F33B15-489D-75D3-FBF9-EA9EA20E8DA4}"/>
-              </a:ext>
-            </a:extLst>
-          </p:cNvPr>
-          <p:cNvSpPr>
-            <a:spLocks noGrp="1"/>
-          </p:cNvSpPr>
-          <p:nvPr>
-            <p:ph type="sldNum" sz="quarter" idx="12"/>
-          </p:nvPr>
-        </p:nvSpPr>
-        <p:spPr>
-          <a:xfrm>
-            <a:off x="9144000" y="146050"/>
-            <a:ext cx="2743200" cy="365125"/>
-          </a:xfrm>
-        </p:spPr>
-        <p:txBody>
-          <a:bodyPr/>
-          <a:lstStyle/>
-          <a:p>
-            <a:fld id="{6761A50A-E866-45D7-A1D3-EBE681B6823E}" type="slidenum">
-              <a:rPr lang="ru-RU" sz="2000" smtClean="0">
-                <a:solidFill>
-                  <a:schemeClr val="tx1"/>
-                </a:solidFill>
-                <a:latin typeface="Times New Roman" panose="02020603050405020304" pitchFamily="18" charset="0"/>
-                <a:cs typeface="Times New Roman" panose="02020603050405020304" pitchFamily="18" charset="0"/>
-              </a:rPr>
-              <a:t>7</a:t>
-            </a:fld>
-            <a:endParaRPr lang="ru-RU" sz="2000" dirty="0">
-              <a:solidFill>
-                <a:schemeClr val="tx1"/>
-              </a:solidFill>
-              <a:latin typeface="Times New Roman" panose="02020603050405020304" pitchFamily="18" charset="0"/>
-              <a:cs typeface="Times New Roman" panose="02020603050405020304" pitchFamily="18" charset="0"/>
-            </a:endParaRPr>
-          </a:p>
-        </p:txBody>
-      </p:sp>
       <p:pic>
         <p:nvPicPr>
           <p:cNvPr id="11" name="Рисунок 10">
@@ -8106,6 +7860,166 @@
             </a:r>
             <a:endParaRPr lang="ru-RU" dirty="0">
               <a:latin typeface="Times New Roman" panose="02020603050405020304" pitchFamily="18" charset="0"/>
+              <a:cs typeface="Times New Roman" panose="02020603050405020304" pitchFamily="18" charset="0"/>
+            </a:endParaRPr>
+          </a:p>
+        </p:txBody>
+      </p:sp>
+      <p:sp>
+        <p:nvSpPr>
+          <p:cNvPr id="2" name="Номер слайда 3">
+            <a:extLst>
+              <a:ext uri="{FF2B5EF4-FFF2-40B4-BE49-F238E27FC236}">
+                <a16:creationId xmlns:a16="http://schemas.microsoft.com/office/drawing/2014/main" id="{17CA061A-4444-82ED-028A-A6E8747D1CC1}"/>
+              </a:ext>
+            </a:extLst>
+          </p:cNvPr>
+          <p:cNvSpPr txBox="1">
+            <a:spLocks/>
+          </p:cNvSpPr>
+          <p:nvPr/>
+        </p:nvSpPr>
+        <p:spPr>
+          <a:xfrm>
+            <a:off x="9347123" y="178593"/>
+            <a:ext cx="2743200" cy="365125"/>
+          </a:xfrm>
+          <a:prstGeom prst="rect">
+            <a:avLst/>
+          </a:prstGeom>
+        </p:spPr>
+        <p:txBody>
+          <a:bodyPr vert="horz" lIns="91440" tIns="45720" rIns="91440" bIns="45720" rtlCol="0" anchor="ctr"/>
+          <a:lstStyle>
+            <a:defPPr>
+              <a:defRPr lang="ru-RU"/>
+            </a:defPPr>
+            <a:lvl1pPr marL="0" algn="r" defTabSz="914400" rtl="0" eaLnBrk="1" latinLnBrk="0" hangingPunct="1">
+              <a:defRPr sz="1200" kern="1200">
+                <a:solidFill>
+                  <a:schemeClr val="tx1">
+                    <a:tint val="75000"/>
+                  </a:schemeClr>
+                </a:solidFill>
+                <a:latin typeface="+mn-lt"/>
+                <a:ea typeface="+mn-ea"/>
+                <a:cs typeface="+mn-cs"/>
+              </a:defRPr>
+            </a:lvl1pPr>
+            <a:lvl2pPr marL="457200" algn="l" defTabSz="914400" rtl="0" eaLnBrk="1" latinLnBrk="0" hangingPunct="1">
+              <a:defRPr sz="1800" kern="1200">
+                <a:solidFill>
+                  <a:schemeClr val="tx1"/>
+                </a:solidFill>
+                <a:latin typeface="+mn-lt"/>
+                <a:ea typeface="+mn-ea"/>
+                <a:cs typeface="+mn-cs"/>
+              </a:defRPr>
+            </a:lvl2pPr>
+            <a:lvl3pPr marL="914400" algn="l" defTabSz="914400" rtl="0" eaLnBrk="1" latinLnBrk="0" hangingPunct="1">
+              <a:defRPr sz="1800" kern="1200">
+                <a:solidFill>
+                  <a:schemeClr val="tx1"/>
+                </a:solidFill>
+                <a:latin typeface="+mn-lt"/>
+                <a:ea typeface="+mn-ea"/>
+                <a:cs typeface="+mn-cs"/>
+              </a:defRPr>
+            </a:lvl3pPr>
+            <a:lvl4pPr marL="1371600" algn="l" defTabSz="914400" rtl="0" eaLnBrk="1" latinLnBrk="0" hangingPunct="1">
+              <a:defRPr sz="1800" kern="1200">
+                <a:solidFill>
+                  <a:schemeClr val="tx1"/>
+                </a:solidFill>
+                <a:latin typeface="+mn-lt"/>
+                <a:ea typeface="+mn-ea"/>
+                <a:cs typeface="+mn-cs"/>
+              </a:defRPr>
+            </a:lvl4pPr>
+            <a:lvl5pPr marL="1828800" algn="l" defTabSz="914400" rtl="0" eaLnBrk="1" latinLnBrk="0" hangingPunct="1">
+              <a:defRPr sz="1800" kern="1200">
+                <a:solidFill>
+                  <a:schemeClr val="tx1"/>
+                </a:solidFill>
+                <a:latin typeface="+mn-lt"/>
+                <a:ea typeface="+mn-ea"/>
+                <a:cs typeface="+mn-cs"/>
+              </a:defRPr>
+            </a:lvl5pPr>
+            <a:lvl6pPr marL="2286000" algn="l" defTabSz="914400" rtl="0" eaLnBrk="1" latinLnBrk="0" hangingPunct="1">
+              <a:defRPr sz="1800" kern="1200">
+                <a:solidFill>
+                  <a:schemeClr val="tx1"/>
+                </a:solidFill>
+                <a:latin typeface="+mn-lt"/>
+                <a:ea typeface="+mn-ea"/>
+                <a:cs typeface="+mn-cs"/>
+              </a:defRPr>
+            </a:lvl6pPr>
+            <a:lvl7pPr marL="2743200" algn="l" defTabSz="914400" rtl="0" eaLnBrk="1" latinLnBrk="0" hangingPunct="1">
+              <a:defRPr sz="1800" kern="1200">
+                <a:solidFill>
+                  <a:schemeClr val="tx1"/>
+                </a:solidFill>
+                <a:latin typeface="+mn-lt"/>
+                <a:ea typeface="+mn-ea"/>
+                <a:cs typeface="+mn-cs"/>
+              </a:defRPr>
+            </a:lvl7pPr>
+            <a:lvl8pPr marL="3200400" algn="l" defTabSz="914400" rtl="0" eaLnBrk="1" latinLnBrk="0" hangingPunct="1">
+              <a:defRPr sz="1800" kern="1200">
+                <a:solidFill>
+                  <a:schemeClr val="tx1"/>
+                </a:solidFill>
+                <a:latin typeface="+mn-lt"/>
+                <a:ea typeface="+mn-ea"/>
+                <a:cs typeface="+mn-cs"/>
+              </a:defRPr>
+            </a:lvl8pPr>
+            <a:lvl9pPr marL="3657600" algn="l" defTabSz="914400" rtl="0" eaLnBrk="1" latinLnBrk="0" hangingPunct="1">
+              <a:defRPr sz="1800" kern="1200">
+                <a:solidFill>
+                  <a:schemeClr val="tx1"/>
+                </a:solidFill>
+                <a:latin typeface="+mn-lt"/>
+                <a:ea typeface="+mn-ea"/>
+                <a:cs typeface="+mn-cs"/>
+              </a:defRPr>
+            </a:lvl9pPr>
+          </a:lstStyle>
+          <a:p>
+            <a:fld id="{6761A50A-E866-45D7-A1D3-EBE681B6823E}" type="slidenum">
+              <a:rPr lang="ru-RU" sz="4000" b="1" smtClean="0">
+                <a:solidFill>
+                  <a:srgbClr val="FF0000"/>
+                </a:solidFill>
+                <a:effectLst>
+                  <a:outerShdw blurRad="38100" dist="38100" dir="2700000" algn="tl">
+                    <a:srgbClr val="000000">
+                      <a:alpha val="43137"/>
+                    </a:srgbClr>
+                  </a:outerShdw>
+                </a:effectLst>
+                <a:latin typeface="Times New Roman" panose="02020603050405020304" pitchFamily="18" charset="0"/>
+                <a:ea typeface="Tahoma" panose="020B0604030504040204" pitchFamily="34" charset="0"/>
+                <a:cs typeface="Times New Roman" panose="02020603050405020304" pitchFamily="18" charset="0"/>
+              </a:rPr>
+              <a:pPr/>
+              <a:t>7</a:t>
+            </a:fld>
+            <a:endParaRPr lang="ru-RU" sz="4000" b="1" dirty="0">
+              <a:solidFill>
+                <a:srgbClr val="FF0000"/>
+              </a:solidFill>
+              <a:effectLst>
+                <a:outerShdw blurRad="38100" dist="38100" dir="2700000" algn="tl">
+                  <a:srgbClr val="000000">
+                    <a:alpha val="43137"/>
+                  </a:srgbClr>
+                </a:outerShdw>
+              </a:effectLst>
+              <a:latin typeface="Times New Roman" panose="02020603050405020304" pitchFamily="18" charset="0"/>
+              <a:ea typeface="Tahoma" panose="020B0604030504040204" pitchFamily="34" charset="0"/>
               <a:cs typeface="Times New Roman" panose="02020603050405020304" pitchFamily="18" charset="0"/>
             </a:endParaRPr>
           </a:p>
@@ -8184,51 +8098,286 @@
       </p:sp>
       <p:sp>
         <p:nvSpPr>
-          <p:cNvPr id="4" name="Номер слайда 3">
-            <a:extLst>
-              <a:ext uri="{FF2B5EF4-FFF2-40B4-BE49-F238E27FC236}">
-                <a16:creationId xmlns:a16="http://schemas.microsoft.com/office/drawing/2014/main" id="{98F33B15-489D-75D3-FBF9-EA9EA20E8DA4}"/>
-              </a:ext>
-            </a:extLst>
-          </p:cNvPr>
-          <p:cNvSpPr>
-            <a:spLocks noGrp="1"/>
-          </p:cNvSpPr>
-          <p:nvPr>
-            <p:ph type="sldNum" sz="quarter" idx="12"/>
-          </p:nvPr>
+          <p:cNvPr id="8" name="TextBox 7">
+            <a:extLst>
+              <a:ext uri="{FF2B5EF4-FFF2-40B4-BE49-F238E27FC236}">
+                <a16:creationId xmlns:a16="http://schemas.microsoft.com/office/drawing/2014/main" id="{518436BE-DCD1-043C-94C1-1C203A8433F0}"/>
+              </a:ext>
+            </a:extLst>
+          </p:cNvPr>
+          <p:cNvSpPr txBox="1"/>
+          <p:nvPr/>
         </p:nvSpPr>
         <p:spPr>
           <a:xfrm>
-            <a:off x="9144000" y="147479"/>
+            <a:off x="254364" y="5117365"/>
+            <a:ext cx="3067050" cy="369332"/>
+          </a:xfrm>
+          <a:prstGeom prst="rect">
+            <a:avLst/>
+          </a:prstGeom>
+          <a:noFill/>
+        </p:spPr>
+        <p:txBody>
+          <a:bodyPr wrap="square" rtlCol="0">
+            <a:spAutoFit/>
+          </a:bodyPr>
+          <a:lstStyle/>
+          <a:p>
+            <a:r>
+              <a:rPr lang="ru-RU" dirty="0"/>
+              <a:t>Рисунок 7 – Модель </a:t>
+            </a:r>
+            <a:r>
+              <a:rPr lang="en-US" dirty="0"/>
+              <a:t>“Airport”</a:t>
+            </a:r>
+            <a:endParaRPr lang="ru-RU" dirty="0"/>
+          </a:p>
+        </p:txBody>
+      </p:sp>
+      <p:sp>
+        <p:nvSpPr>
+          <p:cNvPr id="12" name="TextBox 11">
+            <a:extLst>
+              <a:ext uri="{FF2B5EF4-FFF2-40B4-BE49-F238E27FC236}">
+                <a16:creationId xmlns:a16="http://schemas.microsoft.com/office/drawing/2014/main" id="{8F4299D6-7E92-B2AB-1662-2696179DE127}"/>
+              </a:ext>
+            </a:extLst>
+          </p:cNvPr>
+          <p:cNvSpPr txBox="1"/>
+          <p:nvPr/>
+        </p:nvSpPr>
+        <p:spPr>
+          <a:xfrm>
+            <a:off x="4562475" y="5119956"/>
+            <a:ext cx="3067050" cy="369332"/>
+          </a:xfrm>
+          <a:prstGeom prst="rect">
+            <a:avLst/>
+          </a:prstGeom>
+          <a:noFill/>
+        </p:spPr>
+        <p:txBody>
+          <a:bodyPr wrap="square" rtlCol="0">
+            <a:spAutoFit/>
+          </a:bodyPr>
+          <a:lstStyle/>
+          <a:p>
+            <a:r>
+              <a:rPr lang="ru-RU" dirty="0"/>
+              <a:t>Рисунок </a:t>
+            </a:r>
+            <a:r>
+              <a:rPr lang="en-US" dirty="0"/>
+              <a:t>8</a:t>
+            </a:r>
+            <a:r>
+              <a:rPr lang="ru-RU" dirty="0"/>
+              <a:t> – Контекст данных</a:t>
+            </a:r>
+          </a:p>
+        </p:txBody>
+      </p:sp>
+      <p:sp>
+        <p:nvSpPr>
+          <p:cNvPr id="20" name="TextBox 19">
+            <a:extLst>
+              <a:ext uri="{FF2B5EF4-FFF2-40B4-BE49-F238E27FC236}">
+                <a16:creationId xmlns:a16="http://schemas.microsoft.com/office/drawing/2014/main" id="{EAF49674-788A-4631-C5C5-AB32399C9D4C}"/>
+              </a:ext>
+            </a:extLst>
+          </p:cNvPr>
+          <p:cNvSpPr txBox="1"/>
+          <p:nvPr/>
+        </p:nvSpPr>
+        <p:spPr>
+          <a:xfrm>
+            <a:off x="8255491" y="5117365"/>
+            <a:ext cx="3872442" cy="369333"/>
+          </a:xfrm>
+          <a:prstGeom prst="rect">
+            <a:avLst/>
+          </a:prstGeom>
+          <a:noFill/>
+        </p:spPr>
+        <p:txBody>
+          <a:bodyPr wrap="square" rtlCol="0">
+            <a:spAutoFit/>
+          </a:bodyPr>
+          <a:lstStyle/>
+          <a:p>
+            <a:pPr algn="ctr"/>
+            <a:r>
+              <a:rPr lang="ru-RU" dirty="0"/>
+              <a:t>Рисунок </a:t>
+            </a:r>
+            <a:r>
+              <a:rPr lang="en-US" dirty="0"/>
+              <a:t>9</a:t>
+            </a:r>
+            <a:r>
+              <a:rPr lang="ru-RU" dirty="0"/>
+              <a:t> – Создание БД</a:t>
+            </a:r>
+          </a:p>
+        </p:txBody>
+      </p:sp>
+      <p:sp>
+        <p:nvSpPr>
+          <p:cNvPr id="5" name="Номер слайда 3">
+            <a:extLst>
+              <a:ext uri="{FF2B5EF4-FFF2-40B4-BE49-F238E27FC236}">
+                <a16:creationId xmlns:a16="http://schemas.microsoft.com/office/drawing/2014/main" id="{D277DD94-0496-921A-4908-B3371971C525}"/>
+              </a:ext>
+            </a:extLst>
+          </p:cNvPr>
+          <p:cNvSpPr txBox="1">
+            <a:spLocks/>
+          </p:cNvSpPr>
+          <p:nvPr/>
+        </p:nvSpPr>
+        <p:spPr>
+          <a:xfrm>
+            <a:off x="9347123" y="178593"/>
             <a:ext cx="2743200" cy="365125"/>
           </a:xfrm>
+          <a:prstGeom prst="rect">
+            <a:avLst/>
+          </a:prstGeom>
         </p:spPr>
         <p:txBody>
-          <a:bodyPr/>
-          <a:lstStyle/>
+          <a:bodyPr vert="horz" lIns="91440" tIns="45720" rIns="91440" bIns="45720" rtlCol="0" anchor="ctr"/>
+          <a:lstStyle>
+            <a:defPPr>
+              <a:defRPr lang="ru-RU"/>
+            </a:defPPr>
+            <a:lvl1pPr marL="0" algn="r" defTabSz="914400" rtl="0" eaLnBrk="1" latinLnBrk="0" hangingPunct="1">
+              <a:defRPr sz="1200" kern="1200">
+                <a:solidFill>
+                  <a:schemeClr val="tx1">
+                    <a:tint val="75000"/>
+                  </a:schemeClr>
+                </a:solidFill>
+                <a:latin typeface="+mn-lt"/>
+                <a:ea typeface="+mn-ea"/>
+                <a:cs typeface="+mn-cs"/>
+              </a:defRPr>
+            </a:lvl1pPr>
+            <a:lvl2pPr marL="457200" algn="l" defTabSz="914400" rtl="0" eaLnBrk="1" latinLnBrk="0" hangingPunct="1">
+              <a:defRPr sz="1800" kern="1200">
+                <a:solidFill>
+                  <a:schemeClr val="tx1"/>
+                </a:solidFill>
+                <a:latin typeface="+mn-lt"/>
+                <a:ea typeface="+mn-ea"/>
+                <a:cs typeface="+mn-cs"/>
+              </a:defRPr>
+            </a:lvl2pPr>
+            <a:lvl3pPr marL="914400" algn="l" defTabSz="914400" rtl="0" eaLnBrk="1" latinLnBrk="0" hangingPunct="1">
+              <a:defRPr sz="1800" kern="1200">
+                <a:solidFill>
+                  <a:schemeClr val="tx1"/>
+                </a:solidFill>
+                <a:latin typeface="+mn-lt"/>
+                <a:ea typeface="+mn-ea"/>
+                <a:cs typeface="+mn-cs"/>
+              </a:defRPr>
+            </a:lvl3pPr>
+            <a:lvl4pPr marL="1371600" algn="l" defTabSz="914400" rtl="0" eaLnBrk="1" latinLnBrk="0" hangingPunct="1">
+              <a:defRPr sz="1800" kern="1200">
+                <a:solidFill>
+                  <a:schemeClr val="tx1"/>
+                </a:solidFill>
+                <a:latin typeface="+mn-lt"/>
+                <a:ea typeface="+mn-ea"/>
+                <a:cs typeface="+mn-cs"/>
+              </a:defRPr>
+            </a:lvl4pPr>
+            <a:lvl5pPr marL="1828800" algn="l" defTabSz="914400" rtl="0" eaLnBrk="1" latinLnBrk="0" hangingPunct="1">
+              <a:defRPr sz="1800" kern="1200">
+                <a:solidFill>
+                  <a:schemeClr val="tx1"/>
+                </a:solidFill>
+                <a:latin typeface="+mn-lt"/>
+                <a:ea typeface="+mn-ea"/>
+                <a:cs typeface="+mn-cs"/>
+              </a:defRPr>
+            </a:lvl5pPr>
+            <a:lvl6pPr marL="2286000" algn="l" defTabSz="914400" rtl="0" eaLnBrk="1" latinLnBrk="0" hangingPunct="1">
+              <a:defRPr sz="1800" kern="1200">
+                <a:solidFill>
+                  <a:schemeClr val="tx1"/>
+                </a:solidFill>
+                <a:latin typeface="+mn-lt"/>
+                <a:ea typeface="+mn-ea"/>
+                <a:cs typeface="+mn-cs"/>
+              </a:defRPr>
+            </a:lvl6pPr>
+            <a:lvl7pPr marL="2743200" algn="l" defTabSz="914400" rtl="0" eaLnBrk="1" latinLnBrk="0" hangingPunct="1">
+              <a:defRPr sz="1800" kern="1200">
+                <a:solidFill>
+                  <a:schemeClr val="tx1"/>
+                </a:solidFill>
+                <a:latin typeface="+mn-lt"/>
+                <a:ea typeface="+mn-ea"/>
+                <a:cs typeface="+mn-cs"/>
+              </a:defRPr>
+            </a:lvl7pPr>
+            <a:lvl8pPr marL="3200400" algn="l" defTabSz="914400" rtl="0" eaLnBrk="1" latinLnBrk="0" hangingPunct="1">
+              <a:defRPr sz="1800" kern="1200">
+                <a:solidFill>
+                  <a:schemeClr val="tx1"/>
+                </a:solidFill>
+                <a:latin typeface="+mn-lt"/>
+                <a:ea typeface="+mn-ea"/>
+                <a:cs typeface="+mn-cs"/>
+              </a:defRPr>
+            </a:lvl8pPr>
+            <a:lvl9pPr marL="3657600" algn="l" defTabSz="914400" rtl="0" eaLnBrk="1" latinLnBrk="0" hangingPunct="1">
+              <a:defRPr sz="1800" kern="1200">
+                <a:solidFill>
+                  <a:schemeClr val="tx1"/>
+                </a:solidFill>
+                <a:latin typeface="+mn-lt"/>
+                <a:ea typeface="+mn-ea"/>
+                <a:cs typeface="+mn-cs"/>
+              </a:defRPr>
+            </a:lvl9pPr>
+          </a:lstStyle>
           <a:p>
             <a:fld id="{6761A50A-E866-45D7-A1D3-EBE681B6823E}" type="slidenum">
-              <a:rPr lang="ru-RU" sz="2000" smtClean="0">
-                <a:solidFill>
-                  <a:schemeClr val="tx1">
-                    <a:lumMod val="95000"/>
-                    <a:lumOff val="5000"/>
-                  </a:schemeClr>
-                </a:solidFill>
+              <a:rPr lang="ru-RU" sz="4000" b="1" smtClean="0">
+                <a:solidFill>
+                  <a:srgbClr val="FF0000"/>
+                </a:solidFill>
+                <a:effectLst>
+                  <a:outerShdw blurRad="38100" dist="38100" dir="2700000" algn="tl">
+                    <a:srgbClr val="000000">
+                      <a:alpha val="43137"/>
+                    </a:srgbClr>
+                  </a:outerShdw>
+                </a:effectLst>
                 <a:latin typeface="Times New Roman" panose="02020603050405020304" pitchFamily="18" charset="0"/>
+                <a:ea typeface="Tahoma" panose="020B0604030504040204" pitchFamily="34" charset="0"/>
                 <a:cs typeface="Times New Roman" panose="02020603050405020304" pitchFamily="18" charset="0"/>
               </a:rPr>
+              <a:pPr/>
               <a:t>8</a:t>
             </a:fld>
-            <a:endParaRPr lang="ru-RU" sz="2000" dirty="0">
+            <a:endParaRPr lang="ru-RU" sz="4000" b="1" dirty="0">
               <a:solidFill>
-                <a:schemeClr val="tx1">
-                  <a:lumMod val="95000"/>
-                  <a:lumOff val="5000"/>
-                </a:schemeClr>
+                <a:srgbClr val="FF0000"/>
               </a:solidFill>
+              <a:effectLst>
+                <a:outerShdw blurRad="38100" dist="38100" dir="2700000" algn="tl">
+                  <a:srgbClr val="000000">
+                    <a:alpha val="43137"/>
+                  </a:srgbClr>
+                </a:outerShdw>
+              </a:effectLst>
               <a:latin typeface="Times New Roman" panose="02020603050405020304" pitchFamily="18" charset="0"/>
+              <a:ea typeface="Tahoma" panose="020B0604030504040204" pitchFamily="34" charset="0"/>
               <a:cs typeface="Times New Roman" panose="02020603050405020304" pitchFamily="18" charset="0"/>
             </a:endParaRPr>
           </a:p>
@@ -8236,11 +8385,11 @@
       </p:sp>
       <p:pic>
         <p:nvPicPr>
-          <p:cNvPr id="3" name="Рисунок 2">
+          <p:cNvPr id="7" name="Рисунок 6">
             <a:hlinkClick r:id="rId2" action="ppaction://hlinksldjump"/>
             <a:extLst>
               <a:ext uri="{FF2B5EF4-FFF2-40B4-BE49-F238E27FC236}">
-                <a16:creationId xmlns:a16="http://schemas.microsoft.com/office/drawing/2014/main" id="{91D4FC16-4B6A-ECF7-AB18-BAFA5CD71FE3}"/>
+                <a16:creationId xmlns:a16="http://schemas.microsoft.com/office/drawing/2014/main" id="{5243FA50-A8BA-237D-DE25-A472D7C288D5}"/>
               </a:ext>
             </a:extLst>
           </p:cNvPr>
@@ -8257,104 +8406,21 @@
         </p:blipFill>
         <p:spPr>
           <a:xfrm>
-            <a:off x="304800" y="856932"/>
-            <a:ext cx="3026139" cy="2838768"/>
+            <a:off x="125412" y="1697528"/>
+            <a:ext cx="3502667" cy="3057035"/>
           </a:xfrm>
           <a:prstGeom prst="rect">
             <a:avLst/>
           </a:prstGeom>
         </p:spPr>
       </p:pic>
-      <p:sp>
-        <p:nvSpPr>
-          <p:cNvPr id="8" name="TextBox 7">
-            <a:extLst>
-              <a:ext uri="{FF2B5EF4-FFF2-40B4-BE49-F238E27FC236}">
-                <a16:creationId xmlns:a16="http://schemas.microsoft.com/office/drawing/2014/main" id="{518436BE-DCD1-043C-94C1-1C203A8433F0}"/>
-              </a:ext>
-            </a:extLst>
-          </p:cNvPr>
-          <p:cNvSpPr txBox="1"/>
-          <p:nvPr/>
-        </p:nvSpPr>
-        <p:spPr>
-          <a:xfrm>
-            <a:off x="263889" y="3849756"/>
-            <a:ext cx="3067050" cy="369332"/>
-          </a:xfrm>
-          <a:prstGeom prst="rect">
-            <a:avLst/>
-          </a:prstGeom>
-          <a:noFill/>
-        </p:spPr>
-        <p:txBody>
-          <a:bodyPr wrap="square" rtlCol="0">
-            <a:spAutoFit/>
-          </a:bodyPr>
-          <a:lstStyle/>
-          <a:p>
-            <a:r>
-              <a:rPr lang="ru-RU" dirty="0"/>
-              <a:t>Рисунок 7 – Модель </a:t>
-            </a:r>
-            <a:r>
-              <a:rPr lang="en-US" dirty="0"/>
-              <a:t>“Order”</a:t>
-            </a:r>
-            <a:endParaRPr lang="ru-RU" dirty="0"/>
-          </a:p>
-        </p:txBody>
-      </p:sp>
-      <p:sp>
-        <p:nvSpPr>
-          <p:cNvPr id="12" name="TextBox 11">
-            <a:extLst>
-              <a:ext uri="{FF2B5EF4-FFF2-40B4-BE49-F238E27FC236}">
-                <a16:creationId xmlns:a16="http://schemas.microsoft.com/office/drawing/2014/main" id="{8F4299D6-7E92-B2AB-1662-2696179DE127}"/>
-              </a:ext>
-            </a:extLst>
-          </p:cNvPr>
-          <p:cNvSpPr txBox="1"/>
-          <p:nvPr/>
-        </p:nvSpPr>
-        <p:spPr>
-          <a:xfrm>
-            <a:off x="4507268" y="2818363"/>
-            <a:ext cx="3067050" cy="369332"/>
-          </a:xfrm>
-          <a:prstGeom prst="rect">
-            <a:avLst/>
-          </a:prstGeom>
-          <a:noFill/>
-        </p:spPr>
-        <p:txBody>
-          <a:bodyPr wrap="square" rtlCol="0">
-            <a:spAutoFit/>
-          </a:bodyPr>
-          <a:lstStyle/>
-          <a:p>
-            <a:r>
-              <a:rPr lang="ru-RU" dirty="0"/>
-              <a:t>Рисунок </a:t>
-            </a:r>
-            <a:r>
-              <a:rPr lang="en-US" dirty="0"/>
-              <a:t>8</a:t>
-            </a:r>
-            <a:r>
-              <a:rPr lang="ru-RU" dirty="0"/>
-              <a:t> – Контекст данных</a:t>
-            </a:r>
-          </a:p>
-        </p:txBody>
-      </p:sp>
       <p:pic>
         <p:nvPicPr>
-          <p:cNvPr id="15" name="Рисунок 14">
+          <p:cNvPr id="10" name="Рисунок 9">
             <a:hlinkClick r:id="rId4" action="ppaction://hlinksldjump"/>
             <a:extLst>
               <a:ext uri="{FF2B5EF4-FFF2-40B4-BE49-F238E27FC236}">
-                <a16:creationId xmlns:a16="http://schemas.microsoft.com/office/drawing/2014/main" id="{7CD9D799-6114-DBA1-8779-29224447C30F}"/>
+                <a16:creationId xmlns:a16="http://schemas.microsoft.com/office/drawing/2014/main" id="{472F063C-9201-6922-86D6-E8AF6F059EE9}"/>
               </a:ext>
             </a:extLst>
           </p:cNvPr>
@@ -8371,8 +8437,8 @@
         </p:blipFill>
         <p:spPr>
           <a:xfrm>
-            <a:off x="3813886" y="856932"/>
-            <a:ext cx="4453814" cy="1841803"/>
+            <a:off x="4344667" y="2173651"/>
+            <a:ext cx="3502666" cy="2580912"/>
           </a:xfrm>
           <a:prstGeom prst="rect">
             <a:avLst/>
@@ -8381,11 +8447,10 @@
       </p:pic>
       <p:pic>
         <p:nvPicPr>
-          <p:cNvPr id="16" name="Рисунок 15">
-            <a:hlinkClick r:id="rId4" action="ppaction://hlinksldjump"/>
-            <a:extLst>
-              <a:ext uri="{FF2B5EF4-FFF2-40B4-BE49-F238E27FC236}">
-                <a16:creationId xmlns:a16="http://schemas.microsoft.com/office/drawing/2014/main" id="{A63271DD-4AD2-823A-7779-4676B4E741DC}"/>
+          <p:cNvPr id="11" name="Рисунок 10">
+            <a:extLst>
+              <a:ext uri="{FF2B5EF4-FFF2-40B4-BE49-F238E27FC236}">
+                <a16:creationId xmlns:a16="http://schemas.microsoft.com/office/drawing/2014/main" id="{84AC364B-7110-DD86-FEDE-DF43C92013E7}"/>
               </a:ext>
             </a:extLst>
           </p:cNvPr>
@@ -8402,248 +8467,8 @@
         </p:blipFill>
         <p:spPr>
           <a:xfrm>
-            <a:off x="203200" y="5537518"/>
-            <a:ext cx="5365750" cy="463550"/>
-          </a:xfrm>
-          <a:prstGeom prst="rect">
-            <a:avLst/>
-          </a:prstGeom>
-        </p:spPr>
-      </p:pic>
-      <p:sp>
-        <p:nvSpPr>
-          <p:cNvPr id="17" name="TextBox 16">
-            <a:extLst>
-              <a:ext uri="{FF2B5EF4-FFF2-40B4-BE49-F238E27FC236}">
-                <a16:creationId xmlns:a16="http://schemas.microsoft.com/office/drawing/2014/main" id="{04501674-7C64-8F5B-7077-3D9171B9ADED}"/>
-              </a:ext>
-            </a:extLst>
-          </p:cNvPr>
-          <p:cNvSpPr txBox="1"/>
-          <p:nvPr/>
-        </p:nvSpPr>
-        <p:spPr>
-          <a:xfrm>
-            <a:off x="1114424" y="6136438"/>
-            <a:ext cx="3785659" cy="369332"/>
-          </a:xfrm>
-          <a:prstGeom prst="rect">
-            <a:avLst/>
-          </a:prstGeom>
-          <a:noFill/>
-        </p:spPr>
-        <p:txBody>
-          <a:bodyPr wrap="square" rtlCol="0">
-            <a:spAutoFit/>
-          </a:bodyPr>
-          <a:lstStyle/>
-          <a:p>
-            <a:r>
-              <a:rPr lang="ru-RU" dirty="0"/>
-              <a:t>Рисунок </a:t>
-            </a:r>
-            <a:r>
-              <a:rPr lang="en-US" dirty="0"/>
-              <a:t>9</a:t>
-            </a:r>
-            <a:r>
-              <a:rPr lang="ru-RU" dirty="0"/>
-              <a:t> – Настройка подключения</a:t>
-            </a:r>
-          </a:p>
-        </p:txBody>
-      </p:sp>
-      <p:pic>
-        <p:nvPicPr>
-          <p:cNvPr id="18" name="Рисунок 17">
-            <a:extLst>
-              <a:ext uri="{FF2B5EF4-FFF2-40B4-BE49-F238E27FC236}">
-                <a16:creationId xmlns:a16="http://schemas.microsoft.com/office/drawing/2014/main" id="{C1FF8534-203F-2308-B69E-0431E3FF60ED}"/>
-              </a:ext>
-            </a:extLst>
-          </p:cNvPr>
-          <p:cNvPicPr>
-            <a:picLocks noChangeAspect="1"/>
-          </p:cNvPicPr>
-          <p:nvPr/>
-        </p:nvPicPr>
-        <p:blipFill>
-          <a:blip r:embed="rId7"/>
-          <a:stretch>
-            <a:fillRect/>
-          </a:stretch>
-        </p:blipFill>
-        <p:spPr>
-          <a:xfrm>
-            <a:off x="8429625" y="1110731"/>
-            <a:ext cx="3590925" cy="1171575"/>
-          </a:xfrm>
-          <a:prstGeom prst="rect">
-            <a:avLst/>
-          </a:prstGeom>
-        </p:spPr>
-      </p:pic>
-      <p:sp>
-        <p:nvSpPr>
-          <p:cNvPr id="20" name="TextBox 19">
-            <a:extLst>
-              <a:ext uri="{FF2B5EF4-FFF2-40B4-BE49-F238E27FC236}">
-                <a16:creationId xmlns:a16="http://schemas.microsoft.com/office/drawing/2014/main" id="{EAF49674-788A-4631-C5C5-AB32399C9D4C}"/>
-              </a:ext>
-            </a:extLst>
-          </p:cNvPr>
-          <p:cNvSpPr txBox="1"/>
-          <p:nvPr/>
-        </p:nvSpPr>
-        <p:spPr>
-          <a:xfrm>
-            <a:off x="8319558" y="2384677"/>
-            <a:ext cx="3872442" cy="369333"/>
-          </a:xfrm>
-          <a:prstGeom prst="rect">
-            <a:avLst/>
-          </a:prstGeom>
-          <a:noFill/>
-        </p:spPr>
-        <p:txBody>
-          <a:bodyPr wrap="square" rtlCol="0">
-            <a:spAutoFit/>
-          </a:bodyPr>
-          <a:lstStyle/>
-          <a:p>
-            <a:pPr algn="ctr"/>
-            <a:r>
-              <a:rPr lang="ru-RU" dirty="0"/>
-              <a:t>Рисунок 10 – Создание БД</a:t>
-            </a:r>
-          </a:p>
-        </p:txBody>
-      </p:sp>
-      <p:pic>
-        <p:nvPicPr>
-          <p:cNvPr id="21" name="Рисунок 20">
-            <a:extLst>
-              <a:ext uri="{FF2B5EF4-FFF2-40B4-BE49-F238E27FC236}">
-                <a16:creationId xmlns:a16="http://schemas.microsoft.com/office/drawing/2014/main" id="{D8E1C4BB-DD42-1E4F-8250-F48262F20E3A}"/>
-              </a:ext>
-            </a:extLst>
-          </p:cNvPr>
-          <p:cNvPicPr>
-            <a:picLocks noChangeAspect="1"/>
-          </p:cNvPicPr>
-          <p:nvPr/>
-        </p:nvPicPr>
-        <p:blipFill>
-          <a:blip r:embed="rId8"/>
-          <a:stretch>
-            <a:fillRect/>
-          </a:stretch>
-        </p:blipFill>
-        <p:spPr>
-          <a:xfrm>
-            <a:off x="4030662" y="3601233"/>
-            <a:ext cx="5940425" cy="617855"/>
-          </a:xfrm>
-          <a:prstGeom prst="rect">
-            <a:avLst/>
-          </a:prstGeom>
-        </p:spPr>
-      </p:pic>
-      <p:sp>
-        <p:nvSpPr>
-          <p:cNvPr id="22" name="TextBox 21">
-            <a:extLst>
-              <a:ext uri="{FF2B5EF4-FFF2-40B4-BE49-F238E27FC236}">
-                <a16:creationId xmlns:a16="http://schemas.microsoft.com/office/drawing/2014/main" id="{EF99DC95-B597-47FB-985C-024D8D6A9A9B}"/>
-              </a:ext>
-            </a:extLst>
-          </p:cNvPr>
-          <p:cNvSpPr txBox="1"/>
-          <p:nvPr/>
-        </p:nvSpPr>
-        <p:spPr>
-          <a:xfrm>
-            <a:off x="4982896" y="4321459"/>
-            <a:ext cx="4035956" cy="369332"/>
-          </a:xfrm>
-          <a:prstGeom prst="rect">
-            <a:avLst/>
-          </a:prstGeom>
-          <a:noFill/>
-        </p:spPr>
-        <p:txBody>
-          <a:bodyPr wrap="square" rtlCol="0">
-            <a:spAutoFit/>
-          </a:bodyPr>
-          <a:lstStyle/>
-          <a:p>
-            <a:r>
-              <a:rPr lang="ru-RU" dirty="0"/>
-              <a:t>Рисунок 11 – Настройка подключения</a:t>
-            </a:r>
-          </a:p>
-        </p:txBody>
-      </p:sp>
-      <p:sp>
-        <p:nvSpPr>
-          <p:cNvPr id="24" name="TextBox 23">
-            <a:extLst>
-              <a:ext uri="{FF2B5EF4-FFF2-40B4-BE49-F238E27FC236}">
-                <a16:creationId xmlns:a16="http://schemas.microsoft.com/office/drawing/2014/main" id="{3CB8EAFA-1C52-C6F9-E487-B2826D17F33F}"/>
-              </a:ext>
-            </a:extLst>
-          </p:cNvPr>
-          <p:cNvSpPr txBox="1"/>
-          <p:nvPr/>
-        </p:nvSpPr>
-        <p:spPr>
-          <a:xfrm>
-            <a:off x="6583096" y="6179601"/>
-            <a:ext cx="4494480" cy="369332"/>
-          </a:xfrm>
-          <a:prstGeom prst="rect">
-            <a:avLst/>
-          </a:prstGeom>
-          <a:noFill/>
-        </p:spPr>
-        <p:txBody>
-          <a:bodyPr wrap="square" rtlCol="0">
-            <a:spAutoFit/>
-          </a:bodyPr>
-          <a:lstStyle/>
-          <a:p>
-            <a:r>
-              <a:rPr lang="ru-RU" dirty="0"/>
-              <a:t>Рисунок 12 – Добавление данных в таблицу</a:t>
-            </a:r>
-          </a:p>
-        </p:txBody>
-      </p:sp>
-      <p:pic>
-        <p:nvPicPr>
-          <p:cNvPr id="26" name="Рисунок 25">
-            <a:hlinkClick r:id="rId9" action="ppaction://hlinksldjump"/>
-            <a:extLst>
-              <a:ext uri="{FF2B5EF4-FFF2-40B4-BE49-F238E27FC236}">
-                <a16:creationId xmlns:a16="http://schemas.microsoft.com/office/drawing/2014/main" id="{CC631C21-FA93-3447-CBA9-F1D9C7B34633}"/>
-              </a:ext>
-            </a:extLst>
-          </p:cNvPr>
-          <p:cNvPicPr>
-            <a:picLocks noChangeAspect="1"/>
-          </p:cNvPicPr>
-          <p:nvPr/>
-        </p:nvPicPr>
-        <p:blipFill>
-          <a:blip r:embed="rId10"/>
-          <a:stretch>
-            <a:fillRect/>
-          </a:stretch>
-        </p:blipFill>
-        <p:spPr>
-          <a:xfrm>
-            <a:off x="5981700" y="5647450"/>
-            <a:ext cx="5667375" cy="390663"/>
+            <a:off x="8316836" y="3105736"/>
+            <a:ext cx="3749752" cy="1648827"/>
           </a:xfrm>
           <a:prstGeom prst="rect">
             <a:avLst/>
@@ -8698,7 +8523,7 @@
         </p:nvSpPr>
         <p:spPr>
           <a:xfrm>
-            <a:off x="838199" y="-57561"/>
+            <a:off x="838199" y="-72418"/>
             <a:ext cx="10515600" cy="867146"/>
           </a:xfrm>
         </p:spPr>
@@ -8710,55 +8535,22 @@
           <a:p>
             <a:pPr algn="ctr"/>
             <a:r>
-              <a:rPr lang="ru-RU" sz="2000" b="1" dirty="0">
-                <a:latin typeface="Times New Roman" panose="02020603050405020304" pitchFamily="18" charset="0"/>
-                <a:cs typeface="Times New Roman" panose="02020603050405020304" pitchFamily="18" charset="0"/>
-              </a:rPr>
-              <a:t>БАЗА ДАННЫХ</a:t>
-            </a:r>
-          </a:p>
-        </p:txBody>
-      </p:sp>
-      <p:sp>
-        <p:nvSpPr>
-          <p:cNvPr id="4" name="Номер слайда 3">
-            <a:extLst>
-              <a:ext uri="{FF2B5EF4-FFF2-40B4-BE49-F238E27FC236}">
-                <a16:creationId xmlns:a16="http://schemas.microsoft.com/office/drawing/2014/main" id="{6F7D3EEF-6B69-1436-A82F-0D77DFF39DC3}"/>
-              </a:ext>
-            </a:extLst>
-          </p:cNvPr>
-          <p:cNvSpPr>
-            <a:spLocks noGrp="1"/>
-          </p:cNvSpPr>
-          <p:nvPr>
-            <p:ph type="sldNum" sz="quarter" idx="12"/>
-          </p:nvPr>
-        </p:nvSpPr>
-        <p:spPr>
-          <a:xfrm>
-            <a:off x="9448800" y="10887"/>
-            <a:ext cx="2743200" cy="365125"/>
-          </a:xfrm>
-        </p:spPr>
-        <p:txBody>
-          <a:bodyPr/>
-          <a:lstStyle/>
-          <a:p>
-            <a:fld id="{6761A50A-E866-45D7-A1D3-EBE681B6823E}" type="slidenum">
-              <a:rPr lang="ru-RU" sz="2000" smtClean="0">
-                <a:solidFill>
-                  <a:schemeClr val="tx1"/>
-                </a:solidFill>
-                <a:latin typeface="Times New Roman" panose="02020603050405020304" pitchFamily="18" charset="0"/>
-                <a:cs typeface="Times New Roman" panose="02020603050405020304" pitchFamily="18" charset="0"/>
-              </a:rPr>
-              <a:t>9</a:t>
-            </a:fld>
-            <a:endParaRPr lang="ru-RU" sz="2000" dirty="0">
-              <a:solidFill>
-                <a:schemeClr val="tx1"/>
-              </a:solidFill>
+              <a:rPr lang="ru-RU" sz="3600" dirty="0">
+                <a:solidFill>
+                  <a:srgbClr val="000099"/>
+                </a:solidFill>
+                <a:effectLst>
+                  <a:outerShdw blurRad="38100" dist="38100" dir="2700000" algn="tl">
+                    <a:srgbClr val="C0C0C0"/>
+                  </a:outerShdw>
+                </a:effectLst>
+                <a:latin typeface="Calibri" pitchFamily="34" charset="0"/>
+                <a:ea typeface="+mn-ea"/>
+                <a:cs typeface="+mn-cs"/>
+              </a:rPr>
+              <a:t>Базы данных</a:t>
+            </a:r>
+            <a:endParaRPr lang="ru-RU" sz="3600" b="1" dirty="0">
               <a:latin typeface="Times New Roman" panose="02020603050405020304" pitchFamily="18" charset="0"/>
               <a:cs typeface="Times New Roman" panose="02020603050405020304" pitchFamily="18" charset="0"/>
             </a:endParaRPr>
@@ -8798,35 +8590,21 @@
                 <a:latin typeface="Times New Roman" panose="02020603050405020304" pitchFamily="18" charset="0"/>
                 <a:cs typeface="Times New Roman" panose="02020603050405020304" pitchFamily="18" charset="0"/>
               </a:rPr>
-              <a:t>Рисунок 1</a:t>
+              <a:t>Рисунок 10 – Таблица </a:t>
             </a:r>
             <a:r>
               <a:rPr lang="en-US" dirty="0">
                 <a:latin typeface="Times New Roman" panose="02020603050405020304" pitchFamily="18" charset="0"/>
                 <a:cs typeface="Times New Roman" panose="02020603050405020304" pitchFamily="18" charset="0"/>
               </a:rPr>
-              <a:t>3</a:t>
+              <a:t>“</a:t>
             </a:r>
             <a:r>
               <a:rPr lang="ru-RU" dirty="0">
                 <a:latin typeface="Times New Roman" panose="02020603050405020304" pitchFamily="18" charset="0"/>
                 <a:cs typeface="Times New Roman" panose="02020603050405020304" pitchFamily="18" charset="0"/>
               </a:rPr>
-              <a:t> – Таблица </a:t>
-            </a:r>
-            <a:r>
-              <a:rPr lang="en-US" dirty="0">
-                <a:latin typeface="Times New Roman" panose="02020603050405020304" pitchFamily="18" charset="0"/>
-                <a:cs typeface="Times New Roman" panose="02020603050405020304" pitchFamily="18" charset="0"/>
-              </a:rPr>
-              <a:t>“</a:t>
-            </a:r>
-            <a:r>
-              <a:rPr lang="ru-RU" dirty="0">
-                <a:latin typeface="Times New Roman" panose="02020603050405020304" pitchFamily="18" charset="0"/>
-                <a:cs typeface="Times New Roman" panose="02020603050405020304" pitchFamily="18" charset="0"/>
-              </a:rPr>
-              <a:t>Заказы</a:t>
+              <a:t>Самолеты</a:t>
             </a:r>
             <a:r>
               <a:rPr lang="en-US" dirty="0">
@@ -8857,6 +8635,69 @@
         <p:spPr>
           <a:xfrm>
             <a:off x="6983504" y="2409140"/>
+            <a:ext cx="4370295" cy="369333"/>
+          </a:xfrm>
+          <a:prstGeom prst="rect">
+            <a:avLst/>
+          </a:prstGeom>
+          <a:noFill/>
+        </p:spPr>
+        <p:txBody>
+          <a:bodyPr wrap="square" rtlCol="0">
+            <a:spAutoFit/>
+          </a:bodyPr>
+          <a:lstStyle/>
+          <a:p>
+            <a:r>
+              <a:rPr lang="ru-RU" dirty="0">
+                <a:latin typeface="Times New Roman" panose="02020603050405020304" pitchFamily="18" charset="0"/>
+                <a:cs typeface="Times New Roman" panose="02020603050405020304" pitchFamily="18" charset="0"/>
+              </a:rPr>
+              <a:t>Рисунок 11 – Таблица </a:t>
+            </a:r>
+            <a:r>
+              <a:rPr lang="en-US" dirty="0">
+                <a:latin typeface="Times New Roman" panose="02020603050405020304" pitchFamily="18" charset="0"/>
+                <a:cs typeface="Times New Roman" panose="02020603050405020304" pitchFamily="18" charset="0"/>
+              </a:rPr>
+              <a:t>“</a:t>
+            </a:r>
+            <a:r>
+              <a:rPr lang="ru-RU" dirty="0">
+                <a:latin typeface="Times New Roman" panose="02020603050405020304" pitchFamily="18" charset="0"/>
+                <a:cs typeface="Times New Roman" panose="02020603050405020304" pitchFamily="18" charset="0"/>
+              </a:rPr>
+              <a:t>Конечные пункты</a:t>
+            </a:r>
+            <a:r>
+              <a:rPr lang="en-US" dirty="0">
+                <a:latin typeface="Times New Roman" panose="02020603050405020304" pitchFamily="18" charset="0"/>
+                <a:cs typeface="Times New Roman" panose="02020603050405020304" pitchFamily="18" charset="0"/>
+              </a:rPr>
+              <a:t>”</a:t>
+            </a:r>
+            <a:endParaRPr lang="ru-RU" dirty="0">
+              <a:latin typeface="Times New Roman" panose="02020603050405020304" pitchFamily="18" charset="0"/>
+              <a:cs typeface="Times New Roman" panose="02020603050405020304" pitchFamily="18" charset="0"/>
+            </a:endParaRPr>
+          </a:p>
+        </p:txBody>
+      </p:sp>
+      <p:sp>
+        <p:nvSpPr>
+          <p:cNvPr id="22" name="TextBox 21">
+            <a:extLst>
+              <a:ext uri="{FF2B5EF4-FFF2-40B4-BE49-F238E27FC236}">
+                <a16:creationId xmlns:a16="http://schemas.microsoft.com/office/drawing/2014/main" id="{2F892832-DCE4-06C4-99D1-4A7A21A65DAB}"/>
+              </a:ext>
+            </a:extLst>
+          </p:cNvPr>
+          <p:cNvSpPr txBox="1"/>
+          <p:nvPr/>
+        </p:nvSpPr>
+        <p:spPr>
+          <a:xfrm>
+            <a:off x="4109112" y="6159660"/>
             <a:ext cx="3973775" cy="369332"/>
           </a:xfrm>
           <a:prstGeom prst="rect">
@@ -8875,35 +8716,21 @@
                 <a:latin typeface="Times New Roman" panose="02020603050405020304" pitchFamily="18" charset="0"/>
                 <a:cs typeface="Times New Roman" panose="02020603050405020304" pitchFamily="18" charset="0"/>
               </a:rPr>
-              <a:t>Рисунок 1</a:t>
+              <a:t>Рисунок 12 – Таблица </a:t>
             </a:r>
             <a:r>
               <a:rPr lang="en-US" dirty="0">
                 <a:latin typeface="Times New Roman" panose="02020603050405020304" pitchFamily="18" charset="0"/>
                 <a:cs typeface="Times New Roman" panose="02020603050405020304" pitchFamily="18" charset="0"/>
               </a:rPr>
-              <a:t>4</a:t>
+              <a:t>“</a:t>
             </a:r>
             <a:r>
               <a:rPr lang="ru-RU" dirty="0">
                 <a:latin typeface="Times New Roman" panose="02020603050405020304" pitchFamily="18" charset="0"/>
                 <a:cs typeface="Times New Roman" panose="02020603050405020304" pitchFamily="18" charset="0"/>
               </a:rPr>
-              <a:t> – Таблица </a:t>
-            </a:r>
-            <a:r>
-              <a:rPr lang="en-US" dirty="0">
-                <a:latin typeface="Times New Roman" panose="02020603050405020304" pitchFamily="18" charset="0"/>
-                <a:cs typeface="Times New Roman" panose="02020603050405020304" pitchFamily="18" charset="0"/>
-              </a:rPr>
-              <a:t>“</a:t>
-            </a:r>
-            <a:r>
-              <a:rPr lang="ru-RU" dirty="0">
-                <a:latin typeface="Times New Roman" panose="02020603050405020304" pitchFamily="18" charset="0"/>
-                <a:cs typeface="Times New Roman" panose="02020603050405020304" pitchFamily="18" charset="0"/>
-              </a:rPr>
-              <a:t>Пользователи</a:t>
+              <a:t>Аэропорты</a:t>
             </a:r>
             <a:r>
               <a:rPr lang="en-US" dirty="0">
@@ -8919,21 +8746,179 @@
           </a:p>
         </p:txBody>
       </p:sp>
+      <p:sp>
+        <p:nvSpPr>
+          <p:cNvPr id="3" name="Номер слайда 3">
+            <a:extLst>
+              <a:ext uri="{FF2B5EF4-FFF2-40B4-BE49-F238E27FC236}">
+                <a16:creationId xmlns:a16="http://schemas.microsoft.com/office/drawing/2014/main" id="{2DC3E95F-28D2-2BEC-0F97-03BC11AB8335}"/>
+              </a:ext>
+            </a:extLst>
+          </p:cNvPr>
+          <p:cNvSpPr txBox="1">
+            <a:spLocks/>
+          </p:cNvSpPr>
+          <p:nvPr/>
+        </p:nvSpPr>
+        <p:spPr>
+          <a:xfrm>
+            <a:off x="9347123" y="178593"/>
+            <a:ext cx="2743200" cy="365125"/>
+          </a:xfrm>
+          <a:prstGeom prst="rect">
+            <a:avLst/>
+          </a:prstGeom>
+        </p:spPr>
+        <p:txBody>
+          <a:bodyPr vert="horz" lIns="91440" tIns="45720" rIns="91440" bIns="45720" rtlCol="0" anchor="ctr"/>
+          <a:lstStyle>
+            <a:defPPr>
+              <a:defRPr lang="ru-RU"/>
+            </a:defPPr>
+            <a:lvl1pPr marL="0" algn="r" defTabSz="914400" rtl="0" eaLnBrk="1" latinLnBrk="0" hangingPunct="1">
+              <a:defRPr sz="1200" kern="1200">
+                <a:solidFill>
+                  <a:schemeClr val="tx1">
+                    <a:tint val="75000"/>
+                  </a:schemeClr>
+                </a:solidFill>
+                <a:latin typeface="+mn-lt"/>
+                <a:ea typeface="+mn-ea"/>
+                <a:cs typeface="+mn-cs"/>
+              </a:defRPr>
+            </a:lvl1pPr>
+            <a:lvl2pPr marL="457200" algn="l" defTabSz="914400" rtl="0" eaLnBrk="1" latinLnBrk="0" hangingPunct="1">
+              <a:defRPr sz="1800" kern="1200">
+                <a:solidFill>
+                  <a:schemeClr val="tx1"/>
+                </a:solidFill>
+                <a:latin typeface="+mn-lt"/>
+                <a:ea typeface="+mn-ea"/>
+                <a:cs typeface="+mn-cs"/>
+              </a:defRPr>
+            </a:lvl2pPr>
+            <a:lvl3pPr marL="914400" algn="l" defTabSz="914400" rtl="0" eaLnBrk="1" latinLnBrk="0" hangingPunct="1">
+              <a:defRPr sz="1800" kern="1200">
+                <a:solidFill>
+                  <a:schemeClr val="tx1"/>
+                </a:solidFill>
+                <a:latin typeface="+mn-lt"/>
+                <a:ea typeface="+mn-ea"/>
+                <a:cs typeface="+mn-cs"/>
+              </a:defRPr>
+            </a:lvl3pPr>
+            <a:lvl4pPr marL="1371600" algn="l" defTabSz="914400" rtl="0" eaLnBrk="1" latinLnBrk="0" hangingPunct="1">
+              <a:defRPr sz="1800" kern="1200">
+                <a:solidFill>
+                  <a:schemeClr val="tx1"/>
+                </a:solidFill>
+                <a:latin typeface="+mn-lt"/>
+                <a:ea typeface="+mn-ea"/>
+                <a:cs typeface="+mn-cs"/>
+              </a:defRPr>
+            </a:lvl4pPr>
+            <a:lvl5pPr marL="1828800" algn="l" defTabSz="914400" rtl="0" eaLnBrk="1" latinLnBrk="0" hangingPunct="1">
+              <a:defRPr sz="1800" kern="1200">
+                <a:solidFill>
+                  <a:schemeClr val="tx1"/>
+                </a:solidFill>
+                <a:latin typeface="+mn-lt"/>
+                <a:ea typeface="+mn-ea"/>
+                <a:cs typeface="+mn-cs"/>
+              </a:defRPr>
+            </a:lvl5pPr>
+            <a:lvl6pPr marL="2286000" algn="l" defTabSz="914400" rtl="0" eaLnBrk="1" latinLnBrk="0" hangingPunct="1">
+              <a:defRPr sz="1800" kern="1200">
+                <a:solidFill>
+                  <a:schemeClr val="tx1"/>
+                </a:solidFill>
+                <a:latin typeface="+mn-lt"/>
+                <a:ea typeface="+mn-ea"/>
+                <a:cs typeface="+mn-cs"/>
+              </a:defRPr>
+            </a:lvl6pPr>
+            <a:lvl7pPr marL="2743200" algn="l" defTabSz="914400" rtl="0" eaLnBrk="1" latinLnBrk="0" hangingPunct="1">
+              <a:defRPr sz="1800" kern="1200">
+                <a:solidFill>
+                  <a:schemeClr val="tx1"/>
+                </a:solidFill>
+                <a:latin typeface="+mn-lt"/>
+                <a:ea typeface="+mn-ea"/>
+                <a:cs typeface="+mn-cs"/>
+              </a:defRPr>
+            </a:lvl7pPr>
+            <a:lvl8pPr marL="3200400" algn="l" defTabSz="914400" rtl="0" eaLnBrk="1" latinLnBrk="0" hangingPunct="1">
+              <a:defRPr sz="1800" kern="1200">
+                <a:solidFill>
+                  <a:schemeClr val="tx1"/>
+                </a:solidFill>
+                <a:latin typeface="+mn-lt"/>
+                <a:ea typeface="+mn-ea"/>
+                <a:cs typeface="+mn-cs"/>
+              </a:defRPr>
+            </a:lvl8pPr>
+            <a:lvl9pPr marL="3657600" algn="l" defTabSz="914400" rtl="0" eaLnBrk="1" latinLnBrk="0" hangingPunct="1">
+              <a:defRPr sz="1800" kern="1200">
+                <a:solidFill>
+                  <a:schemeClr val="tx1"/>
+                </a:solidFill>
+                <a:latin typeface="+mn-lt"/>
+                <a:ea typeface="+mn-ea"/>
+                <a:cs typeface="+mn-cs"/>
+              </a:defRPr>
+            </a:lvl9pPr>
+          </a:lstStyle>
+          <a:p>
+            <a:fld id="{6761A50A-E866-45D7-A1D3-EBE681B6823E}" type="slidenum">
+              <a:rPr lang="ru-RU" sz="4000" b="1" smtClean="0">
+                <a:solidFill>
+                  <a:srgbClr val="FF0000"/>
+                </a:solidFill>
+                <a:effectLst>
+                  <a:outerShdw blurRad="38100" dist="38100" dir="2700000" algn="tl">
+                    <a:srgbClr val="000000">
+                      <a:alpha val="43137"/>
+                    </a:srgbClr>
+                  </a:outerShdw>
+                </a:effectLst>
+                <a:latin typeface="Times New Roman" panose="02020603050405020304" pitchFamily="18" charset="0"/>
+                <a:ea typeface="Tahoma" panose="020B0604030504040204" pitchFamily="34" charset="0"/>
+                <a:cs typeface="Times New Roman" panose="02020603050405020304" pitchFamily="18" charset="0"/>
+              </a:rPr>
+              <a:pPr/>
+              <a:t>9</a:t>
+            </a:fld>
+            <a:endParaRPr lang="ru-RU" sz="4000" b="1" dirty="0">
+              <a:solidFill>
+                <a:srgbClr val="FF0000"/>
+              </a:solidFill>
+              <a:effectLst>
+                <a:outerShdw blurRad="38100" dist="38100" dir="2700000" algn="tl">
+                  <a:srgbClr val="000000">
+                    <a:alpha val="43137"/>
+                  </a:srgbClr>
+                </a:outerShdw>
+              </a:effectLst>
+              <a:latin typeface="Times New Roman" panose="02020603050405020304" pitchFamily="18" charset="0"/>
+              <a:ea typeface="Tahoma" panose="020B0604030504040204" pitchFamily="34" charset="0"/>
+              <a:cs typeface="Times New Roman" panose="02020603050405020304" pitchFamily="18" charset="0"/>
+            </a:endParaRPr>
+          </a:p>
+        </p:txBody>
+      </p:sp>
       <p:pic>
         <p:nvPicPr>
-          <p:cNvPr id="17" name="Объект 16">
-            <a:extLst>
-              <a:ext uri="{FF2B5EF4-FFF2-40B4-BE49-F238E27FC236}">
-                <a16:creationId xmlns:a16="http://schemas.microsoft.com/office/drawing/2014/main" id="{F8B20AE4-EE19-6A8C-C8C0-5E31B354B1E2}"/>
+          <p:cNvPr id="9" name="Рисунок 8">
+            <a:extLst>
+              <a:ext uri="{FF2B5EF4-FFF2-40B4-BE49-F238E27FC236}">
+                <a16:creationId xmlns:a16="http://schemas.microsoft.com/office/drawing/2014/main" id="{5694AF88-D529-E529-80BC-2D6B2DF0A005}"/>
               </a:ext>
             </a:extLst>
           </p:cNvPr>
           <p:cNvPicPr>
-            <a:picLocks noGrp="1" noChangeAspect="1"/>
+            <a:picLocks noChangeAspect="1"/>
           </p:cNvPicPr>
-          <p:nvPr>
-            <p:ph idx="1"/>
-          </p:nvPr>
+          <p:nvPr/>
         </p:nvPicPr>
         <p:blipFill>
           <a:blip r:embed="rId2"/>
@@ -8943,17 +8928,20 @@
         </p:blipFill>
         <p:spPr>
           <a:xfrm>
-            <a:off x="358837" y="917137"/>
-            <a:ext cx="5982535" cy="1257475"/>
+            <a:off x="1359379" y="730045"/>
+            <a:ext cx="3381847" cy="1543265"/>
           </a:xfrm>
+          <a:prstGeom prst="rect">
+            <a:avLst/>
+          </a:prstGeom>
         </p:spPr>
       </p:pic>
       <p:pic>
         <p:nvPicPr>
-          <p:cNvPr id="19" name="Рисунок 18">
-            <a:extLst>
-              <a:ext uri="{FF2B5EF4-FFF2-40B4-BE49-F238E27FC236}">
-                <a16:creationId xmlns:a16="http://schemas.microsoft.com/office/drawing/2014/main" id="{2EEF408C-3068-CA79-90EC-793AEBD517E0}"/>
+          <p:cNvPr id="12" name="Рисунок 11">
+            <a:extLst>
+              <a:ext uri="{FF2B5EF4-FFF2-40B4-BE49-F238E27FC236}">
+                <a16:creationId xmlns:a16="http://schemas.microsoft.com/office/drawing/2014/main" id="{8BC5DD4E-2B63-8A7A-7FDF-3F89E4E1871E}"/>
               </a:ext>
             </a:extLst>
           </p:cNvPr>
@@ -8970,8 +8958,8 @@
         </p:blipFill>
         <p:spPr>
           <a:xfrm>
-            <a:off x="7565259" y="1006308"/>
-            <a:ext cx="2810267" cy="1267002"/>
+            <a:off x="6471813" y="730045"/>
+            <a:ext cx="5030550" cy="1621742"/>
           </a:xfrm>
           <a:prstGeom prst="rect">
             <a:avLst/>
@@ -8980,10 +8968,10 @@
       </p:pic>
       <p:pic>
         <p:nvPicPr>
-          <p:cNvPr id="21" name="Рисунок 20">
-            <a:extLst>
-              <a:ext uri="{FF2B5EF4-FFF2-40B4-BE49-F238E27FC236}">
-                <a16:creationId xmlns:a16="http://schemas.microsoft.com/office/drawing/2014/main" id="{B50BAF7F-2EC3-F710-1A69-108157D8C8B6}"/>
+          <p:cNvPr id="14" name="Рисунок 13">
+            <a:extLst>
+              <a:ext uri="{FF2B5EF4-FFF2-40B4-BE49-F238E27FC236}">
+                <a16:creationId xmlns:a16="http://schemas.microsoft.com/office/drawing/2014/main" id="{E1C0597D-2225-0EED-95EB-EE0D2659189E}"/>
               </a:ext>
             </a:extLst>
           </p:cNvPr>
@@ -9000,91 +8988,14 @@
         </p:blipFill>
         <p:spPr>
           <a:xfrm>
-            <a:off x="4814746" y="3023978"/>
-            <a:ext cx="2029108" cy="2962688"/>
+            <a:off x="4066891" y="3498325"/>
+            <a:ext cx="4058216" cy="2229161"/>
           </a:xfrm>
           <a:prstGeom prst="rect">
             <a:avLst/>
           </a:prstGeom>
         </p:spPr>
       </p:pic>
-      <p:sp>
-        <p:nvSpPr>
-          <p:cNvPr id="22" name="TextBox 21">
-            <a:extLst>
-              <a:ext uri="{FF2B5EF4-FFF2-40B4-BE49-F238E27FC236}">
-                <a16:creationId xmlns:a16="http://schemas.microsoft.com/office/drawing/2014/main" id="{2F892832-DCE4-06C4-99D1-4A7A21A65DAB}"/>
-              </a:ext>
-            </a:extLst>
-          </p:cNvPr>
-          <p:cNvSpPr txBox="1"/>
-          <p:nvPr/>
-        </p:nvSpPr>
-        <p:spPr>
-          <a:xfrm>
-            <a:off x="4109112" y="6159660"/>
-            <a:ext cx="3973775" cy="369332"/>
-          </a:xfrm>
-          <a:prstGeom prst="rect">
-            <a:avLst/>
-          </a:prstGeom>
-          <a:noFill/>
-        </p:spPr>
-        <p:txBody>
-          <a:bodyPr wrap="square" rtlCol="0">
-            <a:spAutoFit/>
-          </a:bodyPr>
-          <a:lstStyle/>
-          <a:p>
-            <a:r>
-              <a:rPr lang="ru-RU" dirty="0">
-                <a:latin typeface="Times New Roman" panose="02020603050405020304" pitchFamily="18" charset="0"/>
-                <a:cs typeface="Times New Roman" panose="02020603050405020304" pitchFamily="18" charset="0"/>
-              </a:rPr>
-              <a:t>Рисунок 1</a:t>
-            </a:r>
-            <a:r>
-              <a:rPr lang="en-US" dirty="0">
-                <a:latin typeface="Times New Roman" panose="02020603050405020304" pitchFamily="18" charset="0"/>
-                <a:cs typeface="Times New Roman" panose="02020603050405020304" pitchFamily="18" charset="0"/>
-              </a:rPr>
-              <a:t>5</a:t>
-            </a:r>
-            <a:r>
-              <a:rPr lang="ru-RU" dirty="0">
-                <a:latin typeface="Times New Roman" panose="02020603050405020304" pitchFamily="18" charset="0"/>
-                <a:cs typeface="Times New Roman" panose="02020603050405020304" pitchFamily="18" charset="0"/>
-              </a:rPr>
-              <a:t> – Таблица </a:t>
-            </a:r>
-            <a:r>
-              <a:rPr lang="en-US" dirty="0">
-                <a:latin typeface="Times New Roman" panose="02020603050405020304" pitchFamily="18" charset="0"/>
-                <a:cs typeface="Times New Roman" panose="02020603050405020304" pitchFamily="18" charset="0"/>
-              </a:rPr>
-              <a:t>“</a:t>
-            </a:r>
-            <a:r>
-              <a:rPr lang="ru-RU" dirty="0">
-                <a:latin typeface="Times New Roman" panose="02020603050405020304" pitchFamily="18" charset="0"/>
-                <a:cs typeface="Times New Roman" panose="02020603050405020304" pitchFamily="18" charset="0"/>
-              </a:rPr>
-              <a:t>Продукты</a:t>
-            </a:r>
-            <a:r>
-              <a:rPr lang="en-US" dirty="0">
-                <a:latin typeface="Times New Roman" panose="02020603050405020304" pitchFamily="18" charset="0"/>
-                <a:cs typeface="Times New Roman" panose="02020603050405020304" pitchFamily="18" charset="0"/>
-              </a:rPr>
-              <a:t>”</a:t>
-            </a:r>
-            <a:endParaRPr lang="ru-RU" dirty="0">
-              <a:latin typeface="Times New Roman" panose="02020603050405020304" pitchFamily="18" charset="0"/>
-              <a:cs typeface="Times New Roman" panose="02020603050405020304" pitchFamily="18" charset="0"/>
-            </a:endParaRPr>
-          </a:p>
-        </p:txBody>
-      </p:sp>
     </p:spTree>
     <p:extLst>
       <p:ext uri="{BB962C8B-B14F-4D97-AF65-F5344CB8AC3E}">
